--- a/2022년 3월 12일 용접자동화로봇.pptx
+++ b/2022년 3월 12일 용접자동화로봇.pptx
@@ -5,10 +5,10 @@
     <p:sldMasterId id="2147483693" r:id="rId1"/>
   </p:sldMasterIdLst>
   <p:notesMasterIdLst>
-    <p:notesMasterId r:id="rId22"/>
+    <p:notesMasterId r:id="rId26"/>
   </p:notesMasterIdLst>
   <p:handoutMasterIdLst>
-    <p:handoutMasterId r:id="rId23"/>
+    <p:handoutMasterId r:id="rId27"/>
   </p:handoutMasterIdLst>
   <p:sldIdLst>
     <p:sldId id="257" r:id="rId2"/>
@@ -21,16 +21,20 @@
     <p:sldId id="764" r:id="rId9"/>
     <p:sldId id="604" r:id="rId10"/>
     <p:sldId id="743" r:id="rId11"/>
-    <p:sldId id="768" r:id="rId12"/>
-    <p:sldId id="769" r:id="rId13"/>
-    <p:sldId id="770" r:id="rId14"/>
-    <p:sldId id="771" r:id="rId15"/>
-    <p:sldId id="772" r:id="rId16"/>
-    <p:sldId id="720" r:id="rId17"/>
-    <p:sldId id="765" r:id="rId18"/>
-    <p:sldId id="766" r:id="rId19"/>
-    <p:sldId id="767" r:id="rId20"/>
-    <p:sldId id="537" r:id="rId21"/>
+    <p:sldId id="774" r:id="rId12"/>
+    <p:sldId id="775" r:id="rId13"/>
+    <p:sldId id="776" r:id="rId14"/>
+    <p:sldId id="777" r:id="rId15"/>
+    <p:sldId id="778" r:id="rId16"/>
+    <p:sldId id="779" r:id="rId17"/>
+    <p:sldId id="780" r:id="rId18"/>
+    <p:sldId id="781" r:id="rId19"/>
+    <p:sldId id="783" r:id="rId20"/>
+    <p:sldId id="720" r:id="rId21"/>
+    <p:sldId id="765" r:id="rId22"/>
+    <p:sldId id="766" r:id="rId23"/>
+    <p:sldId id="767" r:id="rId24"/>
+    <p:sldId id="537" r:id="rId25"/>
   </p:sldIdLst>
   <p:sldSz cx="9144000" cy="6858000" type="screen4x3"/>
   <p:notesSz cx="6805613" cy="9939338"/>
@@ -259,7 +263,7 @@
               <a:pPr lvl="0">
                 <a:defRPr/>
               </a:pPr>
-              <a:t>2022-03-11</a:t>
+              <a:t>2022-03-12</a:t>
             </a:fld>
             <a:endParaRPr lang="ko-KR" altLang="en-US" dirty="0">
               <a:latin typeface="210 옴니고딕 030" panose="02020603020101020101" pitchFamily="18" charset="-127"/>
@@ -461,7 +465,7 @@
               <a:pPr>
                 <a:defRPr/>
               </a:pPr>
-              <a:t>2022-03-11</a:t>
+              <a:t>2022-03-12</a:t>
             </a:fld>
             <a:endParaRPr lang="ko-KR" altLang="en-US" dirty="0"/>
           </a:p>
@@ -992,7 +996,7 @@
     </p:spTree>
     <p:extLst>
       <p:ext uri="{BB962C8B-B14F-4D97-AF65-F5344CB8AC3E}">
-        <p14:creationId xmlns:p14="http://schemas.microsoft.com/office/powerpoint/2010/main" val="1183353907"/>
+        <p14:creationId xmlns:p14="http://schemas.microsoft.com/office/powerpoint/2010/main" val="473846646"/>
       </p:ext>
     </p:extLst>
   </p:cSld>
@@ -1115,7 +1119,7 @@
     </p:spTree>
     <p:extLst>
       <p:ext uri="{BB962C8B-B14F-4D97-AF65-F5344CB8AC3E}">
-        <p14:creationId xmlns:p14="http://schemas.microsoft.com/office/powerpoint/2010/main" val="908689708"/>
+        <p14:creationId xmlns:p14="http://schemas.microsoft.com/office/powerpoint/2010/main" val="820545720"/>
       </p:ext>
     </p:extLst>
   </p:cSld>
@@ -1238,7 +1242,7 @@
     </p:spTree>
     <p:extLst>
       <p:ext uri="{BB962C8B-B14F-4D97-AF65-F5344CB8AC3E}">
-        <p14:creationId xmlns:p14="http://schemas.microsoft.com/office/powerpoint/2010/main" val="4190661038"/>
+        <p14:creationId xmlns:p14="http://schemas.microsoft.com/office/powerpoint/2010/main" val="3456992929"/>
       </p:ext>
     </p:extLst>
   </p:cSld>
@@ -1361,7 +1365,7 @@
     </p:spTree>
     <p:extLst>
       <p:ext uri="{BB962C8B-B14F-4D97-AF65-F5344CB8AC3E}">
-        <p14:creationId xmlns:p14="http://schemas.microsoft.com/office/powerpoint/2010/main" val="1631860076"/>
+        <p14:creationId xmlns:p14="http://schemas.microsoft.com/office/powerpoint/2010/main" val="2521820623"/>
       </p:ext>
     </p:extLst>
   </p:cSld>
@@ -1372,6 +1376,498 @@
 </file>
 
 <file path=ppt/notesSlides/notesSlide15.xml><?xml version="1.0" encoding="utf-8"?>
+<p:notes xmlns:a="http://schemas.openxmlformats.org/drawingml/2006/main" xmlns:r="http://schemas.openxmlformats.org/officeDocument/2006/relationships" xmlns:p="http://schemas.openxmlformats.org/presentationml/2006/main" showMasterSp="0" showMasterPhAnim="0">
+  <p:cSld>
+    <p:spTree>
+      <p:nvGrpSpPr>
+        <p:cNvPr id="1" name="Shape 215"/>
+        <p:cNvGrpSpPr/>
+        <p:nvPr/>
+      </p:nvGrpSpPr>
+      <p:grpSpPr>
+        <a:xfrm>
+          <a:off x="0" y="0"/>
+          <a:ext cx="0" cy="0"/>
+          <a:chOff x="0" y="0"/>
+          <a:chExt cx="0" cy="0"/>
+        </a:xfrm>
+      </p:grpSpPr>
+      <p:sp>
+        <p:nvSpPr>
+          <p:cNvPr id="216" name="Google Shape;216;p13:notes"/>
+          <p:cNvSpPr>
+            <a:spLocks noGrp="1" noRot="1" noChangeAspect="1"/>
+          </p:cNvSpPr>
+          <p:nvPr>
+            <p:ph type="sldImg" idx="2"/>
+          </p:nvPr>
+        </p:nvSpPr>
+        <p:spPr>
+          <a:xfrm>
+            <a:off x="917575" y="746125"/>
+            <a:ext cx="4970463" cy="3727450"/>
+          </a:xfrm>
+          <a:custGeom>
+            <a:avLst/>
+            <a:gdLst/>
+            <a:ahLst/>
+            <a:cxnLst/>
+            <a:rect l="l" t="t" r="r" b="b"/>
+            <a:pathLst>
+              <a:path w="120000" h="120000" extrusionOk="0">
+                <a:moveTo>
+                  <a:pt x="0" y="0"/>
+                </a:moveTo>
+                <a:lnTo>
+                  <a:pt x="120000" y="0"/>
+                </a:lnTo>
+                <a:lnTo>
+                  <a:pt x="120000" y="120000"/>
+                </a:lnTo>
+                <a:lnTo>
+                  <a:pt x="0" y="120000"/>
+                </a:lnTo>
+                <a:close/>
+              </a:path>
+            </a:pathLst>
+          </a:custGeom>
+          <a:noFill/>
+          <a:ln w="12700" cap="flat" cmpd="sng">
+            <a:solidFill>
+              <a:srgbClr val="000000"/>
+            </a:solidFill>
+            <a:prstDash val="solid"/>
+            <a:round/>
+            <a:headEnd type="none" w="sm" len="sm"/>
+            <a:tailEnd type="none" w="sm" len="sm"/>
+          </a:ln>
+        </p:spPr>
+      </p:sp>
+      <p:sp>
+        <p:nvSpPr>
+          <p:cNvPr id="217" name="Google Shape;217;p13:notes"/>
+          <p:cNvSpPr txBox="1">
+            <a:spLocks noGrp="1"/>
+          </p:cNvSpPr>
+          <p:nvPr>
+            <p:ph type="body" idx="1"/>
+          </p:nvPr>
+        </p:nvSpPr>
+        <p:spPr>
+          <a:xfrm>
+            <a:off x="680562" y="4721186"/>
+            <a:ext cx="5444490" cy="4472702"/>
+          </a:xfrm>
+          <a:prstGeom prst="rect">
+            <a:avLst/>
+          </a:prstGeom>
+          <a:noFill/>
+          <a:ln>
+            <a:noFill/>
+          </a:ln>
+        </p:spPr>
+        <p:txBody>
+          <a:bodyPr spcFirstLastPara="1" wrap="square" lIns="91550" tIns="45775" rIns="91550" bIns="45775" anchor="t" anchorCtr="0">
+            <a:normAutofit/>
+          </a:bodyPr>
+          <a:lstStyle/>
+          <a:p>
+            <a:pPr marL="0" lvl="0" indent="0" algn="l" rtl="0">
+              <a:spcBef>
+                <a:spcPts val="0"/>
+              </a:spcBef>
+              <a:spcAft>
+                <a:spcPts val="0"/>
+              </a:spcAft>
+              <a:buNone/>
+            </a:pPr>
+            <a:endParaRPr/>
+          </a:p>
+        </p:txBody>
+      </p:sp>
+    </p:spTree>
+    <p:extLst>
+      <p:ext uri="{BB962C8B-B14F-4D97-AF65-F5344CB8AC3E}">
+        <p14:creationId xmlns:p14="http://schemas.microsoft.com/office/powerpoint/2010/main" val="2595869282"/>
+      </p:ext>
+    </p:extLst>
+  </p:cSld>
+  <p:clrMapOvr>
+    <a:masterClrMapping/>
+  </p:clrMapOvr>
+</p:notes>
+</file>
+
+<file path=ppt/notesSlides/notesSlide16.xml><?xml version="1.0" encoding="utf-8"?>
+<p:notes xmlns:a="http://schemas.openxmlformats.org/drawingml/2006/main" xmlns:r="http://schemas.openxmlformats.org/officeDocument/2006/relationships" xmlns:p="http://schemas.openxmlformats.org/presentationml/2006/main" showMasterSp="0" showMasterPhAnim="0">
+  <p:cSld>
+    <p:spTree>
+      <p:nvGrpSpPr>
+        <p:cNvPr id="1" name="Shape 215"/>
+        <p:cNvGrpSpPr/>
+        <p:nvPr/>
+      </p:nvGrpSpPr>
+      <p:grpSpPr>
+        <a:xfrm>
+          <a:off x="0" y="0"/>
+          <a:ext cx="0" cy="0"/>
+          <a:chOff x="0" y="0"/>
+          <a:chExt cx="0" cy="0"/>
+        </a:xfrm>
+      </p:grpSpPr>
+      <p:sp>
+        <p:nvSpPr>
+          <p:cNvPr id="216" name="Google Shape;216;p13:notes"/>
+          <p:cNvSpPr>
+            <a:spLocks noGrp="1" noRot="1" noChangeAspect="1"/>
+          </p:cNvSpPr>
+          <p:nvPr>
+            <p:ph type="sldImg" idx="2"/>
+          </p:nvPr>
+        </p:nvSpPr>
+        <p:spPr>
+          <a:xfrm>
+            <a:off x="917575" y="746125"/>
+            <a:ext cx="4970463" cy="3727450"/>
+          </a:xfrm>
+          <a:custGeom>
+            <a:avLst/>
+            <a:gdLst/>
+            <a:ahLst/>
+            <a:cxnLst/>
+            <a:rect l="l" t="t" r="r" b="b"/>
+            <a:pathLst>
+              <a:path w="120000" h="120000" extrusionOk="0">
+                <a:moveTo>
+                  <a:pt x="0" y="0"/>
+                </a:moveTo>
+                <a:lnTo>
+                  <a:pt x="120000" y="0"/>
+                </a:lnTo>
+                <a:lnTo>
+                  <a:pt x="120000" y="120000"/>
+                </a:lnTo>
+                <a:lnTo>
+                  <a:pt x="0" y="120000"/>
+                </a:lnTo>
+                <a:close/>
+              </a:path>
+            </a:pathLst>
+          </a:custGeom>
+          <a:noFill/>
+          <a:ln w="12700" cap="flat" cmpd="sng">
+            <a:solidFill>
+              <a:srgbClr val="000000"/>
+            </a:solidFill>
+            <a:prstDash val="solid"/>
+            <a:round/>
+            <a:headEnd type="none" w="sm" len="sm"/>
+            <a:tailEnd type="none" w="sm" len="sm"/>
+          </a:ln>
+        </p:spPr>
+      </p:sp>
+      <p:sp>
+        <p:nvSpPr>
+          <p:cNvPr id="217" name="Google Shape;217;p13:notes"/>
+          <p:cNvSpPr txBox="1">
+            <a:spLocks noGrp="1"/>
+          </p:cNvSpPr>
+          <p:nvPr>
+            <p:ph type="body" idx="1"/>
+          </p:nvPr>
+        </p:nvSpPr>
+        <p:spPr>
+          <a:xfrm>
+            <a:off x="680562" y="4721186"/>
+            <a:ext cx="5444490" cy="4472702"/>
+          </a:xfrm>
+          <a:prstGeom prst="rect">
+            <a:avLst/>
+          </a:prstGeom>
+          <a:noFill/>
+          <a:ln>
+            <a:noFill/>
+          </a:ln>
+        </p:spPr>
+        <p:txBody>
+          <a:bodyPr spcFirstLastPara="1" wrap="square" lIns="91550" tIns="45775" rIns="91550" bIns="45775" anchor="t" anchorCtr="0">
+            <a:normAutofit/>
+          </a:bodyPr>
+          <a:lstStyle/>
+          <a:p>
+            <a:pPr marL="0" lvl="0" indent="0" algn="l" rtl="0">
+              <a:spcBef>
+                <a:spcPts val="0"/>
+              </a:spcBef>
+              <a:spcAft>
+                <a:spcPts val="0"/>
+              </a:spcAft>
+              <a:buNone/>
+            </a:pPr>
+            <a:endParaRPr/>
+          </a:p>
+        </p:txBody>
+      </p:sp>
+    </p:spTree>
+    <p:extLst>
+      <p:ext uri="{BB962C8B-B14F-4D97-AF65-F5344CB8AC3E}">
+        <p14:creationId xmlns:p14="http://schemas.microsoft.com/office/powerpoint/2010/main" val="2638667424"/>
+      </p:ext>
+    </p:extLst>
+  </p:cSld>
+  <p:clrMapOvr>
+    <a:masterClrMapping/>
+  </p:clrMapOvr>
+</p:notes>
+</file>
+
+<file path=ppt/notesSlides/notesSlide17.xml><?xml version="1.0" encoding="utf-8"?>
+<p:notes xmlns:a="http://schemas.openxmlformats.org/drawingml/2006/main" xmlns:r="http://schemas.openxmlformats.org/officeDocument/2006/relationships" xmlns:p="http://schemas.openxmlformats.org/presentationml/2006/main" showMasterSp="0" showMasterPhAnim="0">
+  <p:cSld>
+    <p:spTree>
+      <p:nvGrpSpPr>
+        <p:cNvPr id="1" name="Shape 215"/>
+        <p:cNvGrpSpPr/>
+        <p:nvPr/>
+      </p:nvGrpSpPr>
+      <p:grpSpPr>
+        <a:xfrm>
+          <a:off x="0" y="0"/>
+          <a:ext cx="0" cy="0"/>
+          <a:chOff x="0" y="0"/>
+          <a:chExt cx="0" cy="0"/>
+        </a:xfrm>
+      </p:grpSpPr>
+      <p:sp>
+        <p:nvSpPr>
+          <p:cNvPr id="216" name="Google Shape;216;p13:notes"/>
+          <p:cNvSpPr>
+            <a:spLocks noGrp="1" noRot="1" noChangeAspect="1"/>
+          </p:cNvSpPr>
+          <p:nvPr>
+            <p:ph type="sldImg" idx="2"/>
+          </p:nvPr>
+        </p:nvSpPr>
+        <p:spPr>
+          <a:xfrm>
+            <a:off x="917575" y="746125"/>
+            <a:ext cx="4970463" cy="3727450"/>
+          </a:xfrm>
+          <a:custGeom>
+            <a:avLst/>
+            <a:gdLst/>
+            <a:ahLst/>
+            <a:cxnLst/>
+            <a:rect l="l" t="t" r="r" b="b"/>
+            <a:pathLst>
+              <a:path w="120000" h="120000" extrusionOk="0">
+                <a:moveTo>
+                  <a:pt x="0" y="0"/>
+                </a:moveTo>
+                <a:lnTo>
+                  <a:pt x="120000" y="0"/>
+                </a:lnTo>
+                <a:lnTo>
+                  <a:pt x="120000" y="120000"/>
+                </a:lnTo>
+                <a:lnTo>
+                  <a:pt x="0" y="120000"/>
+                </a:lnTo>
+                <a:close/>
+              </a:path>
+            </a:pathLst>
+          </a:custGeom>
+          <a:noFill/>
+          <a:ln w="12700" cap="flat" cmpd="sng">
+            <a:solidFill>
+              <a:srgbClr val="000000"/>
+            </a:solidFill>
+            <a:prstDash val="solid"/>
+            <a:round/>
+            <a:headEnd type="none" w="sm" len="sm"/>
+            <a:tailEnd type="none" w="sm" len="sm"/>
+          </a:ln>
+        </p:spPr>
+      </p:sp>
+      <p:sp>
+        <p:nvSpPr>
+          <p:cNvPr id="217" name="Google Shape;217;p13:notes"/>
+          <p:cNvSpPr txBox="1">
+            <a:spLocks noGrp="1"/>
+          </p:cNvSpPr>
+          <p:nvPr>
+            <p:ph type="body" idx="1"/>
+          </p:nvPr>
+        </p:nvSpPr>
+        <p:spPr>
+          <a:xfrm>
+            <a:off x="680562" y="4721186"/>
+            <a:ext cx="5444490" cy="4472702"/>
+          </a:xfrm>
+          <a:prstGeom prst="rect">
+            <a:avLst/>
+          </a:prstGeom>
+          <a:noFill/>
+          <a:ln>
+            <a:noFill/>
+          </a:ln>
+        </p:spPr>
+        <p:txBody>
+          <a:bodyPr spcFirstLastPara="1" wrap="square" lIns="91550" tIns="45775" rIns="91550" bIns="45775" anchor="t" anchorCtr="0">
+            <a:normAutofit/>
+          </a:bodyPr>
+          <a:lstStyle/>
+          <a:p>
+            <a:pPr marL="0" lvl="0" indent="0" algn="l" rtl="0">
+              <a:spcBef>
+                <a:spcPts val="0"/>
+              </a:spcBef>
+              <a:spcAft>
+                <a:spcPts val="0"/>
+              </a:spcAft>
+              <a:buNone/>
+            </a:pPr>
+            <a:endParaRPr/>
+          </a:p>
+        </p:txBody>
+      </p:sp>
+    </p:spTree>
+    <p:extLst>
+      <p:ext uri="{BB962C8B-B14F-4D97-AF65-F5344CB8AC3E}">
+        <p14:creationId xmlns:p14="http://schemas.microsoft.com/office/powerpoint/2010/main" val="1731777203"/>
+      </p:ext>
+    </p:extLst>
+  </p:cSld>
+  <p:clrMapOvr>
+    <a:masterClrMapping/>
+  </p:clrMapOvr>
+</p:notes>
+</file>
+
+<file path=ppt/notesSlides/notesSlide18.xml><?xml version="1.0" encoding="utf-8"?>
+<p:notes xmlns:a="http://schemas.openxmlformats.org/drawingml/2006/main" xmlns:r="http://schemas.openxmlformats.org/officeDocument/2006/relationships" xmlns:p="http://schemas.openxmlformats.org/presentationml/2006/main" showMasterSp="0" showMasterPhAnim="0">
+  <p:cSld>
+    <p:spTree>
+      <p:nvGrpSpPr>
+        <p:cNvPr id="1" name="Shape 215"/>
+        <p:cNvGrpSpPr/>
+        <p:nvPr/>
+      </p:nvGrpSpPr>
+      <p:grpSpPr>
+        <a:xfrm>
+          <a:off x="0" y="0"/>
+          <a:ext cx="0" cy="0"/>
+          <a:chOff x="0" y="0"/>
+          <a:chExt cx="0" cy="0"/>
+        </a:xfrm>
+      </p:grpSpPr>
+      <p:sp>
+        <p:nvSpPr>
+          <p:cNvPr id="216" name="Google Shape;216;p13:notes"/>
+          <p:cNvSpPr>
+            <a:spLocks noGrp="1" noRot="1" noChangeAspect="1"/>
+          </p:cNvSpPr>
+          <p:nvPr>
+            <p:ph type="sldImg" idx="2"/>
+          </p:nvPr>
+        </p:nvSpPr>
+        <p:spPr>
+          <a:xfrm>
+            <a:off x="917575" y="746125"/>
+            <a:ext cx="4970463" cy="3727450"/>
+          </a:xfrm>
+          <a:custGeom>
+            <a:avLst/>
+            <a:gdLst/>
+            <a:ahLst/>
+            <a:cxnLst/>
+            <a:rect l="l" t="t" r="r" b="b"/>
+            <a:pathLst>
+              <a:path w="120000" h="120000" extrusionOk="0">
+                <a:moveTo>
+                  <a:pt x="0" y="0"/>
+                </a:moveTo>
+                <a:lnTo>
+                  <a:pt x="120000" y="0"/>
+                </a:lnTo>
+                <a:lnTo>
+                  <a:pt x="120000" y="120000"/>
+                </a:lnTo>
+                <a:lnTo>
+                  <a:pt x="0" y="120000"/>
+                </a:lnTo>
+                <a:close/>
+              </a:path>
+            </a:pathLst>
+          </a:custGeom>
+          <a:noFill/>
+          <a:ln w="12700" cap="flat" cmpd="sng">
+            <a:solidFill>
+              <a:srgbClr val="000000"/>
+            </a:solidFill>
+            <a:prstDash val="solid"/>
+            <a:round/>
+            <a:headEnd type="none" w="sm" len="sm"/>
+            <a:tailEnd type="none" w="sm" len="sm"/>
+          </a:ln>
+        </p:spPr>
+      </p:sp>
+      <p:sp>
+        <p:nvSpPr>
+          <p:cNvPr id="217" name="Google Shape;217;p13:notes"/>
+          <p:cNvSpPr txBox="1">
+            <a:spLocks noGrp="1"/>
+          </p:cNvSpPr>
+          <p:nvPr>
+            <p:ph type="body" idx="1"/>
+          </p:nvPr>
+        </p:nvSpPr>
+        <p:spPr>
+          <a:xfrm>
+            <a:off x="680562" y="4721186"/>
+            <a:ext cx="5444490" cy="4472702"/>
+          </a:xfrm>
+          <a:prstGeom prst="rect">
+            <a:avLst/>
+          </a:prstGeom>
+          <a:noFill/>
+          <a:ln>
+            <a:noFill/>
+          </a:ln>
+        </p:spPr>
+        <p:txBody>
+          <a:bodyPr spcFirstLastPara="1" wrap="square" lIns="91550" tIns="45775" rIns="91550" bIns="45775" anchor="t" anchorCtr="0">
+            <a:normAutofit/>
+          </a:bodyPr>
+          <a:lstStyle/>
+          <a:p>
+            <a:pPr marL="0" lvl="0" indent="0" algn="l" rtl="0">
+              <a:spcBef>
+                <a:spcPts val="0"/>
+              </a:spcBef>
+              <a:spcAft>
+                <a:spcPts val="0"/>
+              </a:spcAft>
+              <a:buNone/>
+            </a:pPr>
+            <a:endParaRPr/>
+          </a:p>
+        </p:txBody>
+      </p:sp>
+    </p:spTree>
+    <p:extLst>
+      <p:ext uri="{BB962C8B-B14F-4D97-AF65-F5344CB8AC3E}">
+        <p14:creationId xmlns:p14="http://schemas.microsoft.com/office/powerpoint/2010/main" val="812599565"/>
+      </p:ext>
+    </p:extLst>
+  </p:cSld>
+  <p:clrMapOvr>
+    <a:masterClrMapping/>
+  </p:clrMapOvr>
+</p:notes>
+</file>
+
+<file path=ppt/notesSlides/notesSlide19.xml><?xml version="1.0" encoding="utf-8"?>
 <p:notes xmlns:a="http://schemas.openxmlformats.org/drawingml/2006/main" xmlns:r="http://schemas.openxmlformats.org/officeDocument/2006/relationships" xmlns:p="http://schemas.openxmlformats.org/presentationml/2006/main" showMasterSp="0" showMasterPhAnim="0">
   <p:cSld>
     <p:spTree>
@@ -1484,245 +1980,9 @@
     </p:spTree>
     <p:extLst>
       <p:ext uri="{BB962C8B-B14F-4D97-AF65-F5344CB8AC3E}">
-        <p14:creationId xmlns:p14="http://schemas.microsoft.com/office/powerpoint/2010/main" val="1102854730"/>
+        <p14:creationId xmlns:p14="http://schemas.microsoft.com/office/powerpoint/2010/main" val="2143299159"/>
       </p:ext>
     </p:extLst>
-  </p:cSld>
-  <p:clrMapOvr>
-    <a:masterClrMapping/>
-  </p:clrMapOvr>
-</p:notes>
-</file>
-
-<file path=ppt/notesSlides/notesSlide16.xml><?xml version="1.0" encoding="utf-8"?>
-<p:notes xmlns:a="http://schemas.openxmlformats.org/drawingml/2006/main" xmlns:r="http://schemas.openxmlformats.org/officeDocument/2006/relationships" xmlns:p="http://schemas.openxmlformats.org/presentationml/2006/main">
-  <p:cSld>
-    <p:spTree>
-      <p:nvGrpSpPr>
-        <p:cNvPr id="1" name=""/>
-        <p:cNvGrpSpPr/>
-        <p:nvPr/>
-      </p:nvGrpSpPr>
-      <p:grpSpPr>
-        <a:xfrm>
-          <a:off x="0" y="0"/>
-          <a:ext cx="0" cy="0"/>
-          <a:chOff x="0" y="0"/>
-          <a:chExt cx="0" cy="0"/>
-        </a:xfrm>
-      </p:grpSpPr>
-      <p:sp>
-        <p:nvSpPr>
-          <p:cNvPr id="2" name="슬라이드 이미지 개체 틀 1"/>
-          <p:cNvSpPr>
-            <a:spLocks noGrp="1" noRot="1" noChangeAspect="1" noTextEdit="1"/>
-          </p:cNvSpPr>
-          <p:nvPr>
-            <p:ph type="sldImg"/>
-          </p:nvPr>
-        </p:nvSpPr>
-        <p:spPr/>
-      </p:sp>
-      <p:sp>
-        <p:nvSpPr>
-          <p:cNvPr id="3" name="슬라이드 노트 개체 틀 2"/>
-          <p:cNvSpPr>
-            <a:spLocks noGrp="1"/>
-          </p:cNvSpPr>
-          <p:nvPr>
-            <p:ph type="body" idx="1"/>
-          </p:nvPr>
-        </p:nvSpPr>
-        <p:spPr/>
-        <p:txBody>
-          <a:bodyPr/>
-          <a:lstStyle/>
-          <a:p>
-            <a:pPr lvl="0">
-              <a:defRPr/>
-            </a:pPr>
-            <a:endParaRPr lang="ko-KR" altLang="en-US"/>
-          </a:p>
-        </p:txBody>
-      </p:sp>
-    </p:spTree>
-  </p:cSld>
-  <p:clrMapOvr>
-    <a:masterClrMapping/>
-  </p:clrMapOvr>
-</p:notes>
-</file>
-
-<file path=ppt/notesSlides/notesSlide17.xml><?xml version="1.0" encoding="utf-8"?>
-<p:notes xmlns:a="http://schemas.openxmlformats.org/drawingml/2006/main" xmlns:r="http://schemas.openxmlformats.org/officeDocument/2006/relationships" xmlns:p="http://schemas.openxmlformats.org/presentationml/2006/main">
-  <p:cSld>
-    <p:spTree>
-      <p:nvGrpSpPr>
-        <p:cNvPr id="1" name=""/>
-        <p:cNvGrpSpPr/>
-        <p:nvPr/>
-      </p:nvGrpSpPr>
-      <p:grpSpPr>
-        <a:xfrm>
-          <a:off x="0" y="0"/>
-          <a:ext cx="0" cy="0"/>
-          <a:chOff x="0" y="0"/>
-          <a:chExt cx="0" cy="0"/>
-        </a:xfrm>
-      </p:grpSpPr>
-      <p:sp>
-        <p:nvSpPr>
-          <p:cNvPr id="2" name="슬라이드 이미지 개체 틀 1"/>
-          <p:cNvSpPr>
-            <a:spLocks noGrp="1" noRot="1" noChangeAspect="1" noTextEdit="1"/>
-          </p:cNvSpPr>
-          <p:nvPr>
-            <p:ph type="sldImg"/>
-          </p:nvPr>
-        </p:nvSpPr>
-        <p:spPr/>
-      </p:sp>
-      <p:sp>
-        <p:nvSpPr>
-          <p:cNvPr id="3" name="슬라이드 노트 개체 틀 2"/>
-          <p:cNvSpPr>
-            <a:spLocks noGrp="1"/>
-          </p:cNvSpPr>
-          <p:nvPr>
-            <p:ph type="body" idx="1"/>
-          </p:nvPr>
-        </p:nvSpPr>
-        <p:spPr/>
-        <p:txBody>
-          <a:bodyPr/>
-          <a:lstStyle/>
-          <a:p>
-            <a:pPr lvl="0">
-              <a:defRPr/>
-            </a:pPr>
-            <a:endParaRPr lang="ko-KR" altLang="en-US"/>
-          </a:p>
-        </p:txBody>
-      </p:sp>
-    </p:spTree>
-  </p:cSld>
-  <p:clrMapOvr>
-    <a:masterClrMapping/>
-  </p:clrMapOvr>
-</p:notes>
-</file>
-
-<file path=ppt/notesSlides/notesSlide18.xml><?xml version="1.0" encoding="utf-8"?>
-<p:notes xmlns:a="http://schemas.openxmlformats.org/drawingml/2006/main" xmlns:r="http://schemas.openxmlformats.org/officeDocument/2006/relationships" xmlns:p="http://schemas.openxmlformats.org/presentationml/2006/main">
-  <p:cSld>
-    <p:spTree>
-      <p:nvGrpSpPr>
-        <p:cNvPr id="1" name=""/>
-        <p:cNvGrpSpPr/>
-        <p:nvPr/>
-      </p:nvGrpSpPr>
-      <p:grpSpPr>
-        <a:xfrm>
-          <a:off x="0" y="0"/>
-          <a:ext cx="0" cy="0"/>
-          <a:chOff x="0" y="0"/>
-          <a:chExt cx="0" cy="0"/>
-        </a:xfrm>
-      </p:grpSpPr>
-      <p:sp>
-        <p:nvSpPr>
-          <p:cNvPr id="2" name="슬라이드 이미지 개체 틀 1"/>
-          <p:cNvSpPr>
-            <a:spLocks noGrp="1" noRot="1" noChangeAspect="1" noTextEdit="1"/>
-          </p:cNvSpPr>
-          <p:nvPr>
-            <p:ph type="sldImg"/>
-          </p:nvPr>
-        </p:nvSpPr>
-        <p:spPr/>
-      </p:sp>
-      <p:sp>
-        <p:nvSpPr>
-          <p:cNvPr id="3" name="슬라이드 노트 개체 틀 2"/>
-          <p:cNvSpPr>
-            <a:spLocks noGrp="1"/>
-          </p:cNvSpPr>
-          <p:nvPr>
-            <p:ph type="body" idx="1"/>
-          </p:nvPr>
-        </p:nvSpPr>
-        <p:spPr/>
-        <p:txBody>
-          <a:bodyPr/>
-          <a:lstStyle/>
-          <a:p>
-            <a:pPr lvl="0">
-              <a:defRPr/>
-            </a:pPr>
-            <a:endParaRPr lang="ko-KR" altLang="en-US"/>
-          </a:p>
-        </p:txBody>
-      </p:sp>
-    </p:spTree>
-  </p:cSld>
-  <p:clrMapOvr>
-    <a:masterClrMapping/>
-  </p:clrMapOvr>
-</p:notes>
-</file>
-
-<file path=ppt/notesSlides/notesSlide19.xml><?xml version="1.0" encoding="utf-8"?>
-<p:notes xmlns:a="http://schemas.openxmlformats.org/drawingml/2006/main" xmlns:r="http://schemas.openxmlformats.org/officeDocument/2006/relationships" xmlns:p="http://schemas.openxmlformats.org/presentationml/2006/main">
-  <p:cSld>
-    <p:spTree>
-      <p:nvGrpSpPr>
-        <p:cNvPr id="1" name=""/>
-        <p:cNvGrpSpPr/>
-        <p:nvPr/>
-      </p:nvGrpSpPr>
-      <p:grpSpPr>
-        <a:xfrm>
-          <a:off x="0" y="0"/>
-          <a:ext cx="0" cy="0"/>
-          <a:chOff x="0" y="0"/>
-          <a:chExt cx="0" cy="0"/>
-        </a:xfrm>
-      </p:grpSpPr>
-      <p:sp>
-        <p:nvSpPr>
-          <p:cNvPr id="2" name="슬라이드 이미지 개체 틀 1"/>
-          <p:cNvSpPr>
-            <a:spLocks noGrp="1" noRot="1" noChangeAspect="1" noTextEdit="1"/>
-          </p:cNvSpPr>
-          <p:nvPr>
-            <p:ph type="sldImg"/>
-          </p:nvPr>
-        </p:nvSpPr>
-        <p:spPr/>
-      </p:sp>
-      <p:sp>
-        <p:nvSpPr>
-          <p:cNvPr id="3" name="슬라이드 노트 개체 틀 2"/>
-          <p:cNvSpPr>
-            <a:spLocks noGrp="1"/>
-          </p:cNvSpPr>
-          <p:nvPr>
-            <p:ph type="body" idx="1"/>
-          </p:nvPr>
-        </p:nvSpPr>
-        <p:spPr/>
-        <p:txBody>
-          <a:bodyPr/>
-          <a:lstStyle/>
-          <a:p>
-            <a:pPr lvl="0">
-              <a:defRPr/>
-            </a:pPr>
-            <a:endParaRPr lang="ko-KR" altLang="en-US"/>
-          </a:p>
-        </p:txBody>
-      </p:sp>
-    </p:spTree>
   </p:cSld>
   <p:clrMapOvr>
     <a:masterClrMapping/>
@@ -1790,6 +2050,242 @@
 </file>
 
 <file path=ppt/notesSlides/notesSlide20.xml><?xml version="1.0" encoding="utf-8"?>
+<p:notes xmlns:a="http://schemas.openxmlformats.org/drawingml/2006/main" xmlns:r="http://schemas.openxmlformats.org/officeDocument/2006/relationships" xmlns:p="http://schemas.openxmlformats.org/presentationml/2006/main">
+  <p:cSld>
+    <p:spTree>
+      <p:nvGrpSpPr>
+        <p:cNvPr id="1" name=""/>
+        <p:cNvGrpSpPr/>
+        <p:nvPr/>
+      </p:nvGrpSpPr>
+      <p:grpSpPr>
+        <a:xfrm>
+          <a:off x="0" y="0"/>
+          <a:ext cx="0" cy="0"/>
+          <a:chOff x="0" y="0"/>
+          <a:chExt cx="0" cy="0"/>
+        </a:xfrm>
+      </p:grpSpPr>
+      <p:sp>
+        <p:nvSpPr>
+          <p:cNvPr id="2" name="슬라이드 이미지 개체 틀 1"/>
+          <p:cNvSpPr>
+            <a:spLocks noGrp="1" noRot="1" noChangeAspect="1" noTextEdit="1"/>
+          </p:cNvSpPr>
+          <p:nvPr>
+            <p:ph type="sldImg"/>
+          </p:nvPr>
+        </p:nvSpPr>
+        <p:spPr/>
+      </p:sp>
+      <p:sp>
+        <p:nvSpPr>
+          <p:cNvPr id="3" name="슬라이드 노트 개체 틀 2"/>
+          <p:cNvSpPr>
+            <a:spLocks noGrp="1"/>
+          </p:cNvSpPr>
+          <p:nvPr>
+            <p:ph type="body" idx="1"/>
+          </p:nvPr>
+        </p:nvSpPr>
+        <p:spPr/>
+        <p:txBody>
+          <a:bodyPr/>
+          <a:lstStyle/>
+          <a:p>
+            <a:pPr lvl="0">
+              <a:defRPr/>
+            </a:pPr>
+            <a:endParaRPr lang="ko-KR" altLang="en-US"/>
+          </a:p>
+        </p:txBody>
+      </p:sp>
+    </p:spTree>
+  </p:cSld>
+  <p:clrMapOvr>
+    <a:masterClrMapping/>
+  </p:clrMapOvr>
+</p:notes>
+</file>
+
+<file path=ppt/notesSlides/notesSlide21.xml><?xml version="1.0" encoding="utf-8"?>
+<p:notes xmlns:a="http://schemas.openxmlformats.org/drawingml/2006/main" xmlns:r="http://schemas.openxmlformats.org/officeDocument/2006/relationships" xmlns:p="http://schemas.openxmlformats.org/presentationml/2006/main">
+  <p:cSld>
+    <p:spTree>
+      <p:nvGrpSpPr>
+        <p:cNvPr id="1" name=""/>
+        <p:cNvGrpSpPr/>
+        <p:nvPr/>
+      </p:nvGrpSpPr>
+      <p:grpSpPr>
+        <a:xfrm>
+          <a:off x="0" y="0"/>
+          <a:ext cx="0" cy="0"/>
+          <a:chOff x="0" y="0"/>
+          <a:chExt cx="0" cy="0"/>
+        </a:xfrm>
+      </p:grpSpPr>
+      <p:sp>
+        <p:nvSpPr>
+          <p:cNvPr id="2" name="슬라이드 이미지 개체 틀 1"/>
+          <p:cNvSpPr>
+            <a:spLocks noGrp="1" noRot="1" noChangeAspect="1" noTextEdit="1"/>
+          </p:cNvSpPr>
+          <p:nvPr>
+            <p:ph type="sldImg"/>
+          </p:nvPr>
+        </p:nvSpPr>
+        <p:spPr/>
+      </p:sp>
+      <p:sp>
+        <p:nvSpPr>
+          <p:cNvPr id="3" name="슬라이드 노트 개체 틀 2"/>
+          <p:cNvSpPr>
+            <a:spLocks noGrp="1"/>
+          </p:cNvSpPr>
+          <p:nvPr>
+            <p:ph type="body" idx="1"/>
+          </p:nvPr>
+        </p:nvSpPr>
+        <p:spPr/>
+        <p:txBody>
+          <a:bodyPr/>
+          <a:lstStyle/>
+          <a:p>
+            <a:pPr lvl="0">
+              <a:defRPr/>
+            </a:pPr>
+            <a:endParaRPr lang="ko-KR" altLang="en-US"/>
+          </a:p>
+        </p:txBody>
+      </p:sp>
+    </p:spTree>
+  </p:cSld>
+  <p:clrMapOvr>
+    <a:masterClrMapping/>
+  </p:clrMapOvr>
+</p:notes>
+</file>
+
+<file path=ppt/notesSlides/notesSlide22.xml><?xml version="1.0" encoding="utf-8"?>
+<p:notes xmlns:a="http://schemas.openxmlformats.org/drawingml/2006/main" xmlns:r="http://schemas.openxmlformats.org/officeDocument/2006/relationships" xmlns:p="http://schemas.openxmlformats.org/presentationml/2006/main">
+  <p:cSld>
+    <p:spTree>
+      <p:nvGrpSpPr>
+        <p:cNvPr id="1" name=""/>
+        <p:cNvGrpSpPr/>
+        <p:nvPr/>
+      </p:nvGrpSpPr>
+      <p:grpSpPr>
+        <a:xfrm>
+          <a:off x="0" y="0"/>
+          <a:ext cx="0" cy="0"/>
+          <a:chOff x="0" y="0"/>
+          <a:chExt cx="0" cy="0"/>
+        </a:xfrm>
+      </p:grpSpPr>
+      <p:sp>
+        <p:nvSpPr>
+          <p:cNvPr id="2" name="슬라이드 이미지 개체 틀 1"/>
+          <p:cNvSpPr>
+            <a:spLocks noGrp="1" noRot="1" noChangeAspect="1" noTextEdit="1"/>
+          </p:cNvSpPr>
+          <p:nvPr>
+            <p:ph type="sldImg"/>
+          </p:nvPr>
+        </p:nvSpPr>
+        <p:spPr/>
+      </p:sp>
+      <p:sp>
+        <p:nvSpPr>
+          <p:cNvPr id="3" name="슬라이드 노트 개체 틀 2"/>
+          <p:cNvSpPr>
+            <a:spLocks noGrp="1"/>
+          </p:cNvSpPr>
+          <p:nvPr>
+            <p:ph type="body" idx="1"/>
+          </p:nvPr>
+        </p:nvSpPr>
+        <p:spPr/>
+        <p:txBody>
+          <a:bodyPr/>
+          <a:lstStyle/>
+          <a:p>
+            <a:pPr lvl="0">
+              <a:defRPr/>
+            </a:pPr>
+            <a:endParaRPr lang="ko-KR" altLang="en-US"/>
+          </a:p>
+        </p:txBody>
+      </p:sp>
+    </p:spTree>
+  </p:cSld>
+  <p:clrMapOvr>
+    <a:masterClrMapping/>
+  </p:clrMapOvr>
+</p:notes>
+</file>
+
+<file path=ppt/notesSlides/notesSlide23.xml><?xml version="1.0" encoding="utf-8"?>
+<p:notes xmlns:a="http://schemas.openxmlformats.org/drawingml/2006/main" xmlns:r="http://schemas.openxmlformats.org/officeDocument/2006/relationships" xmlns:p="http://schemas.openxmlformats.org/presentationml/2006/main">
+  <p:cSld>
+    <p:spTree>
+      <p:nvGrpSpPr>
+        <p:cNvPr id="1" name=""/>
+        <p:cNvGrpSpPr/>
+        <p:nvPr/>
+      </p:nvGrpSpPr>
+      <p:grpSpPr>
+        <a:xfrm>
+          <a:off x="0" y="0"/>
+          <a:ext cx="0" cy="0"/>
+          <a:chOff x="0" y="0"/>
+          <a:chExt cx="0" cy="0"/>
+        </a:xfrm>
+      </p:grpSpPr>
+      <p:sp>
+        <p:nvSpPr>
+          <p:cNvPr id="2" name="슬라이드 이미지 개체 틀 1"/>
+          <p:cNvSpPr>
+            <a:spLocks noGrp="1" noRot="1" noChangeAspect="1" noTextEdit="1"/>
+          </p:cNvSpPr>
+          <p:nvPr>
+            <p:ph type="sldImg"/>
+          </p:nvPr>
+        </p:nvSpPr>
+        <p:spPr/>
+      </p:sp>
+      <p:sp>
+        <p:nvSpPr>
+          <p:cNvPr id="3" name="슬라이드 노트 개체 틀 2"/>
+          <p:cNvSpPr>
+            <a:spLocks noGrp="1"/>
+          </p:cNvSpPr>
+          <p:nvPr>
+            <p:ph type="body" idx="1"/>
+          </p:nvPr>
+        </p:nvSpPr>
+        <p:spPr/>
+        <p:txBody>
+          <a:bodyPr/>
+          <a:lstStyle/>
+          <a:p>
+            <a:pPr lvl="0">
+              <a:defRPr/>
+            </a:pPr>
+            <a:endParaRPr lang="ko-KR" altLang="en-US"/>
+          </a:p>
+        </p:txBody>
+      </p:sp>
+    </p:spTree>
+  </p:cSld>
+  <p:clrMapOvr>
+    <a:masterClrMapping/>
+  </p:clrMapOvr>
+</p:notes>
+</file>
+
+<file path=ppt/notesSlides/notesSlide24.xml><?xml version="1.0" encoding="utf-8"?>
 <p:notes xmlns:a="http://schemas.openxmlformats.org/drawingml/2006/main" xmlns:r="http://schemas.openxmlformats.org/officeDocument/2006/relationships" xmlns:p="http://schemas.openxmlformats.org/presentationml/2006/main">
   <p:cSld>
     <p:spTree>
@@ -2793,7 +3289,7 @@
             <a:fld id="{9AA08716-9E6A-4A24-8493-A72AA37BBD5C}" type="datetime1">
               <a:rPr lang="ko-KR" altLang="en-US" smtClean="0"/>
               <a:pPr/>
-              <a:t>2022-03-11</a:t>
+              <a:t>2022-03-12</a:t>
             </a:fld>
             <a:endParaRPr lang="ko-KR" altLang="en-US"/>
           </a:p>
@@ -3538,7 +4034,7 @@
             <a:fld id="{23ED893E-93B8-4B8A-8BD5-4FF00A5A9556}" type="datetime1">
               <a:rPr lang="ko-KR" altLang="en-US" smtClean="0"/>
               <a:pPr/>
-              <a:t>2022-03-11</a:t>
+              <a:t>2022-03-12</a:t>
             </a:fld>
             <a:endParaRPr lang="ko-KR" altLang="en-US"/>
           </a:p>
@@ -3850,7 +4346,7 @@
             <a:fld id="{AD83C14E-3BC2-4ABB-AFDC-03F6C50D0B8B}" type="datetime1">
               <a:rPr lang="ko-KR" altLang="en-US" smtClean="0"/>
               <a:pPr/>
-              <a:t>2022-03-11</a:t>
+              <a:t>2022-03-12</a:t>
             </a:fld>
             <a:endParaRPr lang="ko-KR" altLang="en-US"/>
           </a:p>
@@ -4103,7 +4599,7 @@
             <a:fld id="{BCFE353A-24AE-49E2-9FB4-53150C2D7D5F}" type="datetime1">
               <a:rPr lang="ko-KR" altLang="en-US" smtClean="0"/>
               <a:pPr/>
-              <a:t>2022-03-11</a:t>
+              <a:t>2022-03-12</a:t>
             </a:fld>
             <a:endParaRPr lang="ko-KR" altLang="en-US" dirty="0"/>
           </a:p>
@@ -4327,7 +4823,7 @@
             <a:fld id="{45647EB5-D19B-4F20-BDF9-0E9ED1B081AA}" type="datetime1">
               <a:rPr lang="ko-KR" altLang="en-US" smtClean="0"/>
               <a:pPr/>
-              <a:t>2022-03-11</a:t>
+              <a:t>2022-03-12</a:t>
             </a:fld>
             <a:endParaRPr lang="ko-KR" altLang="en-US" dirty="0"/>
           </a:p>
@@ -4551,7 +5047,7 @@
             <a:fld id="{0C02E562-3E81-4222-A4D4-0743A1730EDA}" type="datetime1">
               <a:rPr lang="ko-KR" altLang="en-US" smtClean="0"/>
               <a:pPr/>
-              <a:t>2022-03-11</a:t>
+              <a:t>2022-03-12</a:t>
             </a:fld>
             <a:endParaRPr lang="ko-KR" altLang="en-US" dirty="0"/>
           </a:p>
@@ -6125,7 +6621,19 @@
                 <a:cs typeface="Arial"/>
                 <a:sym typeface="Arial"/>
               </a:rPr>
-              <a:t>1-1. Flare Removal</a:t>
+              <a:t>1-1. </a:t>
+            </a:r>
+            <a:r>
+              <a:rPr lang="ko-KR" altLang="en-US" sz="1500" b="1" dirty="0" smtClean="0">
+                <a:solidFill>
+                  <a:srgbClr val="3D3C3E"/>
+                </a:solidFill>
+                <a:latin typeface="210 옴니고딕 030" panose="02020603020101020101" pitchFamily="18" charset="-127"/>
+                <a:ea typeface="210 옴니고딕 030" panose="02020603020101020101" pitchFamily="18" charset="-127"/>
+                <a:cs typeface="Arial"/>
+                <a:sym typeface="Arial"/>
+              </a:rPr>
+              <a:t>영상 자동 높이 산출</a:t>
             </a:r>
             <a:endParaRPr sz="1500" b="1" dirty="0">
               <a:solidFill>
@@ -6232,7 +6740,7 @@
         <p:spPr>
           <a:xfrm>
             <a:off x="1698156" y="2177667"/>
-            <a:ext cx="5159844" cy="900216"/>
+            <a:ext cx="5159844" cy="1177215"/>
           </a:xfrm>
           <a:prstGeom prst="rect">
             <a:avLst/>
@@ -6260,7 +6768,7 @@
               <a:buChar char="•"/>
             </a:pPr>
             <a:r>
-              <a:rPr lang="en-US" sz="1200" dirty="0">
+              <a:rPr lang="ko-KR" altLang="en-US" sz="1200" dirty="0" smtClean="0">
                 <a:solidFill>
                   <a:schemeClr val="dk1"/>
                 </a:solidFill>
@@ -6269,10 +6777,10 @@
                 <a:cs typeface="Arial"/>
                 <a:sym typeface="Arial"/>
               </a:rPr>
-              <a:t>Welding Pool</a:t>
-            </a:r>
-            <a:r>
-              <a:rPr lang="ko-KR" altLang="en-US" sz="1200" dirty="0">
+              <a:t>높이 측정을 위한 </a:t>
+            </a:r>
+            <a:r>
+              <a:rPr lang="en-US" altLang="ko-KR" sz="1200" dirty="0" smtClean="0">
                 <a:solidFill>
                   <a:schemeClr val="dk1"/>
                 </a:solidFill>
@@ -6281,10 +6789,10 @@
                 <a:cs typeface="Arial"/>
                 <a:sym typeface="Arial"/>
               </a:rPr>
-              <a:t>의 </a:t>
-            </a:r>
-            <a:r>
-              <a:rPr lang="en-US" altLang="ko-KR" sz="1200" dirty="0">
+              <a:t>Calibration </a:t>
+            </a:r>
+            <a:r>
+              <a:rPr lang="ko-KR" altLang="en-US" sz="1200" dirty="0" smtClean="0">
                 <a:solidFill>
                   <a:schemeClr val="dk1"/>
                 </a:solidFill>
@@ -6293,45 +6801,9 @@
                 <a:cs typeface="Arial"/>
                 <a:sym typeface="Arial"/>
               </a:rPr>
-              <a:t>peak </a:t>
-            </a:r>
-            <a:r>
-              <a:rPr lang="ko-KR" altLang="en-US" sz="1200" dirty="0">
-                <a:solidFill>
-                  <a:schemeClr val="dk1"/>
-                </a:solidFill>
-                <a:latin typeface="210 옴니고딕 030" panose="02020603020101020101" pitchFamily="18" charset="-127"/>
-                <a:ea typeface="210 옴니고딕 030" panose="02020603020101020101" pitchFamily="18" charset="-127"/>
-                <a:cs typeface="Arial"/>
-                <a:sym typeface="Arial"/>
-              </a:rPr>
-              <a:t>지점을 찾아서 </a:t>
-            </a:r>
-            <a:r>
-              <a:rPr lang="ko-KR" altLang="en-US" sz="1200" dirty="0" err="1">
-                <a:solidFill>
-                  <a:schemeClr val="dk1"/>
-                </a:solidFill>
-                <a:latin typeface="210 옴니고딕 030" panose="02020603020101020101" pitchFamily="18" charset="-127"/>
-                <a:ea typeface="210 옴니고딕 030" panose="02020603020101020101" pitchFamily="18" charset="-127"/>
-                <a:cs typeface="Arial"/>
-                <a:sym typeface="Arial"/>
-              </a:rPr>
-              <a:t>비드의</a:t>
-            </a:r>
-            <a:r>
-              <a:rPr lang="ko-KR" altLang="en-US" sz="1200" dirty="0">
-                <a:solidFill>
-                  <a:schemeClr val="dk1"/>
-                </a:solidFill>
-                <a:latin typeface="210 옴니고딕 030" panose="02020603020101020101" pitchFamily="18" charset="-127"/>
-                <a:ea typeface="210 옴니고딕 030" panose="02020603020101020101" pitchFamily="18" charset="-127"/>
-                <a:cs typeface="Arial"/>
-                <a:sym typeface="Arial"/>
-              </a:rPr>
-              <a:t> 높이 측정을 위함</a:t>
-            </a:r>
-            <a:endParaRPr lang="en-US" altLang="ko-KR" sz="1200" dirty="0">
+              <a:t>새로 진행</a:t>
+            </a:r>
+            <a:endParaRPr lang="en-US" altLang="ko-KR" sz="1200" dirty="0" smtClean="0">
               <a:solidFill>
                 <a:schemeClr val="dk1"/>
               </a:solidFill>
@@ -6342,7 +6814,7 @@
             </a:endParaRPr>
           </a:p>
           <a:p>
-            <a:pPr marL="160735" indent="-160735">
+            <a:pPr marL="628650" lvl="1" indent="-171450">
               <a:lnSpc>
                 <a:spcPct val="150000"/>
               </a:lnSpc>
@@ -6350,11 +6822,11 @@
                 <a:schemeClr val="dk1"/>
               </a:buClr>
               <a:buSzPts val="1600"/>
-              <a:buFont typeface="Arial"/>
-              <a:buChar char="•"/>
+              <a:buFontTx/>
+              <a:buChar char="-"/>
             </a:pPr>
             <a:r>
-              <a:rPr lang="en-US" sz="1200" dirty="0">
+              <a:rPr lang="en-US" altLang="ko-KR" sz="1200" dirty="0" smtClean="0">
                 <a:solidFill>
                   <a:schemeClr val="dk1"/>
                 </a:solidFill>
@@ -6363,69 +6835,161 @@
                 <a:cs typeface="Arial"/>
                 <a:sym typeface="Arial"/>
               </a:rPr>
-              <a:t>Flare</a:t>
-            </a:r>
-            <a:r>
-              <a:rPr lang="ko-KR" altLang="en-US" sz="1200" dirty="0">
+              <a:t>MONO </a:t>
+            </a:r>
+            <a:r>
+              <a:rPr lang="en-US" altLang="ko-KR" sz="1200" dirty="0" smtClean="0">
                 <a:solidFill>
                   <a:schemeClr val="dk1"/>
                 </a:solidFill>
                 <a:latin typeface="210 옴니고딕 030" panose="02020603020101020101" pitchFamily="18" charset="-127"/>
                 <a:ea typeface="210 옴니고딕 030" panose="02020603020101020101" pitchFamily="18" charset="-127"/>
                 <a:cs typeface="Arial"/>
-                <a:sym typeface="Arial"/>
-              </a:rPr>
-              <a:t>와 </a:t>
-            </a:r>
-            <a:r>
-              <a:rPr lang="en-US" altLang="ko-KR" sz="1200" dirty="0">
+                <a:sym typeface="Wingdings" panose="05000000000000000000" pitchFamily="2" charset="2"/>
+              </a:rPr>
+              <a:t> RGB </a:t>
+            </a:r>
+            <a:r>
+              <a:rPr lang="ko-KR" altLang="en-US" sz="1200" dirty="0" smtClean="0">
                 <a:solidFill>
                   <a:schemeClr val="dk1"/>
                 </a:solidFill>
                 <a:latin typeface="210 옴니고딕 030" panose="02020603020101020101" pitchFamily="18" charset="-127"/>
                 <a:ea typeface="210 옴니고딕 030" panose="02020603020101020101" pitchFamily="18" charset="-127"/>
                 <a:cs typeface="Arial"/>
-                <a:sym typeface="Arial"/>
-              </a:rPr>
-              <a:t>Welding Pool</a:t>
-            </a:r>
-            <a:r>
-              <a:rPr lang="ko-KR" altLang="en-US" sz="1200" dirty="0">
+                <a:sym typeface="Wingdings" panose="05000000000000000000" pitchFamily="2" charset="2"/>
+              </a:rPr>
+              <a:t>카메라 변경</a:t>
+            </a:r>
+            <a:endParaRPr lang="en-US" altLang="ko-KR" sz="1200" dirty="0" smtClean="0">
+              <a:solidFill>
+                <a:schemeClr val="dk1"/>
+              </a:solidFill>
+              <a:latin typeface="210 옴니고딕 030" panose="02020603020101020101" pitchFamily="18" charset="-127"/>
+              <a:ea typeface="210 옴니고딕 030" panose="02020603020101020101" pitchFamily="18" charset="-127"/>
+              <a:cs typeface="Arial"/>
+              <a:sym typeface="Wingdings" panose="05000000000000000000" pitchFamily="2" charset="2"/>
+            </a:endParaRPr>
+          </a:p>
+          <a:p>
+            <a:pPr marL="628650" lvl="1" indent="-171450">
+              <a:lnSpc>
+                <a:spcPct val="150000"/>
+              </a:lnSpc>
+              <a:buClr>
+                <a:schemeClr val="dk1"/>
+              </a:buClr>
+              <a:buSzPts val="1600"/>
+              <a:buFontTx/>
+              <a:buChar char="-"/>
+            </a:pPr>
+            <a:r>
+              <a:rPr lang="ko-KR" altLang="en-US" sz="1200" dirty="0" smtClean="0">
                 <a:solidFill>
                   <a:schemeClr val="dk1"/>
                 </a:solidFill>
                 <a:latin typeface="210 옴니고딕 030" panose="02020603020101020101" pitchFamily="18" charset="-127"/>
                 <a:ea typeface="210 옴니고딕 030" panose="02020603020101020101" pitchFamily="18" charset="-127"/>
                 <a:cs typeface="Arial"/>
-                <a:sym typeface="Arial"/>
-              </a:rPr>
-              <a:t>을 </a:t>
-            </a:r>
-            <a:r>
-              <a:rPr lang="ko-KR" altLang="en-US" sz="1200" dirty="0" err="1">
+                <a:sym typeface="Wingdings" panose="05000000000000000000" pitchFamily="2" charset="2"/>
+              </a:rPr>
+              <a:t>같은 위치에서 </a:t>
+            </a:r>
+            <a:r>
+              <a:rPr lang="ko-KR" altLang="en-US" sz="1200" dirty="0" err="1" smtClean="0">
                 <a:solidFill>
                   <a:schemeClr val="dk1"/>
                 </a:solidFill>
                 <a:latin typeface="210 옴니고딕 030" panose="02020603020101020101" pitchFamily="18" charset="-127"/>
                 <a:ea typeface="210 옴니고딕 030" panose="02020603020101020101" pitchFamily="18" charset="-127"/>
                 <a:cs typeface="Arial"/>
-                <a:sym typeface="Arial"/>
-              </a:rPr>
-              <a:t>구분해내기</a:t>
-            </a:r>
-            <a:r>
-              <a:rPr lang="ko-KR" altLang="en-US" sz="1200" dirty="0">
+                <a:sym typeface="Wingdings" panose="05000000000000000000" pitchFamily="2" charset="2"/>
+              </a:rPr>
+              <a:t>촬영시</a:t>
+            </a:r>
+            <a:r>
+              <a:rPr lang="ko-KR" altLang="en-US" sz="1200" dirty="0" smtClean="0">
                 <a:solidFill>
                   <a:schemeClr val="dk1"/>
                 </a:solidFill>
                 <a:latin typeface="210 옴니고딕 030" panose="02020603020101020101" pitchFamily="18" charset="-127"/>
                 <a:ea typeface="210 옴니고딕 030" panose="02020603020101020101" pitchFamily="18" charset="-127"/>
                 <a:cs typeface="Arial"/>
-                <a:sym typeface="Arial"/>
-              </a:rPr>
-              <a:t> 위함</a:t>
-            </a:r>
-            <a:endParaRPr lang="en-US" altLang="ko-KR" sz="1200" dirty="0">
+                <a:sym typeface="Wingdings" panose="05000000000000000000" pitchFamily="2" charset="2"/>
+              </a:rPr>
+              <a:t> 가까이 보이는 현상</a:t>
+            </a:r>
+            <a:endParaRPr lang="en-US" altLang="ko-KR" sz="1200" dirty="0" smtClean="0">
+              <a:solidFill>
+                <a:schemeClr val="dk1"/>
+              </a:solidFill>
+              <a:latin typeface="210 옴니고딕 030" panose="02020603020101020101" pitchFamily="18" charset="-127"/>
+              <a:ea typeface="210 옴니고딕 030" panose="02020603020101020101" pitchFamily="18" charset="-127"/>
+              <a:cs typeface="Arial"/>
+              <a:sym typeface="Wingdings" panose="05000000000000000000" pitchFamily="2" charset="2"/>
+            </a:endParaRPr>
+          </a:p>
+          <a:p>
+            <a:pPr marL="628650" lvl="1" indent="-171450">
+              <a:lnSpc>
+                <a:spcPct val="150000"/>
+              </a:lnSpc>
+              <a:buClr>
+                <a:schemeClr val="dk1"/>
+              </a:buClr>
+              <a:buSzPts val="1600"/>
+              <a:buFontTx/>
+              <a:buChar char="-"/>
+            </a:pPr>
+            <a:r>
+              <a:rPr lang="en-US" altLang="ko-KR" sz="1200" dirty="0" smtClean="0">
+                <a:solidFill>
+                  <a:schemeClr val="dk1"/>
+                </a:solidFill>
+                <a:latin typeface="210 옴니고딕 030" panose="02020603020101020101" pitchFamily="18" charset="-127"/>
+                <a:ea typeface="210 옴니고딕 030" panose="02020603020101020101" pitchFamily="18" charset="-127"/>
+                <a:cs typeface="Arial"/>
+                <a:sym typeface="Wingdings" panose="05000000000000000000" pitchFamily="2" charset="2"/>
+              </a:rPr>
+              <a:t>1cm, 2cm Checker board </a:t>
+            </a:r>
+            <a:r>
+              <a:rPr lang="ko-KR" altLang="en-US" sz="1200" dirty="0" smtClean="0">
+                <a:solidFill>
+                  <a:schemeClr val="dk1"/>
+                </a:solidFill>
+                <a:latin typeface="210 옴니고딕 030" panose="02020603020101020101" pitchFamily="18" charset="-127"/>
+                <a:ea typeface="210 옴니고딕 030" panose="02020603020101020101" pitchFamily="18" charset="-127"/>
+                <a:cs typeface="Arial"/>
+                <a:sym typeface="Wingdings" panose="05000000000000000000" pitchFamily="2" charset="2"/>
+              </a:rPr>
+              <a:t>사용하여 </a:t>
+            </a:r>
+            <a:r>
+              <a:rPr lang="en-US" altLang="ko-KR" sz="1200" dirty="0" smtClean="0">
+                <a:solidFill>
+                  <a:schemeClr val="dk1"/>
+                </a:solidFill>
+                <a:latin typeface="210 옴니고딕 030" panose="02020603020101020101" pitchFamily="18" charset="-127"/>
+                <a:ea typeface="210 옴니고딕 030" panose="02020603020101020101" pitchFamily="18" charset="-127"/>
+                <a:cs typeface="Arial"/>
+                <a:sym typeface="Wingdings" panose="05000000000000000000" pitchFamily="2" charset="2"/>
+              </a:rPr>
+              <a:t>Calibration </a:t>
+            </a:r>
+            <a:r>
+              <a:rPr lang="ko-KR" altLang="en-US" sz="1200" dirty="0" smtClean="0">
+                <a:solidFill>
+                  <a:schemeClr val="dk1"/>
+                </a:solidFill>
+                <a:latin typeface="210 옴니고딕 030" panose="02020603020101020101" pitchFamily="18" charset="-127"/>
+                <a:ea typeface="210 옴니고딕 030" panose="02020603020101020101" pitchFamily="18" charset="-127"/>
+                <a:cs typeface="Arial"/>
+                <a:sym typeface="Wingdings" panose="05000000000000000000" pitchFamily="2" charset="2"/>
+              </a:rPr>
+              <a:t>진행</a:t>
+            </a:r>
+            <a:endParaRPr lang="en-US" altLang="ko-KR" sz="1200" dirty="0" smtClean="0">
               <a:solidFill>
                 <a:schemeClr val="dk1"/>
               </a:solidFill>
@@ -6435,83 +6999,13 @@
               <a:sym typeface="Arial"/>
             </a:endParaRPr>
           </a:p>
-          <a:p>
-            <a:pPr marL="160735" indent="-160735">
-              <a:lnSpc>
-                <a:spcPct val="150000"/>
-              </a:lnSpc>
-              <a:buClr>
-                <a:schemeClr val="dk1"/>
-              </a:buClr>
-              <a:buSzPts val="1600"/>
-              <a:buFont typeface="Arial"/>
-              <a:buChar char="•"/>
-            </a:pPr>
-            <a:r>
-              <a:rPr lang="en-US" sz="1200" dirty="0">
-                <a:solidFill>
-                  <a:schemeClr val="dk1"/>
-                </a:solidFill>
-                <a:latin typeface="210 옴니고딕 030" panose="02020603020101020101" pitchFamily="18" charset="-127"/>
-                <a:ea typeface="210 옴니고딕 030" panose="02020603020101020101" pitchFamily="18" charset="-127"/>
-                <a:cs typeface="Arial"/>
-                <a:sym typeface="Arial"/>
-              </a:rPr>
-              <a:t>Google research</a:t>
-            </a:r>
-            <a:r>
-              <a:rPr lang="ko-KR" altLang="en-US" sz="1200" dirty="0">
-                <a:solidFill>
-                  <a:schemeClr val="dk1"/>
-                </a:solidFill>
-                <a:latin typeface="210 옴니고딕 030" panose="02020603020101020101" pitchFamily="18" charset="-127"/>
-                <a:ea typeface="210 옴니고딕 030" panose="02020603020101020101" pitchFamily="18" charset="-127"/>
-                <a:cs typeface="Arial"/>
-                <a:sym typeface="Arial"/>
-              </a:rPr>
-              <a:t>의 </a:t>
-            </a:r>
-            <a:r>
-              <a:rPr lang="ko-KR" altLang="en-US" sz="1200" dirty="0" err="1">
-                <a:solidFill>
-                  <a:schemeClr val="dk1"/>
-                </a:solidFill>
-                <a:latin typeface="210 옴니고딕 030" panose="02020603020101020101" pitchFamily="18" charset="-127"/>
-                <a:ea typeface="210 옴니고딕 030" panose="02020603020101020101" pitchFamily="18" charset="-127"/>
-                <a:cs typeface="Arial"/>
-                <a:sym typeface="Arial"/>
-              </a:rPr>
-              <a:t>플레어</a:t>
-            </a:r>
-            <a:r>
-              <a:rPr lang="ko-KR" altLang="en-US" sz="1200" dirty="0">
-                <a:solidFill>
-                  <a:schemeClr val="dk1"/>
-                </a:solidFill>
-                <a:latin typeface="210 옴니고딕 030" panose="02020603020101020101" pitchFamily="18" charset="-127"/>
-                <a:ea typeface="210 옴니고딕 030" panose="02020603020101020101" pitchFamily="18" charset="-127"/>
-                <a:cs typeface="Arial"/>
-                <a:sym typeface="Arial"/>
-              </a:rPr>
-              <a:t> 제거 관련 논문 참고 학습 진행</a:t>
-            </a:r>
-            <a:endParaRPr sz="1200" dirty="0">
-              <a:solidFill>
-                <a:schemeClr val="dk1"/>
-              </a:solidFill>
-              <a:latin typeface="210 옴니고딕 030" panose="02020603020101020101" pitchFamily="18" charset="-127"/>
-              <a:ea typeface="210 옴니고딕 030" panose="02020603020101020101" pitchFamily="18" charset="-127"/>
-              <a:cs typeface="Arial"/>
-              <a:sym typeface="Arial"/>
-            </a:endParaRPr>
-          </a:p>
         </p:txBody>
       </p:sp>
       <p:pic>
         <p:nvPicPr>
-          <p:cNvPr id="1026" name="Picture 2" descr="Metals | Free Full-Text | Investigation on the Dynamic Behavior of Weld Pool  and Weld Microstructure during DP-GMAW for Austenitic Stainless Steel | HTML"/>
+          <p:cNvPr id="9" name="그림 8"/>
           <p:cNvPicPr>
-            <a:picLocks noChangeAspect="1" noChangeArrowheads="1"/>
+            <a:picLocks noChangeAspect="1"/>
           </p:cNvPicPr>
           <p:nvPr/>
         </p:nvPicPr>
@@ -6523,39 +7017,23 @@
               </a:ext>
             </a:extLst>
           </a:blip>
-          <a:srcRect/>
           <a:stretch>
             <a:fillRect/>
           </a:stretch>
         </p:blipFill>
-        <p:spPr bwMode="auto">
+        <p:spPr>
           <a:xfrm>
-            <a:off x="1845314" y="3433406"/>
-            <a:ext cx="2229476" cy="1483616"/>
+            <a:off x="1698156" y="3814775"/>
+            <a:ext cx="2400000" cy="1800000"/>
           </a:xfrm>
           <a:prstGeom prst="rect">
             <a:avLst/>
           </a:prstGeom>
-          <a:noFill/>
-          <a:ln>
-            <a:solidFill>
-              <a:schemeClr val="tx1"/>
-            </a:solidFill>
-          </a:ln>
-          <a:extLst>
-            <a:ext uri="{909E8E84-426E-40DD-AFC4-6F175D3DCCD1}">
-              <a14:hiddenFill xmlns:a14="http://schemas.microsoft.com/office/drawing/2010/main">
-                <a:solidFill>
-                  <a:srgbClr val="FFFFFF"/>
-                </a:solidFill>
-              </a14:hiddenFill>
-            </a:ext>
-          </a:extLst>
         </p:spPr>
       </p:pic>
       <p:pic>
         <p:nvPicPr>
-          <p:cNvPr id="4" name="그림 3"/>
+          <p:cNvPr id="10" name="그림 9"/>
           <p:cNvPicPr>
             <a:picLocks noChangeAspect="1"/>
           </p:cNvPicPr>
@@ -6575,300 +7053,18 @@
         </p:blipFill>
         <p:spPr>
           <a:xfrm>
-            <a:off x="5112900" y="3134249"/>
-            <a:ext cx="1890000" cy="1890000"/>
+            <a:off x="4568851" y="3814775"/>
+            <a:ext cx="2400000" cy="1800000"/>
           </a:xfrm>
           <a:prstGeom prst="rect">
             <a:avLst/>
           </a:prstGeom>
         </p:spPr>
       </p:pic>
-      <p:cxnSp>
-        <p:nvCxnSpPr>
-          <p:cNvPr id="11" name="직선 화살표 연결선 10"/>
-          <p:cNvCxnSpPr/>
-          <p:nvPr/>
-        </p:nvCxnSpPr>
-        <p:spPr>
-          <a:xfrm flipH="1">
-            <a:off x="2454442" y="3733620"/>
-            <a:ext cx="86629" cy="604340"/>
-          </a:xfrm>
-          <a:prstGeom prst="straightConnector1">
-            <a:avLst/>
-          </a:prstGeom>
-          <a:ln w="31750">
-            <a:solidFill>
-              <a:srgbClr val="FF0000"/>
-            </a:solidFill>
-            <a:tailEnd type="triangle"/>
-          </a:ln>
-        </p:spPr>
-        <p:style>
-          <a:lnRef idx="1">
-            <a:schemeClr val="accent1"/>
-          </a:lnRef>
-          <a:fillRef idx="0">
-            <a:schemeClr val="accent1"/>
-          </a:fillRef>
-          <a:effectRef idx="0">
-            <a:schemeClr val="accent1"/>
-          </a:effectRef>
-          <a:fontRef idx="minor">
-            <a:schemeClr val="tx1"/>
-          </a:fontRef>
-        </p:style>
-      </p:cxnSp>
-      <p:sp>
-        <p:nvSpPr>
-          <p:cNvPr id="20" name="Google Shape;236;p14"/>
-          <p:cNvSpPr txBox="1"/>
-          <p:nvPr/>
-        </p:nvSpPr>
-        <p:spPr>
-          <a:xfrm>
-            <a:off x="2014087" y="3473964"/>
-            <a:ext cx="754745" cy="450093"/>
-          </a:xfrm>
-          <a:prstGeom prst="rect">
-            <a:avLst/>
-          </a:prstGeom>
-          <a:noFill/>
-          <a:ln>
-            <a:noFill/>
-          </a:ln>
-        </p:spPr>
-        <p:txBody>
-          <a:bodyPr spcFirstLastPara="1" wrap="square" lIns="68569" tIns="34275" rIns="68569" bIns="34275" anchor="t" anchorCtr="0">
-            <a:spAutoFit/>
-          </a:bodyPr>
-          <a:lstStyle/>
-          <a:p>
-            <a:pPr lvl="1">
-              <a:lnSpc>
-                <a:spcPct val="150000"/>
-              </a:lnSpc>
-              <a:buClr>
-                <a:schemeClr val="dk1"/>
-              </a:buClr>
-              <a:buSzPts val="1600"/>
-            </a:pPr>
-            <a:r>
-              <a:rPr lang="en-US" sz="825" dirty="0">
-                <a:solidFill>
-                  <a:srgbClr val="FF0000"/>
-                </a:solidFill>
-                <a:latin typeface="210 옴니고딕 030" panose="02020603020101020101" pitchFamily="18" charset="-127"/>
-                <a:ea typeface="210 옴니고딕 030" panose="02020603020101020101" pitchFamily="18" charset="-127"/>
-                <a:cs typeface="Arial"/>
-                <a:sym typeface="Arial"/>
-              </a:rPr>
-              <a:t>Peak</a:t>
-            </a:r>
-            <a:endParaRPr sz="825" dirty="0">
-              <a:solidFill>
-                <a:srgbClr val="FF0000"/>
-              </a:solidFill>
-              <a:latin typeface="210 옴니고딕 030" panose="02020603020101020101" pitchFamily="18" charset="-127"/>
-              <a:ea typeface="210 옴니고딕 030" panose="02020603020101020101" pitchFamily="18" charset="-127"/>
-              <a:cs typeface="Arial"/>
-              <a:sym typeface="Arial"/>
-            </a:endParaRPr>
-          </a:p>
-        </p:txBody>
-      </p:sp>
-      <p:cxnSp>
-        <p:nvCxnSpPr>
-          <p:cNvPr id="22" name="직선 화살표 연결선 21"/>
-          <p:cNvCxnSpPr/>
-          <p:nvPr/>
-        </p:nvCxnSpPr>
-        <p:spPr>
-          <a:xfrm flipH="1">
-            <a:off x="6712384" y="3039544"/>
-            <a:ext cx="86629" cy="604340"/>
-          </a:xfrm>
-          <a:prstGeom prst="straightConnector1">
-            <a:avLst/>
-          </a:prstGeom>
-          <a:ln w="31750">
-            <a:solidFill>
-              <a:srgbClr val="FF0000"/>
-            </a:solidFill>
-            <a:tailEnd type="triangle"/>
-          </a:ln>
-        </p:spPr>
-        <p:style>
-          <a:lnRef idx="1">
-            <a:schemeClr val="accent1"/>
-          </a:lnRef>
-          <a:fillRef idx="0">
-            <a:schemeClr val="accent1"/>
-          </a:fillRef>
-          <a:effectRef idx="0">
-            <a:schemeClr val="accent1"/>
-          </a:effectRef>
-          <a:fontRef idx="minor">
-            <a:schemeClr val="tx1"/>
-          </a:fontRef>
-        </p:style>
-      </p:cxnSp>
-      <p:sp>
-        <p:nvSpPr>
-          <p:cNvPr id="23" name="Google Shape;236;p14"/>
-          <p:cNvSpPr txBox="1"/>
-          <p:nvPr/>
-        </p:nvSpPr>
-        <p:spPr>
-          <a:xfrm>
-            <a:off x="6272029" y="2779888"/>
-            <a:ext cx="948718" cy="259656"/>
-          </a:xfrm>
-          <a:prstGeom prst="rect">
-            <a:avLst/>
-          </a:prstGeom>
-          <a:noFill/>
-          <a:ln>
-            <a:noFill/>
-          </a:ln>
-        </p:spPr>
-        <p:txBody>
-          <a:bodyPr spcFirstLastPara="1" wrap="square" lIns="68569" tIns="34275" rIns="68569" bIns="34275" anchor="t" anchorCtr="0">
-            <a:spAutoFit/>
-          </a:bodyPr>
-          <a:lstStyle/>
-          <a:p>
-            <a:pPr lvl="1">
-              <a:lnSpc>
-                <a:spcPct val="150000"/>
-              </a:lnSpc>
-              <a:buClr>
-                <a:schemeClr val="dk1"/>
-              </a:buClr>
-              <a:buSzPts val="1600"/>
-            </a:pPr>
-            <a:r>
-              <a:rPr lang="en-US" sz="825" dirty="0">
-                <a:solidFill>
-                  <a:srgbClr val="FF0000"/>
-                </a:solidFill>
-                <a:latin typeface="210 옴니고딕 030" panose="02020603020101020101" pitchFamily="18" charset="-127"/>
-                <a:ea typeface="210 옴니고딕 030" panose="02020603020101020101" pitchFamily="18" charset="-127"/>
-                <a:cs typeface="Arial"/>
-                <a:sym typeface="Arial"/>
-              </a:rPr>
-              <a:t>Peak</a:t>
-            </a:r>
-            <a:endParaRPr sz="825" dirty="0">
-              <a:solidFill>
-                <a:srgbClr val="FF0000"/>
-              </a:solidFill>
-              <a:latin typeface="210 옴니고딕 030" panose="02020603020101020101" pitchFamily="18" charset="-127"/>
-              <a:ea typeface="210 옴니고딕 030" panose="02020603020101020101" pitchFamily="18" charset="-127"/>
-              <a:cs typeface="Arial"/>
-              <a:sym typeface="Arial"/>
-            </a:endParaRPr>
-          </a:p>
-        </p:txBody>
-      </p:sp>
-      <p:cxnSp>
-        <p:nvCxnSpPr>
-          <p:cNvPr id="24" name="직선 화살표 연결선 23"/>
-          <p:cNvCxnSpPr/>
-          <p:nvPr/>
-        </p:nvCxnSpPr>
-        <p:spPr>
-          <a:xfrm flipH="1">
-            <a:off x="6121668" y="4306332"/>
-            <a:ext cx="736333" cy="557434"/>
-          </a:xfrm>
-          <a:prstGeom prst="straightConnector1">
-            <a:avLst/>
-          </a:prstGeom>
-          <a:ln w="31750">
-            <a:solidFill>
-              <a:srgbClr val="FF0000"/>
-            </a:solidFill>
-            <a:tailEnd type="triangle"/>
-          </a:ln>
-        </p:spPr>
-        <p:style>
-          <a:lnRef idx="1">
-            <a:schemeClr val="accent1"/>
-          </a:lnRef>
-          <a:fillRef idx="0">
-            <a:schemeClr val="accent1"/>
-          </a:fillRef>
-          <a:effectRef idx="0">
-            <a:schemeClr val="accent1"/>
-          </a:effectRef>
-          <a:fontRef idx="minor">
-            <a:schemeClr val="tx1"/>
-          </a:fontRef>
-        </p:style>
-      </p:cxnSp>
-      <p:sp>
-        <p:nvSpPr>
-          <p:cNvPr id="27" name="Google Shape;236;p14"/>
-          <p:cNvSpPr txBox="1"/>
-          <p:nvPr/>
-        </p:nvSpPr>
-        <p:spPr>
-          <a:xfrm>
-            <a:off x="6553078" y="4175214"/>
-            <a:ext cx="1168024" cy="259656"/>
-          </a:xfrm>
-          <a:prstGeom prst="rect">
-            <a:avLst/>
-          </a:prstGeom>
-          <a:noFill/>
-          <a:ln>
-            <a:noFill/>
-          </a:ln>
-        </p:spPr>
-        <p:txBody>
-          <a:bodyPr spcFirstLastPara="1" wrap="square" lIns="68569" tIns="34275" rIns="68569" bIns="34275" anchor="t" anchorCtr="0">
-            <a:spAutoFit/>
-          </a:bodyPr>
-          <a:lstStyle/>
-          <a:p>
-            <a:pPr lvl="1">
-              <a:lnSpc>
-                <a:spcPct val="150000"/>
-              </a:lnSpc>
-              <a:buClr>
-                <a:schemeClr val="dk1"/>
-              </a:buClr>
-              <a:buSzPts val="1600"/>
-            </a:pPr>
-            <a:r>
-              <a:rPr lang="ko-KR" altLang="en-US" sz="825" dirty="0">
-                <a:solidFill>
-                  <a:srgbClr val="FF0000"/>
-                </a:solidFill>
-                <a:latin typeface="210 옴니고딕 030" panose="02020603020101020101" pitchFamily="18" charset="-127"/>
-                <a:ea typeface="210 옴니고딕 030" panose="02020603020101020101" pitchFamily="18" charset="-127"/>
-                <a:cs typeface="Arial"/>
-                <a:sym typeface="Arial"/>
-              </a:rPr>
-              <a:t>진행 방향</a:t>
-            </a:r>
-            <a:endParaRPr sz="825" dirty="0">
-              <a:solidFill>
-                <a:srgbClr val="FF0000"/>
-              </a:solidFill>
-              <a:latin typeface="210 옴니고딕 030" panose="02020603020101020101" pitchFamily="18" charset="-127"/>
-              <a:ea typeface="210 옴니고딕 030" panose="02020603020101020101" pitchFamily="18" charset="-127"/>
-              <a:cs typeface="Arial"/>
-              <a:sym typeface="Arial"/>
-            </a:endParaRPr>
-          </a:p>
-        </p:txBody>
-      </p:sp>
     </p:spTree>
     <p:extLst>
       <p:ext uri="{BB962C8B-B14F-4D97-AF65-F5344CB8AC3E}">
-        <p14:creationId xmlns:p14="http://schemas.microsoft.com/office/powerpoint/2010/main" val="3270899812"/>
+        <p14:creationId xmlns:p14="http://schemas.microsoft.com/office/powerpoint/2010/main" val="2833025309"/>
       </p:ext>
     </p:extLst>
   </p:cSld>
@@ -7015,7 +7211,7 @@
               <a:t>1-1. </a:t>
             </a:r>
             <a:r>
-              <a:rPr lang="en-US" altLang="ko-KR" sz="1500" b="1" dirty="0">
+              <a:rPr lang="ko-KR" altLang="en-US" sz="1500" b="1" dirty="0" smtClean="0">
                 <a:solidFill>
                   <a:srgbClr val="3D3C3E"/>
                 </a:solidFill>
@@ -7024,19 +7220,7 @@
                 <a:cs typeface="Arial"/>
                 <a:sym typeface="Arial"/>
               </a:rPr>
-              <a:t>Flare Removal </a:t>
-            </a:r>
-            <a:r>
-              <a:rPr lang="ko-KR" altLang="en-US" sz="1500" b="1" dirty="0">
-                <a:solidFill>
-                  <a:srgbClr val="3D3C3E"/>
-                </a:solidFill>
-                <a:latin typeface="210 옴니고딕 030" panose="02020603020101020101" pitchFamily="18" charset="-127"/>
-                <a:ea typeface="210 옴니고딕 030" panose="02020603020101020101" pitchFamily="18" charset="-127"/>
-                <a:cs typeface="Arial"/>
-                <a:sym typeface="Arial"/>
-              </a:rPr>
-              <a:t>결과</a:t>
+              <a:t>영상 자동 높이 산출</a:t>
             </a:r>
             <a:endParaRPr sz="1500" b="1" dirty="0">
               <a:solidFill>
@@ -7143,7 +7327,7 @@
         <p:spPr>
           <a:xfrm>
             <a:off x="1698156" y="2177667"/>
-            <a:ext cx="5159844" cy="346218"/>
+            <a:ext cx="5159844" cy="900216"/>
           </a:xfrm>
           <a:prstGeom prst="rect">
             <a:avLst/>
@@ -7171,7 +7355,7 @@
               <a:buChar char="•"/>
             </a:pPr>
             <a:r>
-              <a:rPr lang="ko-KR" altLang="en-US" sz="1200" dirty="0">
+              <a:rPr lang="ko-KR" altLang="en-US" sz="1200" dirty="0" smtClean="0">
                 <a:solidFill>
                   <a:schemeClr val="dk1"/>
                 </a:solidFill>
@@ -7180,57 +7364,9 @@
                 <a:cs typeface="Arial"/>
                 <a:sym typeface="Arial"/>
               </a:rPr>
-              <a:t>광원 및 </a:t>
-            </a:r>
-            <a:r>
-              <a:rPr lang="en-US" altLang="ko-KR" sz="1200" dirty="0">
-                <a:solidFill>
-                  <a:schemeClr val="dk1"/>
-                </a:solidFill>
-                <a:latin typeface="210 옴니고딕 030" panose="02020603020101020101" pitchFamily="18" charset="-127"/>
-                <a:ea typeface="210 옴니고딕 030" panose="02020603020101020101" pitchFamily="18" charset="-127"/>
-                <a:cs typeface="Arial"/>
-                <a:sym typeface="Arial"/>
-              </a:rPr>
-              <a:t>Welding Pool</a:t>
-            </a:r>
-            <a:r>
-              <a:rPr lang="ko-KR" altLang="en-US" sz="1200" dirty="0">
-                <a:solidFill>
-                  <a:schemeClr val="dk1"/>
-                </a:solidFill>
-                <a:latin typeface="210 옴니고딕 030" panose="02020603020101020101" pitchFamily="18" charset="-127"/>
-                <a:ea typeface="210 옴니고딕 030" panose="02020603020101020101" pitchFamily="18" charset="-127"/>
-                <a:cs typeface="Arial"/>
-                <a:sym typeface="Arial"/>
-              </a:rPr>
-              <a:t>은 제거되지 않은 채 </a:t>
-            </a:r>
-            <a:r>
-              <a:rPr lang="ko-KR" altLang="en-US" sz="1200" dirty="0" err="1">
-                <a:solidFill>
-                  <a:schemeClr val="dk1"/>
-                </a:solidFill>
-                <a:latin typeface="210 옴니고딕 030" panose="02020603020101020101" pitchFamily="18" charset="-127"/>
-                <a:ea typeface="210 옴니고딕 030" panose="02020603020101020101" pitchFamily="18" charset="-127"/>
-                <a:cs typeface="Arial"/>
-                <a:sym typeface="Arial"/>
-              </a:rPr>
-              <a:t>플레어</a:t>
-            </a:r>
-            <a:r>
-              <a:rPr lang="ko-KR" altLang="en-US" sz="1200" dirty="0">
-                <a:solidFill>
-                  <a:schemeClr val="dk1"/>
-                </a:solidFill>
-                <a:latin typeface="210 옴니고딕 030" panose="02020603020101020101" pitchFamily="18" charset="-127"/>
-                <a:ea typeface="210 옴니고딕 030" panose="02020603020101020101" pitchFamily="18" charset="-127"/>
-                <a:cs typeface="Arial"/>
-                <a:sym typeface="Arial"/>
-              </a:rPr>
-              <a:t> 제거됨</a:t>
-            </a:r>
-            <a:endParaRPr sz="1200" dirty="0">
+              <a:t>높이 측정 시작 부분 결정</a:t>
+            </a:r>
+            <a:endParaRPr lang="en-US" altLang="ko-KR" sz="1200" dirty="0" smtClean="0">
               <a:solidFill>
                 <a:schemeClr val="dk1"/>
               </a:solidFill>
@@ -7240,18 +7376,144 @@
               <a:sym typeface="Arial"/>
             </a:endParaRPr>
           </a:p>
+          <a:p>
+            <a:pPr marL="628650" lvl="1" indent="-171450">
+              <a:lnSpc>
+                <a:spcPct val="150000"/>
+              </a:lnSpc>
+              <a:buClr>
+                <a:schemeClr val="dk1"/>
+              </a:buClr>
+              <a:buSzPts val="1600"/>
+              <a:buFontTx/>
+              <a:buChar char="-"/>
+            </a:pPr>
+            <a:r>
+              <a:rPr lang="ko-KR" altLang="en-US" sz="1200" dirty="0" smtClean="0">
+                <a:solidFill>
+                  <a:schemeClr val="dk1"/>
+                </a:solidFill>
+                <a:latin typeface="210 옴니고딕 030" panose="02020603020101020101" pitchFamily="18" charset="-127"/>
+                <a:ea typeface="210 옴니고딕 030" panose="02020603020101020101" pitchFamily="18" charset="-127"/>
+                <a:cs typeface="Arial"/>
+                <a:sym typeface="Wingdings" panose="05000000000000000000" pitchFamily="2" charset="2"/>
+              </a:rPr>
+              <a:t>용접 시작부분에는 </a:t>
+            </a:r>
+            <a:r>
+              <a:rPr lang="en-US" altLang="ko-KR" sz="1200" dirty="0" smtClean="0">
+                <a:solidFill>
+                  <a:schemeClr val="dk1"/>
+                </a:solidFill>
+                <a:latin typeface="210 옴니고딕 030" panose="02020603020101020101" pitchFamily="18" charset="-127"/>
+                <a:ea typeface="210 옴니고딕 030" panose="02020603020101020101" pitchFamily="18" charset="-127"/>
+                <a:cs typeface="Arial"/>
+                <a:sym typeface="Wingdings" panose="05000000000000000000" pitchFamily="2" charset="2"/>
+              </a:rPr>
+              <a:t>welding pool</a:t>
+            </a:r>
+            <a:r>
+              <a:rPr lang="ko-KR" altLang="en-US" sz="1200" dirty="0" smtClean="0">
+                <a:solidFill>
+                  <a:schemeClr val="dk1"/>
+                </a:solidFill>
+                <a:latin typeface="210 옴니고딕 030" panose="02020603020101020101" pitchFamily="18" charset="-127"/>
+                <a:ea typeface="210 옴니고딕 030" panose="02020603020101020101" pitchFamily="18" charset="-127"/>
+                <a:cs typeface="Arial"/>
+                <a:sym typeface="Wingdings" panose="05000000000000000000" pitchFamily="2" charset="2"/>
+              </a:rPr>
+              <a:t>이 형성되지 않기 때문</a:t>
+            </a:r>
+            <a:endParaRPr lang="en-US" altLang="ko-KR" sz="1200" dirty="0" smtClean="0">
+              <a:solidFill>
+                <a:schemeClr val="dk1"/>
+              </a:solidFill>
+              <a:latin typeface="210 옴니고딕 030" panose="02020603020101020101" pitchFamily="18" charset="-127"/>
+              <a:ea typeface="210 옴니고딕 030" panose="02020603020101020101" pitchFamily="18" charset="-127"/>
+              <a:cs typeface="Arial"/>
+              <a:sym typeface="Wingdings" panose="05000000000000000000" pitchFamily="2" charset="2"/>
+            </a:endParaRPr>
+          </a:p>
+          <a:p>
+            <a:pPr lvl="1">
+              <a:lnSpc>
+                <a:spcPct val="150000"/>
+              </a:lnSpc>
+              <a:buClr>
+                <a:schemeClr val="dk1"/>
+              </a:buClr>
+              <a:buSzPts val="1600"/>
+            </a:pPr>
+            <a:r>
+              <a:rPr lang="en-US" altLang="ko-KR" sz="1200" dirty="0" smtClean="0">
+                <a:solidFill>
+                  <a:schemeClr val="dk1"/>
+                </a:solidFill>
+                <a:latin typeface="210 옴니고딕 030" panose="02020603020101020101" pitchFamily="18" charset="-127"/>
+                <a:ea typeface="210 옴니고딕 030" panose="02020603020101020101" pitchFamily="18" charset="-127"/>
+                <a:cs typeface="Arial"/>
+                <a:sym typeface="Wingdings" panose="05000000000000000000" pitchFamily="2" charset="2"/>
+              </a:rPr>
+              <a:t> </a:t>
+            </a:r>
+            <a:r>
+              <a:rPr lang="ko-KR" altLang="en-US" sz="1200" dirty="0" smtClean="0">
+                <a:solidFill>
+                  <a:schemeClr val="dk1"/>
+                </a:solidFill>
+                <a:latin typeface="210 옴니고딕 030" panose="02020603020101020101" pitchFamily="18" charset="-127"/>
+                <a:ea typeface="210 옴니고딕 030" panose="02020603020101020101" pitchFamily="18" charset="-127"/>
+                <a:cs typeface="Arial"/>
+                <a:sym typeface="Wingdings" panose="05000000000000000000" pitchFamily="2" charset="2"/>
+              </a:rPr>
+              <a:t>처음 발광 후 </a:t>
+            </a:r>
+            <a:r>
+              <a:rPr lang="en-US" altLang="ko-KR" sz="1200" dirty="0" smtClean="0">
+                <a:solidFill>
+                  <a:schemeClr val="dk1"/>
+                </a:solidFill>
+                <a:latin typeface="210 옴니고딕 030" panose="02020603020101020101" pitchFamily="18" charset="-127"/>
+                <a:ea typeface="210 옴니고딕 030" panose="02020603020101020101" pitchFamily="18" charset="-127"/>
+                <a:cs typeface="Arial"/>
+                <a:sym typeface="Wingdings" panose="05000000000000000000" pitchFamily="2" charset="2"/>
+              </a:rPr>
+              <a:t>1</a:t>
+            </a:r>
+            <a:r>
+              <a:rPr lang="ko-KR" altLang="en-US" sz="1200" dirty="0" smtClean="0">
+                <a:solidFill>
+                  <a:schemeClr val="dk1"/>
+                </a:solidFill>
+                <a:latin typeface="210 옴니고딕 030" panose="02020603020101020101" pitchFamily="18" charset="-127"/>
+                <a:ea typeface="210 옴니고딕 030" panose="02020603020101020101" pitchFamily="18" charset="-127"/>
+                <a:cs typeface="Arial"/>
+                <a:sym typeface="Wingdings" panose="05000000000000000000" pitchFamily="2" charset="2"/>
+              </a:rPr>
+              <a:t>초 뒤 부터 측정 시작</a:t>
+            </a:r>
+            <a:endParaRPr lang="en-US" altLang="ko-KR" sz="1200" dirty="0" smtClean="0">
+              <a:solidFill>
+                <a:schemeClr val="dk1"/>
+              </a:solidFill>
+              <a:latin typeface="210 옴니고딕 030" panose="02020603020101020101" pitchFamily="18" charset="-127"/>
+              <a:ea typeface="210 옴니고딕 030" panose="02020603020101020101" pitchFamily="18" charset="-127"/>
+              <a:cs typeface="Arial"/>
+              <a:sym typeface="Arial"/>
+            </a:endParaRPr>
+          </a:p>
         </p:txBody>
       </p:sp>
       <p:pic>
         <p:nvPicPr>
-          <p:cNvPr id="4" name="그림 3"/>
+          <p:cNvPr id="6" name="그림 5"/>
           <p:cNvPicPr>
             <a:picLocks noChangeAspect="1"/>
           </p:cNvPicPr>
           <p:nvPr/>
         </p:nvPicPr>
         <p:blipFill>
-          <a:blip r:embed="rId3" cstate="print">
+          <a:blip r:embed="rId3">
             <a:extLst>
               <a:ext uri="{28A0092B-C50C-407E-A947-70E740481C1C}">
                 <a14:useLocalDpi xmlns:a14="http://schemas.microsoft.com/office/drawing/2010/main" val="0"/>
@@ -7264,8 +7526,8 @@
         </p:blipFill>
         <p:spPr>
           <a:xfrm>
-            <a:off x="1931941" y="3281790"/>
-            <a:ext cx="1890000" cy="1890000"/>
+            <a:off x="2125286" y="3383064"/>
+            <a:ext cx="2160000" cy="2160000"/>
           </a:xfrm>
           <a:prstGeom prst="rect">
             <a:avLst/>
@@ -7274,14 +7536,14 @@
       </p:pic>
       <p:pic>
         <p:nvPicPr>
-          <p:cNvPr id="2" name="그림 1"/>
+          <p:cNvPr id="7" name="그림 6"/>
           <p:cNvPicPr>
             <a:picLocks noChangeAspect="1"/>
           </p:cNvPicPr>
           <p:nvPr/>
         </p:nvPicPr>
         <p:blipFill>
-          <a:blip r:embed="rId4" cstate="print">
+          <a:blip r:embed="rId4">
             <a:extLst>
               <a:ext uri="{28A0092B-C50C-407E-A947-70E740481C1C}">
                 <a14:useLocalDpi xmlns:a14="http://schemas.microsoft.com/office/drawing/2010/main" val="0"/>
@@ -7294,232 +7556,18 @@
         </p:blipFill>
         <p:spPr>
           <a:xfrm>
-            <a:off x="5334099" y="3269700"/>
-            <a:ext cx="1890000" cy="1890000"/>
+            <a:off x="4818610" y="3383064"/>
+            <a:ext cx="2160000" cy="2160000"/>
           </a:xfrm>
           <a:prstGeom prst="rect">
             <a:avLst/>
           </a:prstGeom>
         </p:spPr>
       </p:pic>
-      <p:cxnSp>
-        <p:nvCxnSpPr>
-          <p:cNvPr id="5" name="직선 화살표 연결선 4"/>
-          <p:cNvCxnSpPr/>
-          <p:nvPr/>
-        </p:nvCxnSpPr>
-        <p:spPr>
-          <a:xfrm>
-            <a:off x="2881073" y="3621956"/>
-            <a:ext cx="3305565" cy="57903"/>
-          </a:xfrm>
-          <a:prstGeom prst="straightConnector1">
-            <a:avLst/>
-          </a:prstGeom>
-          <a:ln w="31750">
-            <a:solidFill>
-              <a:srgbClr val="FF0000"/>
-            </a:solidFill>
-            <a:headEnd type="triangle"/>
-            <a:tailEnd type="triangle"/>
-          </a:ln>
-        </p:spPr>
-        <p:style>
-          <a:lnRef idx="1">
-            <a:schemeClr val="accent1"/>
-          </a:lnRef>
-          <a:fillRef idx="0">
-            <a:schemeClr val="accent1"/>
-          </a:fillRef>
-          <a:effectRef idx="0">
-            <a:schemeClr val="accent1"/>
-          </a:effectRef>
-          <a:fontRef idx="minor">
-            <a:schemeClr val="tx1"/>
-          </a:fontRef>
-        </p:style>
-      </p:cxnSp>
-      <p:sp>
-        <p:nvSpPr>
-          <p:cNvPr id="19" name="Google Shape;236;p14"/>
-          <p:cNvSpPr txBox="1"/>
-          <p:nvPr/>
-        </p:nvSpPr>
-        <p:spPr>
-          <a:xfrm>
-            <a:off x="3692815" y="3388311"/>
-            <a:ext cx="1897976" cy="259656"/>
-          </a:xfrm>
-          <a:prstGeom prst="rect">
-            <a:avLst/>
-          </a:prstGeom>
-          <a:noFill/>
-          <a:ln>
-            <a:noFill/>
-          </a:ln>
-        </p:spPr>
-        <p:txBody>
-          <a:bodyPr spcFirstLastPara="1" wrap="square" lIns="68569" tIns="34275" rIns="68569" bIns="34275" anchor="t" anchorCtr="0">
-            <a:spAutoFit/>
-          </a:bodyPr>
-          <a:lstStyle/>
-          <a:p>
-            <a:pPr lvl="1">
-              <a:lnSpc>
-                <a:spcPct val="150000"/>
-              </a:lnSpc>
-              <a:buClr>
-                <a:schemeClr val="dk1"/>
-              </a:buClr>
-              <a:buSzPts val="1600"/>
-            </a:pPr>
-            <a:r>
-              <a:rPr lang="ko-KR" altLang="en-US" sz="825" dirty="0" err="1">
-                <a:solidFill>
-                  <a:srgbClr val="FF0000"/>
-                </a:solidFill>
-                <a:latin typeface="210 옴니고딕 030" panose="02020603020101020101" pitchFamily="18" charset="-127"/>
-                <a:ea typeface="210 옴니고딕 030" panose="02020603020101020101" pitchFamily="18" charset="-127"/>
-                <a:cs typeface="Arial"/>
-                <a:sym typeface="Arial"/>
-              </a:rPr>
-              <a:t>플레어</a:t>
-            </a:r>
-            <a:r>
-              <a:rPr lang="ko-KR" altLang="en-US" sz="825" dirty="0">
-                <a:solidFill>
-                  <a:srgbClr val="FF0000"/>
-                </a:solidFill>
-                <a:latin typeface="210 옴니고딕 030" panose="02020603020101020101" pitchFamily="18" charset="-127"/>
-                <a:ea typeface="210 옴니고딕 030" panose="02020603020101020101" pitchFamily="18" charset="-127"/>
-                <a:cs typeface="Arial"/>
-                <a:sym typeface="Arial"/>
-              </a:rPr>
-              <a:t> 제거됨</a:t>
-            </a:r>
-            <a:endParaRPr sz="825" dirty="0">
-              <a:solidFill>
-                <a:srgbClr val="FF0000"/>
-              </a:solidFill>
-              <a:latin typeface="210 옴니고딕 030" panose="02020603020101020101" pitchFamily="18" charset="-127"/>
-              <a:ea typeface="210 옴니고딕 030" panose="02020603020101020101" pitchFamily="18" charset="-127"/>
-              <a:cs typeface="Arial"/>
-              <a:sym typeface="Arial"/>
-            </a:endParaRPr>
-          </a:p>
-        </p:txBody>
-      </p:sp>
-      <p:cxnSp>
-        <p:nvCxnSpPr>
-          <p:cNvPr id="21" name="직선 화살표 연결선 20"/>
-          <p:cNvCxnSpPr/>
-          <p:nvPr/>
-        </p:nvCxnSpPr>
-        <p:spPr>
-          <a:xfrm>
-            <a:off x="3276184" y="3952647"/>
-            <a:ext cx="3437438" cy="35486"/>
-          </a:xfrm>
-          <a:prstGeom prst="straightConnector1">
-            <a:avLst/>
-          </a:prstGeom>
-          <a:ln w="31750">
-            <a:solidFill>
-              <a:srgbClr val="FF0000"/>
-            </a:solidFill>
-            <a:headEnd type="triangle"/>
-            <a:tailEnd type="triangle"/>
-          </a:ln>
-        </p:spPr>
-        <p:style>
-          <a:lnRef idx="1">
-            <a:schemeClr val="accent1"/>
-          </a:lnRef>
-          <a:fillRef idx="0">
-            <a:schemeClr val="accent1"/>
-          </a:fillRef>
-          <a:effectRef idx="0">
-            <a:schemeClr val="accent1"/>
-          </a:effectRef>
-          <a:fontRef idx="minor">
-            <a:schemeClr val="tx1"/>
-          </a:fontRef>
-        </p:style>
-      </p:cxnSp>
-      <p:sp>
-        <p:nvSpPr>
-          <p:cNvPr id="25" name="Google Shape;236;p14"/>
-          <p:cNvSpPr txBox="1"/>
-          <p:nvPr/>
-        </p:nvSpPr>
-        <p:spPr>
-          <a:xfrm>
-            <a:off x="3692814" y="3970389"/>
-            <a:ext cx="2042967" cy="259656"/>
-          </a:xfrm>
-          <a:prstGeom prst="rect">
-            <a:avLst/>
-          </a:prstGeom>
-          <a:noFill/>
-          <a:ln>
-            <a:noFill/>
-          </a:ln>
-        </p:spPr>
-        <p:txBody>
-          <a:bodyPr spcFirstLastPara="1" wrap="square" lIns="68569" tIns="34275" rIns="68569" bIns="34275" anchor="t" anchorCtr="0">
-            <a:spAutoFit/>
-          </a:bodyPr>
-          <a:lstStyle/>
-          <a:p>
-            <a:pPr lvl="1">
-              <a:lnSpc>
-                <a:spcPct val="150000"/>
-              </a:lnSpc>
-              <a:buClr>
-                <a:schemeClr val="dk1"/>
-              </a:buClr>
-              <a:buSzPts val="1600"/>
-            </a:pPr>
-            <a:r>
-              <a:rPr lang="en-US" sz="825" dirty="0">
-                <a:solidFill>
-                  <a:srgbClr val="FF0000"/>
-                </a:solidFill>
-                <a:latin typeface="210 옴니고딕 030" panose="02020603020101020101" pitchFamily="18" charset="-127"/>
-                <a:ea typeface="210 옴니고딕 030" panose="02020603020101020101" pitchFamily="18" charset="-127"/>
-                <a:cs typeface="Arial"/>
-                <a:sym typeface="Arial"/>
-              </a:rPr>
-              <a:t>Welding Pool </a:t>
-            </a:r>
-            <a:r>
-              <a:rPr lang="ko-KR" altLang="en-US" sz="825" dirty="0">
-                <a:solidFill>
-                  <a:srgbClr val="FF0000"/>
-                </a:solidFill>
-                <a:latin typeface="210 옴니고딕 030" panose="02020603020101020101" pitchFamily="18" charset="-127"/>
-                <a:ea typeface="210 옴니고딕 030" panose="02020603020101020101" pitchFamily="18" charset="-127"/>
-                <a:cs typeface="Arial"/>
-                <a:sym typeface="Arial"/>
-              </a:rPr>
-              <a:t>제거되지 않음</a:t>
-            </a:r>
-            <a:endParaRPr sz="825" dirty="0">
-              <a:solidFill>
-                <a:srgbClr val="FF0000"/>
-              </a:solidFill>
-              <a:latin typeface="210 옴니고딕 030" panose="02020603020101020101" pitchFamily="18" charset="-127"/>
-              <a:ea typeface="210 옴니고딕 030" panose="02020603020101020101" pitchFamily="18" charset="-127"/>
-              <a:cs typeface="Arial"/>
-              <a:sym typeface="Arial"/>
-            </a:endParaRPr>
-          </a:p>
-        </p:txBody>
-      </p:sp>
     </p:spTree>
     <p:extLst>
       <p:ext uri="{BB962C8B-B14F-4D97-AF65-F5344CB8AC3E}">
-        <p14:creationId xmlns:p14="http://schemas.microsoft.com/office/powerpoint/2010/main" val="1686811211"/>
+        <p14:creationId xmlns:p14="http://schemas.microsoft.com/office/powerpoint/2010/main" val="1634107026"/>
       </p:ext>
     </p:extLst>
   </p:cSld>
@@ -7663,10 +7711,10 @@
                 <a:cs typeface="Arial"/>
                 <a:sym typeface="Arial"/>
               </a:rPr>
-              <a:t>1-1. HSV-</a:t>
-            </a:r>
-            <a:r>
-              <a:rPr lang="en-US" sz="1500" b="1" dirty="0" err="1">
+              <a:t>1-1. </a:t>
+            </a:r>
+            <a:r>
+              <a:rPr lang="ko-KR" altLang="en-US" sz="1500" b="1" dirty="0" smtClean="0">
                 <a:solidFill>
                   <a:srgbClr val="3D3C3E"/>
                 </a:solidFill>
@@ -7675,7 +7723,7 @@
                 <a:cs typeface="Arial"/>
                 <a:sym typeface="Arial"/>
               </a:rPr>
-              <a:t>thresholding</a:t>
+              <a:t>영상 자동 높이 산출</a:t>
             </a:r>
             <a:endParaRPr sz="1500" b="1" dirty="0">
               <a:solidFill>
@@ -7782,7 +7830,7 @@
         <p:spPr>
           <a:xfrm>
             <a:off x="1698156" y="2177667"/>
-            <a:ext cx="6022946" cy="900216"/>
+            <a:ext cx="5159844" cy="900216"/>
           </a:xfrm>
           <a:prstGeom prst="rect">
             <a:avLst/>
@@ -7810,7 +7858,7 @@
               <a:buChar char="•"/>
             </a:pPr>
             <a:r>
-              <a:rPr lang="ko-KR" altLang="en-US" sz="1200" dirty="0">
+              <a:rPr lang="ko-KR" altLang="en-US" sz="1200" dirty="0" smtClean="0">
                 <a:solidFill>
                   <a:schemeClr val="dk1"/>
                 </a:solidFill>
@@ -7819,81 +7867,9 @@
                 <a:cs typeface="Arial"/>
                 <a:sym typeface="Arial"/>
               </a:rPr>
-              <a:t>이미지를 </a:t>
-            </a:r>
-            <a:r>
-              <a:rPr lang="en-US" altLang="ko-KR" sz="1200" dirty="0">
-                <a:solidFill>
-                  <a:schemeClr val="dk1"/>
-                </a:solidFill>
-                <a:latin typeface="210 옴니고딕 030" panose="02020603020101020101" pitchFamily="18" charset="-127"/>
-                <a:ea typeface="210 옴니고딕 030" panose="02020603020101020101" pitchFamily="18" charset="-127"/>
-                <a:cs typeface="Arial"/>
-                <a:sym typeface="Arial"/>
-              </a:rPr>
-              <a:t>HSV</a:t>
-            </a:r>
-            <a:r>
-              <a:rPr lang="ko-KR" altLang="en-US" sz="1200" dirty="0">
-                <a:solidFill>
-                  <a:schemeClr val="dk1"/>
-                </a:solidFill>
-                <a:latin typeface="210 옴니고딕 030" panose="02020603020101020101" pitchFamily="18" charset="-127"/>
-                <a:ea typeface="210 옴니고딕 030" panose="02020603020101020101" pitchFamily="18" charset="-127"/>
-                <a:cs typeface="Arial"/>
-                <a:sym typeface="Arial"/>
-              </a:rPr>
-              <a:t>로 변환하고 </a:t>
-            </a:r>
-            <a:r>
-              <a:rPr lang="en-US" altLang="ko-KR" sz="1200" dirty="0" err="1">
-                <a:solidFill>
-                  <a:schemeClr val="dk1"/>
-                </a:solidFill>
-                <a:latin typeface="210 옴니고딕 030" panose="02020603020101020101" pitchFamily="18" charset="-127"/>
-                <a:ea typeface="210 옴니고딕 030" panose="02020603020101020101" pitchFamily="18" charset="-127"/>
-                <a:cs typeface="Arial"/>
-                <a:sym typeface="Arial"/>
-              </a:rPr>
-              <a:t>Thresholding</a:t>
-            </a:r>
-            <a:r>
-              <a:rPr lang="ko-KR" altLang="en-US" sz="1200" dirty="0">
-                <a:solidFill>
-                  <a:schemeClr val="dk1"/>
-                </a:solidFill>
-                <a:latin typeface="210 옴니고딕 030" panose="02020603020101020101" pitchFamily="18" charset="-127"/>
-                <a:ea typeface="210 옴니고딕 030" panose="02020603020101020101" pitchFamily="18" charset="-127"/>
-                <a:cs typeface="Arial"/>
-                <a:sym typeface="Arial"/>
-              </a:rPr>
-              <a:t>을 통하여 </a:t>
-            </a:r>
-            <a:r>
-              <a:rPr lang="en-US" altLang="ko-KR" sz="1200" dirty="0">
-                <a:solidFill>
-                  <a:schemeClr val="dk1"/>
-                </a:solidFill>
-                <a:latin typeface="210 옴니고딕 030" panose="02020603020101020101" pitchFamily="18" charset="-127"/>
-                <a:ea typeface="210 옴니고딕 030" panose="02020603020101020101" pitchFamily="18" charset="-127"/>
-                <a:cs typeface="Arial"/>
-                <a:sym typeface="Arial"/>
-              </a:rPr>
-              <a:t>Welding pool </a:t>
-            </a:r>
-            <a:r>
-              <a:rPr lang="ko-KR" altLang="en-US" sz="1200" dirty="0">
-                <a:solidFill>
-                  <a:schemeClr val="dk1"/>
-                </a:solidFill>
-                <a:latin typeface="210 옴니고딕 030" panose="02020603020101020101" pitchFamily="18" charset="-127"/>
-                <a:ea typeface="210 옴니고딕 030" panose="02020603020101020101" pitchFamily="18" charset="-127"/>
-                <a:cs typeface="Arial"/>
-                <a:sym typeface="Arial"/>
-              </a:rPr>
-              <a:t>부분 찾음</a:t>
-            </a:r>
-            <a:endParaRPr lang="en-US" altLang="ko-KR" sz="1200" dirty="0">
+              <a:t>높이 측정 시작 부분 결정</a:t>
+            </a:r>
+            <a:endParaRPr lang="en-US" altLang="ko-KR" sz="1200" dirty="0" smtClean="0">
               <a:solidFill>
                 <a:schemeClr val="dk1"/>
               </a:solidFill>
@@ -7904,7 +7880,7 @@
             </a:endParaRPr>
           </a:p>
           <a:p>
-            <a:pPr marL="160735" indent="-160735">
+            <a:pPr marL="628650" lvl="1" indent="-171450">
               <a:lnSpc>
                 <a:spcPct val="150000"/>
               </a:lnSpc>
@@ -7912,82 +7888,114 @@
                 <a:schemeClr val="dk1"/>
               </a:buClr>
               <a:buSzPts val="1600"/>
-              <a:buFont typeface="Arial"/>
-              <a:buChar char="•"/>
+              <a:buFontTx/>
+              <a:buChar char="-"/>
             </a:pPr>
             <a:r>
-              <a:rPr lang="en-US" altLang="ko-KR" sz="1200" dirty="0">
+              <a:rPr lang="ko-KR" altLang="en-US" sz="1200" dirty="0" smtClean="0">
                 <a:solidFill>
                   <a:schemeClr val="dk1"/>
                 </a:solidFill>
                 <a:latin typeface="210 옴니고딕 030" panose="02020603020101020101" pitchFamily="18" charset="-127"/>
                 <a:ea typeface="210 옴니고딕 030" panose="02020603020101020101" pitchFamily="18" charset="-127"/>
                 <a:cs typeface="Arial"/>
-                <a:sym typeface="Arial"/>
-              </a:rPr>
-              <a:t>Mean Filtering</a:t>
-            </a:r>
-            <a:r>
-              <a:rPr lang="ko-KR" altLang="en-US" sz="1200" dirty="0">
+                <a:sym typeface="Wingdings" panose="05000000000000000000" pitchFamily="2" charset="2"/>
+              </a:rPr>
+              <a:t>용접 시작부분에는 </a:t>
+            </a:r>
+            <a:r>
+              <a:rPr lang="en-US" altLang="ko-KR" sz="1200" dirty="0" smtClean="0">
                 <a:solidFill>
                   <a:schemeClr val="dk1"/>
                 </a:solidFill>
                 <a:latin typeface="210 옴니고딕 030" panose="02020603020101020101" pitchFamily="18" charset="-127"/>
                 <a:ea typeface="210 옴니고딕 030" panose="02020603020101020101" pitchFamily="18" charset="-127"/>
                 <a:cs typeface="Arial"/>
-                <a:sym typeface="Arial"/>
-              </a:rPr>
-              <a:t>과 </a:t>
-            </a:r>
-            <a:r>
-              <a:rPr lang="ko-KR" altLang="en-US" sz="1200" dirty="0" err="1">
+                <a:sym typeface="Wingdings" panose="05000000000000000000" pitchFamily="2" charset="2"/>
+              </a:rPr>
+              <a:t>welding pool</a:t>
+            </a:r>
+            <a:r>
+              <a:rPr lang="ko-KR" altLang="en-US" sz="1200" dirty="0" smtClean="0">
                 <a:solidFill>
                   <a:schemeClr val="dk1"/>
                 </a:solidFill>
                 <a:latin typeface="210 옴니고딕 030" panose="02020603020101020101" pitchFamily="18" charset="-127"/>
                 <a:ea typeface="210 옴니고딕 030" panose="02020603020101020101" pitchFamily="18" charset="-127"/>
                 <a:cs typeface="Arial"/>
-                <a:sym typeface="Arial"/>
-              </a:rPr>
-              <a:t>이진화시에</a:t>
-            </a:r>
-            <a:r>
-              <a:rPr lang="ko-KR" altLang="en-US" sz="1200" dirty="0">
+                <a:sym typeface="Wingdings" panose="05000000000000000000" pitchFamily="2" charset="2"/>
+              </a:rPr>
+              <a:t>이 형성되지 않기 때문</a:t>
+            </a:r>
+            <a:endParaRPr lang="en-US" altLang="ko-KR" sz="1200" dirty="0" smtClean="0">
+              <a:solidFill>
+                <a:schemeClr val="dk1"/>
+              </a:solidFill>
+              <a:latin typeface="210 옴니고딕 030" panose="02020603020101020101" pitchFamily="18" charset="-127"/>
+              <a:ea typeface="210 옴니고딕 030" panose="02020603020101020101" pitchFamily="18" charset="-127"/>
+              <a:cs typeface="Arial"/>
+              <a:sym typeface="Wingdings" panose="05000000000000000000" pitchFamily="2" charset="2"/>
+            </a:endParaRPr>
+          </a:p>
+          <a:p>
+            <a:pPr lvl="1">
+              <a:lnSpc>
+                <a:spcPct val="150000"/>
+              </a:lnSpc>
+              <a:buClr>
+                <a:schemeClr val="dk1"/>
+              </a:buClr>
+              <a:buSzPts val="1600"/>
+            </a:pPr>
+            <a:r>
+              <a:rPr lang="en-US" altLang="ko-KR" sz="1200" dirty="0" smtClean="0">
                 <a:solidFill>
                   <a:schemeClr val="dk1"/>
                 </a:solidFill>
                 <a:latin typeface="210 옴니고딕 030" panose="02020603020101020101" pitchFamily="18" charset="-127"/>
                 <a:ea typeface="210 옴니고딕 030" panose="02020603020101020101" pitchFamily="18" charset="-127"/>
                 <a:cs typeface="Arial"/>
-                <a:sym typeface="Arial"/>
-              </a:rPr>
-              <a:t> </a:t>
-            </a:r>
-            <a:r>
-              <a:rPr lang="en-US" altLang="ko-KR" sz="1200" dirty="0">
+                <a:sym typeface="Wingdings" panose="05000000000000000000" pitchFamily="2" charset="2"/>
+              </a:rPr>
+              <a:t> </a:t>
+            </a:r>
+            <a:r>
+              <a:rPr lang="ko-KR" altLang="en-US" sz="1200" dirty="0" smtClean="0">
                 <a:solidFill>
                   <a:schemeClr val="dk1"/>
                 </a:solidFill>
                 <a:latin typeface="210 옴니고딕 030" panose="02020603020101020101" pitchFamily="18" charset="-127"/>
                 <a:ea typeface="210 옴니고딕 030" panose="02020603020101020101" pitchFamily="18" charset="-127"/>
                 <a:cs typeface="Arial"/>
-                <a:sym typeface="Arial"/>
-              </a:rPr>
-              <a:t>Welding Pool</a:t>
-            </a:r>
-            <a:r>
-              <a:rPr lang="ko-KR" altLang="en-US" sz="1200" dirty="0">
+                <a:sym typeface="Wingdings" panose="05000000000000000000" pitchFamily="2" charset="2"/>
+              </a:rPr>
+              <a:t>처음 발광 후 </a:t>
+            </a:r>
+            <a:r>
+              <a:rPr lang="en-US" altLang="ko-KR" sz="1200" dirty="0" smtClean="0">
                 <a:solidFill>
                   <a:schemeClr val="dk1"/>
                 </a:solidFill>
                 <a:latin typeface="210 옴니고딕 030" panose="02020603020101020101" pitchFamily="18" charset="-127"/>
                 <a:ea typeface="210 옴니고딕 030" panose="02020603020101020101" pitchFamily="18" charset="-127"/>
                 <a:cs typeface="Arial"/>
-                <a:sym typeface="Arial"/>
-              </a:rPr>
-              <a:t>이 사라지는 현상 제거</a:t>
-            </a:r>
-            <a:endParaRPr lang="en-US" altLang="ko-KR" sz="1200" dirty="0">
+                <a:sym typeface="Wingdings" panose="05000000000000000000" pitchFamily="2" charset="2"/>
+              </a:rPr>
+              <a:t>1</a:t>
+            </a:r>
+            <a:r>
+              <a:rPr lang="ko-KR" altLang="en-US" sz="1200" dirty="0" smtClean="0">
+                <a:solidFill>
+                  <a:schemeClr val="dk1"/>
+                </a:solidFill>
+                <a:latin typeface="210 옴니고딕 030" panose="02020603020101020101" pitchFamily="18" charset="-127"/>
+                <a:ea typeface="210 옴니고딕 030" panose="02020603020101020101" pitchFamily="18" charset="-127"/>
+                <a:cs typeface="Arial"/>
+                <a:sym typeface="Wingdings" panose="05000000000000000000" pitchFamily="2" charset="2"/>
+              </a:rPr>
+              <a:t>초 뒤 부터 측정 시작</a:t>
+            </a:r>
+            <a:endParaRPr lang="en-US" altLang="ko-KR" sz="1200" dirty="0" smtClean="0">
               <a:solidFill>
                 <a:schemeClr val="dk1"/>
               </a:solidFill>
@@ -7997,88 +8005,18 @@
               <a:sym typeface="Arial"/>
             </a:endParaRPr>
           </a:p>
-          <a:p>
-            <a:pPr marL="160735" indent="-160735">
-              <a:lnSpc>
-                <a:spcPct val="150000"/>
-              </a:lnSpc>
-              <a:buClr>
-                <a:schemeClr val="dk1"/>
-              </a:buClr>
-              <a:buSzPts val="1600"/>
-              <a:buFont typeface="Arial"/>
-              <a:buChar char="•"/>
-            </a:pPr>
-            <a:r>
-              <a:rPr lang="en-US" altLang="ko-KR" sz="1200" dirty="0">
-                <a:solidFill>
-                  <a:schemeClr val="dk1"/>
-                </a:solidFill>
-                <a:latin typeface="210 옴니고딕 030" panose="02020603020101020101" pitchFamily="18" charset="-127"/>
-                <a:ea typeface="210 옴니고딕 030" panose="02020603020101020101" pitchFamily="18" charset="-127"/>
-                <a:cs typeface="Arial"/>
-                <a:sym typeface="Arial"/>
-              </a:rPr>
-              <a:t>Welding Pool</a:t>
-            </a:r>
-            <a:r>
-              <a:rPr lang="ko-KR" altLang="en-US" sz="1200" dirty="0">
-                <a:solidFill>
-                  <a:schemeClr val="dk1"/>
-                </a:solidFill>
-                <a:latin typeface="210 옴니고딕 030" panose="02020603020101020101" pitchFamily="18" charset="-127"/>
-                <a:ea typeface="210 옴니고딕 030" panose="02020603020101020101" pitchFamily="18" charset="-127"/>
-                <a:cs typeface="Arial"/>
-                <a:sym typeface="Arial"/>
-              </a:rPr>
-              <a:t>의 </a:t>
-            </a:r>
-            <a:r>
-              <a:rPr lang="en-US" altLang="ko-KR" sz="1200" dirty="0">
-                <a:solidFill>
-                  <a:schemeClr val="dk1"/>
-                </a:solidFill>
-                <a:latin typeface="210 옴니고딕 030" panose="02020603020101020101" pitchFamily="18" charset="-127"/>
-                <a:ea typeface="210 옴니고딕 030" panose="02020603020101020101" pitchFamily="18" charset="-127"/>
-                <a:cs typeface="Arial"/>
-                <a:sym typeface="Arial"/>
-              </a:rPr>
-              <a:t>Peak</a:t>
-            </a:r>
-            <a:r>
-              <a:rPr lang="ko-KR" altLang="en-US" sz="1200" dirty="0">
-                <a:solidFill>
-                  <a:schemeClr val="dk1"/>
-                </a:solidFill>
-                <a:latin typeface="210 옴니고딕 030" panose="02020603020101020101" pitchFamily="18" charset="-127"/>
-                <a:ea typeface="210 옴니고딕 030" panose="02020603020101020101" pitchFamily="18" charset="-127"/>
-                <a:cs typeface="Arial"/>
-                <a:sym typeface="Arial"/>
-              </a:rPr>
-              <a:t>부분 및 약간의 노이즈만 남음</a:t>
-            </a:r>
-            <a:endParaRPr lang="en-US" altLang="ko-KR" sz="1200" dirty="0">
-              <a:solidFill>
-                <a:schemeClr val="dk1"/>
-              </a:solidFill>
-              <a:latin typeface="210 옴니고딕 030" panose="02020603020101020101" pitchFamily="18" charset="-127"/>
-              <a:ea typeface="210 옴니고딕 030" panose="02020603020101020101" pitchFamily="18" charset="-127"/>
-              <a:cs typeface="Arial"/>
-              <a:sym typeface="Arial"/>
-            </a:endParaRPr>
-          </a:p>
         </p:txBody>
       </p:sp>
       <p:pic>
         <p:nvPicPr>
-          <p:cNvPr id="2" name="그림 1"/>
+          <p:cNvPr id="6" name="그림 5"/>
           <p:cNvPicPr>
             <a:picLocks noChangeAspect="1"/>
           </p:cNvPicPr>
           <p:nvPr/>
         </p:nvPicPr>
         <p:blipFill>
-          <a:blip r:embed="rId3" cstate="print">
+          <a:blip r:embed="rId3">
             <a:extLst>
               <a:ext uri="{28A0092B-C50C-407E-A947-70E740481C1C}">
                 <a14:useLocalDpi xmlns:a14="http://schemas.microsoft.com/office/drawing/2010/main" val="0"/>
@@ -8091,8 +8029,8 @@
         </p:blipFill>
         <p:spPr>
           <a:xfrm>
-            <a:off x="2143324" y="3134249"/>
-            <a:ext cx="1890000" cy="1890000"/>
+            <a:off x="2125286" y="3383064"/>
+            <a:ext cx="2160000" cy="2160000"/>
           </a:xfrm>
           <a:prstGeom prst="rect">
             <a:avLst/>
@@ -8101,14 +8039,14 @@
       </p:pic>
       <p:pic>
         <p:nvPicPr>
-          <p:cNvPr id="6" name="그림 5"/>
+          <p:cNvPr id="7" name="그림 6"/>
           <p:cNvPicPr>
             <a:picLocks noChangeAspect="1"/>
           </p:cNvPicPr>
           <p:nvPr/>
         </p:nvPicPr>
         <p:blipFill>
-          <a:blip r:embed="rId4" cstate="print">
+          <a:blip r:embed="rId4">
             <a:extLst>
               <a:ext uri="{28A0092B-C50C-407E-A947-70E740481C1C}">
                 <a14:useLocalDpi xmlns:a14="http://schemas.microsoft.com/office/drawing/2010/main" val="0"/>
@@ -8121,157 +8059,18 @@
         </p:blipFill>
         <p:spPr>
           <a:xfrm>
-            <a:off x="5201785" y="3134249"/>
-            <a:ext cx="1890000" cy="1890000"/>
+            <a:off x="4818610" y="3383064"/>
+            <a:ext cx="2160000" cy="2160000"/>
           </a:xfrm>
           <a:prstGeom prst="rect">
             <a:avLst/>
           </a:prstGeom>
         </p:spPr>
       </p:pic>
-      <p:sp>
-        <p:nvSpPr>
-          <p:cNvPr id="7" name="오른쪽 화살표 6"/>
-          <p:cNvSpPr/>
-          <p:nvPr/>
-        </p:nvSpPr>
-        <p:spPr>
-          <a:xfrm>
-            <a:off x="4374682" y="3845895"/>
-            <a:ext cx="490889" cy="418699"/>
-          </a:xfrm>
-          <a:prstGeom prst="rightArrow">
-            <a:avLst/>
-          </a:prstGeom>
-        </p:spPr>
-        <p:style>
-          <a:lnRef idx="2">
-            <a:schemeClr val="accent1">
-              <a:shade val="50000"/>
-            </a:schemeClr>
-          </a:lnRef>
-          <a:fillRef idx="1">
-            <a:schemeClr val="accent1"/>
-          </a:fillRef>
-          <a:effectRef idx="0">
-            <a:schemeClr val="accent1"/>
-          </a:effectRef>
-          <a:fontRef idx="minor">
-            <a:schemeClr val="lt1"/>
-          </a:fontRef>
-        </p:style>
-        <p:txBody>
-          <a:bodyPr rot="0" spcFirstLastPara="0" vertOverflow="overflow" horzOverflow="overflow" vert="horz" wrap="square" lIns="68580" tIns="34290" rIns="68580" bIns="34290" numCol="1" spcCol="0" rtlCol="0" fromWordArt="0" anchor="ctr" anchorCtr="0" forceAA="0" compatLnSpc="1">
-            <a:prstTxWarp prst="textNoShape">
-              <a:avLst/>
-            </a:prstTxWarp>
-            <a:noAutofit/>
-          </a:bodyPr>
-          <a:lstStyle/>
-          <a:p>
-            <a:pPr algn="ctr"/>
-            <a:endParaRPr lang="ko-KR" altLang="en-US" sz="1350"/>
-          </a:p>
-        </p:txBody>
-      </p:sp>
-      <p:cxnSp>
-        <p:nvCxnSpPr>
-          <p:cNvPr id="23" name="직선 화살표 연결선 22"/>
-          <p:cNvCxnSpPr/>
-          <p:nvPr/>
-        </p:nvCxnSpPr>
-        <p:spPr>
-          <a:xfrm flipH="1">
-            <a:off x="6712384" y="3039544"/>
-            <a:ext cx="86629" cy="604340"/>
-          </a:xfrm>
-          <a:prstGeom prst="straightConnector1">
-            <a:avLst/>
-          </a:prstGeom>
-          <a:ln w="31750">
-            <a:solidFill>
-              <a:srgbClr val="FF0000"/>
-            </a:solidFill>
-            <a:tailEnd type="triangle"/>
-          </a:ln>
-        </p:spPr>
-        <p:style>
-          <a:lnRef idx="1">
-            <a:schemeClr val="accent1"/>
-          </a:lnRef>
-          <a:fillRef idx="0">
-            <a:schemeClr val="accent1"/>
-          </a:fillRef>
-          <a:effectRef idx="0">
-            <a:schemeClr val="accent1"/>
-          </a:effectRef>
-          <a:fontRef idx="minor">
-            <a:schemeClr val="tx1"/>
-          </a:fontRef>
-        </p:style>
-      </p:cxnSp>
-      <p:sp>
-        <p:nvSpPr>
-          <p:cNvPr id="26" name="Google Shape;236;p14"/>
-          <p:cNvSpPr txBox="1"/>
-          <p:nvPr/>
-        </p:nvSpPr>
-        <p:spPr>
-          <a:xfrm>
-            <a:off x="6272029" y="2779888"/>
-            <a:ext cx="1567748" cy="259656"/>
-          </a:xfrm>
-          <a:prstGeom prst="rect">
-            <a:avLst/>
-          </a:prstGeom>
-          <a:noFill/>
-          <a:ln>
-            <a:noFill/>
-          </a:ln>
-        </p:spPr>
-        <p:txBody>
-          <a:bodyPr spcFirstLastPara="1" wrap="square" lIns="68569" tIns="34275" rIns="68569" bIns="34275" anchor="t" anchorCtr="0">
-            <a:spAutoFit/>
-          </a:bodyPr>
-          <a:lstStyle/>
-          <a:p>
-            <a:pPr lvl="1">
-              <a:lnSpc>
-                <a:spcPct val="150000"/>
-              </a:lnSpc>
-              <a:buClr>
-                <a:schemeClr val="dk1"/>
-              </a:buClr>
-              <a:buSzPts val="1600"/>
-            </a:pPr>
-            <a:r>
-              <a:rPr lang="en-US" sz="825" dirty="0">
-                <a:solidFill>
-                  <a:srgbClr val="FF0000"/>
-                </a:solidFill>
-                <a:latin typeface="210 옴니고딕 030" panose="02020603020101020101" pitchFamily="18" charset="-127"/>
-                <a:ea typeface="210 옴니고딕 030" panose="02020603020101020101" pitchFamily="18" charset="-127"/>
-                <a:cs typeface="Arial"/>
-                <a:sym typeface="Arial"/>
-              </a:rPr>
-              <a:t>Welding Pool</a:t>
-            </a:r>
-            <a:endParaRPr sz="825" dirty="0">
-              <a:solidFill>
-                <a:srgbClr val="FF0000"/>
-              </a:solidFill>
-              <a:latin typeface="210 옴니고딕 030" panose="02020603020101020101" pitchFamily="18" charset="-127"/>
-              <a:ea typeface="210 옴니고딕 030" panose="02020603020101020101" pitchFamily="18" charset="-127"/>
-              <a:cs typeface="Arial"/>
-              <a:sym typeface="Arial"/>
-            </a:endParaRPr>
-          </a:p>
-        </p:txBody>
-      </p:sp>
     </p:spTree>
     <p:extLst>
       <p:ext uri="{BB962C8B-B14F-4D97-AF65-F5344CB8AC3E}">
-        <p14:creationId xmlns:p14="http://schemas.microsoft.com/office/powerpoint/2010/main" val="3776423987"/>
+        <p14:creationId xmlns:p14="http://schemas.microsoft.com/office/powerpoint/2010/main" val="293697566"/>
       </p:ext>
     </p:extLst>
   </p:cSld>
@@ -8418,7 +8217,7 @@
               <a:t>1-1. </a:t>
             </a:r>
             <a:r>
-              <a:rPr lang="en-US" altLang="ko-KR" sz="1500" b="1" dirty="0">
+              <a:rPr lang="ko-KR" altLang="en-US" sz="1500" b="1" dirty="0" smtClean="0">
                 <a:solidFill>
                   <a:srgbClr val="3D3C3E"/>
                 </a:solidFill>
@@ -8427,19 +8226,7 @@
                 <a:cs typeface="Arial"/>
                 <a:sym typeface="Arial"/>
               </a:rPr>
-              <a:t>Mean Filtering </a:t>
-            </a:r>
-            <a:r>
-              <a:rPr lang="ko-KR" altLang="en-US" sz="1500" b="1" dirty="0">
-                <a:solidFill>
-                  <a:srgbClr val="3D3C3E"/>
-                </a:solidFill>
-                <a:latin typeface="210 옴니고딕 030" panose="02020603020101020101" pitchFamily="18" charset="-127"/>
-                <a:ea typeface="210 옴니고딕 030" panose="02020603020101020101" pitchFamily="18" charset="-127"/>
-                <a:cs typeface="Arial"/>
-                <a:sym typeface="Arial"/>
-              </a:rPr>
-              <a:t>및 이진화</a:t>
+              <a:t>영상 자동 높이 산출</a:t>
             </a:r>
             <a:endParaRPr sz="1500" b="1" dirty="0">
               <a:solidFill>
@@ -8545,8 +8332,8 @@
         </p:nvSpPr>
         <p:spPr>
           <a:xfrm>
-            <a:off x="1698156" y="2177666"/>
-            <a:ext cx="5159844" cy="623217"/>
+            <a:off x="1698156" y="2177667"/>
+            <a:ext cx="5159844" cy="1177215"/>
           </a:xfrm>
           <a:prstGeom prst="rect">
             <a:avLst/>
@@ -8574,7 +8361,7 @@
               <a:buChar char="•"/>
             </a:pPr>
             <a:r>
-              <a:rPr lang="en-US" sz="1200" dirty="0">
+              <a:rPr lang="en-US" altLang="ko-KR" sz="1200" dirty="0" smtClean="0">
                 <a:solidFill>
                   <a:schemeClr val="dk1"/>
                 </a:solidFill>
@@ -8583,10 +8370,10 @@
                 <a:cs typeface="Arial"/>
                 <a:sym typeface="Arial"/>
               </a:rPr>
-              <a:t>Mean Filtering </a:t>
-            </a:r>
-            <a:r>
-              <a:rPr lang="ko-KR" altLang="en-US" sz="1200" dirty="0">
+              <a:t>Noise </a:t>
+            </a:r>
+            <a:r>
+              <a:rPr lang="ko-KR" altLang="en-US" sz="1200" dirty="0" smtClean="0">
                 <a:solidFill>
                   <a:schemeClr val="dk1"/>
                 </a:solidFill>
@@ -8595,81 +8382,9 @@
                 <a:cs typeface="Arial"/>
                 <a:sym typeface="Arial"/>
               </a:rPr>
-              <a:t>및 </a:t>
-            </a:r>
-            <a:r>
-              <a:rPr lang="ko-KR" altLang="en-US" sz="1200" dirty="0" err="1">
-                <a:solidFill>
-                  <a:schemeClr val="dk1"/>
-                </a:solidFill>
-                <a:latin typeface="210 옴니고딕 030" panose="02020603020101020101" pitchFamily="18" charset="-127"/>
-                <a:ea typeface="210 옴니고딕 030" panose="02020603020101020101" pitchFamily="18" charset="-127"/>
-                <a:cs typeface="Arial"/>
-                <a:sym typeface="Arial"/>
-              </a:rPr>
-              <a:t>이진화를</a:t>
-            </a:r>
-            <a:r>
-              <a:rPr lang="ko-KR" altLang="en-US" sz="1200" dirty="0">
-                <a:solidFill>
-                  <a:schemeClr val="dk1"/>
-                </a:solidFill>
-                <a:latin typeface="210 옴니고딕 030" panose="02020603020101020101" pitchFamily="18" charset="-127"/>
-                <a:ea typeface="210 옴니고딕 030" panose="02020603020101020101" pitchFamily="18" charset="-127"/>
-                <a:cs typeface="Arial"/>
-                <a:sym typeface="Arial"/>
-              </a:rPr>
-              <a:t> 통해 </a:t>
-            </a:r>
-            <a:r>
-              <a:rPr lang="en-US" altLang="ko-KR" sz="1200" dirty="0">
-                <a:solidFill>
-                  <a:schemeClr val="dk1"/>
-                </a:solidFill>
-                <a:latin typeface="210 옴니고딕 030" panose="02020603020101020101" pitchFamily="18" charset="-127"/>
-                <a:ea typeface="210 옴니고딕 030" panose="02020603020101020101" pitchFamily="18" charset="-127"/>
-                <a:cs typeface="Arial"/>
-                <a:sym typeface="Arial"/>
-              </a:rPr>
-              <a:t>Welding Pool</a:t>
-            </a:r>
-            <a:r>
-              <a:rPr lang="ko-KR" altLang="en-US" sz="1200" dirty="0">
-                <a:solidFill>
-                  <a:schemeClr val="dk1"/>
-                </a:solidFill>
-                <a:latin typeface="210 옴니고딕 030" panose="02020603020101020101" pitchFamily="18" charset="-127"/>
-                <a:ea typeface="210 옴니고딕 030" panose="02020603020101020101" pitchFamily="18" charset="-127"/>
-                <a:cs typeface="Arial"/>
-                <a:sym typeface="Arial"/>
-              </a:rPr>
-              <a:t>의 </a:t>
-            </a:r>
-            <a:r>
-              <a:rPr lang="en-US" altLang="ko-KR" sz="1200" dirty="0">
-                <a:solidFill>
-                  <a:schemeClr val="dk1"/>
-                </a:solidFill>
-                <a:latin typeface="210 옴니고딕 030" panose="02020603020101020101" pitchFamily="18" charset="-127"/>
-                <a:ea typeface="210 옴니고딕 030" panose="02020603020101020101" pitchFamily="18" charset="-127"/>
-                <a:cs typeface="Arial"/>
-                <a:sym typeface="Arial"/>
-              </a:rPr>
-              <a:t>Peak</a:t>
-            </a:r>
-            <a:r>
-              <a:rPr lang="ko-KR" altLang="en-US" sz="1200" dirty="0">
-                <a:solidFill>
-                  <a:schemeClr val="dk1"/>
-                </a:solidFill>
-                <a:latin typeface="210 옴니고딕 030" panose="02020603020101020101" pitchFamily="18" charset="-127"/>
-                <a:ea typeface="210 옴니고딕 030" panose="02020603020101020101" pitchFamily="18" charset="-127"/>
-                <a:cs typeface="Arial"/>
-                <a:sym typeface="Arial"/>
-              </a:rPr>
-              <a:t>를 찾음</a:t>
-            </a:r>
-            <a:endParaRPr lang="en-US" altLang="ko-KR" sz="1200" dirty="0">
+              <a:t>처리</a:t>
+            </a:r>
+            <a:endParaRPr lang="en-US" altLang="ko-KR" sz="1200" dirty="0" smtClean="0">
               <a:solidFill>
                 <a:schemeClr val="dk1"/>
               </a:solidFill>
@@ -8680,7 +8395,7 @@
             </a:endParaRPr>
           </a:p>
           <a:p>
-            <a:pPr marL="160735" indent="-160735">
+            <a:pPr marL="628650" lvl="1" indent="-171450">
               <a:lnSpc>
                 <a:spcPct val="150000"/>
               </a:lnSpc>
@@ -8688,11 +8403,11 @@
                 <a:schemeClr val="dk1"/>
               </a:buClr>
               <a:buSzPts val="1600"/>
-              <a:buFont typeface="Arial"/>
-              <a:buChar char="•"/>
+              <a:buFontTx/>
+              <a:buChar char="-"/>
             </a:pPr>
             <a:r>
-              <a:rPr lang="en-US" sz="1200" dirty="0">
+              <a:rPr lang="ko-KR" altLang="en-US" sz="1200" dirty="0" smtClean="0">
                 <a:solidFill>
                   <a:schemeClr val="dk1"/>
                 </a:solidFill>
@@ -8701,10 +8416,10 @@
                 <a:cs typeface="Arial"/>
                 <a:sym typeface="Arial"/>
               </a:rPr>
-              <a:t>Mean Filtering</a:t>
-            </a:r>
-            <a:r>
-              <a:rPr lang="ko-KR" altLang="en-US" sz="1200" dirty="0">
+              <a:t>전처리 </a:t>
+            </a:r>
+            <a:r>
+              <a:rPr lang="ko-KR" altLang="en-US" sz="1200" dirty="0" err="1" smtClean="0">
                 <a:solidFill>
                   <a:schemeClr val="dk1"/>
                 </a:solidFill>
@@ -8713,9 +8428,45 @@
                 <a:cs typeface="Arial"/>
                 <a:sym typeface="Arial"/>
               </a:rPr>
-              <a:t>을 통한 노이즈 제거 효과 확인</a:t>
-            </a:r>
-            <a:endParaRPr sz="1200" dirty="0">
+              <a:t>진행시</a:t>
+            </a:r>
+            <a:r>
+              <a:rPr lang="ko-KR" altLang="en-US" sz="1200" dirty="0" smtClean="0">
+                <a:solidFill>
+                  <a:schemeClr val="dk1"/>
+                </a:solidFill>
+                <a:latin typeface="210 옴니고딕 030" panose="02020603020101020101" pitchFamily="18" charset="-127"/>
+                <a:ea typeface="210 옴니고딕 030" panose="02020603020101020101" pitchFamily="18" charset="-127"/>
+                <a:cs typeface="Arial"/>
+                <a:sym typeface="Arial"/>
+              </a:rPr>
+              <a:t> 왼쪽 부분에 </a:t>
+            </a:r>
+            <a:r>
+              <a:rPr lang="en-US" altLang="ko-KR" sz="1200" dirty="0" smtClean="0">
+                <a:solidFill>
+                  <a:schemeClr val="dk1"/>
+                </a:solidFill>
+                <a:latin typeface="210 옴니고딕 030" panose="02020603020101020101" pitchFamily="18" charset="-127"/>
+                <a:ea typeface="210 옴니고딕 030" panose="02020603020101020101" pitchFamily="18" charset="-127"/>
+                <a:cs typeface="Arial"/>
+                <a:sym typeface="Arial"/>
+              </a:rPr>
+              <a:t>noise </a:t>
+            </a:r>
+            <a:r>
+              <a:rPr lang="ko-KR" altLang="en-US" sz="1200" dirty="0" smtClean="0">
+                <a:solidFill>
+                  <a:schemeClr val="dk1"/>
+                </a:solidFill>
+                <a:latin typeface="210 옴니고딕 030" panose="02020603020101020101" pitchFamily="18" charset="-127"/>
+                <a:ea typeface="210 옴니고딕 030" panose="02020603020101020101" pitchFamily="18" charset="-127"/>
+                <a:cs typeface="Arial"/>
+                <a:sym typeface="Arial"/>
+              </a:rPr>
+              <a:t>발생</a:t>
+            </a:r>
+            <a:endParaRPr lang="en-US" altLang="ko-KR" sz="1200" dirty="0" smtClean="0">
               <a:solidFill>
                 <a:schemeClr val="dk1"/>
               </a:solidFill>
@@ -8725,18 +8476,204 @@
               <a:sym typeface="Arial"/>
             </a:endParaRPr>
           </a:p>
+          <a:p>
+            <a:pPr marL="628650" lvl="1" indent="-171450">
+              <a:lnSpc>
+                <a:spcPct val="150000"/>
+              </a:lnSpc>
+              <a:buClr>
+                <a:schemeClr val="dk1"/>
+              </a:buClr>
+              <a:buSzPts val="1600"/>
+              <a:buFontTx/>
+              <a:buChar char="-"/>
+            </a:pPr>
+            <a:r>
+              <a:rPr lang="en-US" altLang="ko-KR" sz="1200" dirty="0" smtClean="0">
+                <a:solidFill>
+                  <a:schemeClr val="dk1"/>
+                </a:solidFill>
+                <a:latin typeface="210 옴니고딕 030" panose="02020603020101020101" pitchFamily="18" charset="-127"/>
+                <a:ea typeface="210 옴니고딕 030" panose="02020603020101020101" pitchFamily="18" charset="-127"/>
+                <a:cs typeface="Arial"/>
+                <a:sym typeface="Arial"/>
+              </a:rPr>
+              <a:t>noise</a:t>
+            </a:r>
+            <a:r>
+              <a:rPr lang="ko-KR" altLang="en-US" sz="1200" dirty="0" smtClean="0">
+                <a:solidFill>
+                  <a:schemeClr val="dk1"/>
+                </a:solidFill>
+                <a:latin typeface="210 옴니고딕 030" panose="02020603020101020101" pitchFamily="18" charset="-127"/>
+                <a:ea typeface="210 옴니고딕 030" panose="02020603020101020101" pitchFamily="18" charset="-127"/>
+                <a:cs typeface="Arial"/>
+                <a:sym typeface="Arial"/>
+              </a:rPr>
+              <a:t>의 크기가 커서 </a:t>
+            </a:r>
+            <a:r>
+              <a:rPr lang="en-US" altLang="ko-KR" sz="1200" dirty="0" smtClean="0">
+                <a:solidFill>
+                  <a:schemeClr val="dk1"/>
+                </a:solidFill>
+                <a:latin typeface="210 옴니고딕 030" panose="02020603020101020101" pitchFamily="18" charset="-127"/>
+                <a:ea typeface="210 옴니고딕 030" panose="02020603020101020101" pitchFamily="18" charset="-127"/>
+                <a:cs typeface="Arial"/>
+                <a:sym typeface="Arial"/>
+              </a:rPr>
+              <a:t>Median blur </a:t>
+            </a:r>
+            <a:r>
+              <a:rPr lang="ko-KR" altLang="en-US" sz="1200" dirty="0" smtClean="0">
+                <a:solidFill>
+                  <a:schemeClr val="dk1"/>
+                </a:solidFill>
+                <a:latin typeface="210 옴니고딕 030" panose="02020603020101020101" pitchFamily="18" charset="-127"/>
+                <a:ea typeface="210 옴니고딕 030" panose="02020603020101020101" pitchFamily="18" charset="-127"/>
+                <a:cs typeface="Arial"/>
+                <a:sym typeface="Arial"/>
+              </a:rPr>
+              <a:t>처리가 안됨</a:t>
+            </a:r>
+            <a:endParaRPr lang="en-US" altLang="ko-KR" sz="1200" dirty="0" smtClean="0">
+              <a:solidFill>
+                <a:schemeClr val="dk1"/>
+              </a:solidFill>
+              <a:latin typeface="210 옴니고딕 030" panose="02020603020101020101" pitchFamily="18" charset="-127"/>
+              <a:ea typeface="210 옴니고딕 030" panose="02020603020101020101" pitchFamily="18" charset="-127"/>
+              <a:cs typeface="Arial"/>
+              <a:sym typeface="Arial"/>
+            </a:endParaRPr>
+          </a:p>
+          <a:p>
+            <a:pPr lvl="1">
+              <a:lnSpc>
+                <a:spcPct val="150000"/>
+              </a:lnSpc>
+              <a:buClr>
+                <a:schemeClr val="dk1"/>
+              </a:buClr>
+              <a:buSzPts val="1600"/>
+            </a:pPr>
+            <a:r>
+              <a:rPr lang="en-US" altLang="ko-KR" sz="1200" dirty="0" smtClean="0">
+                <a:solidFill>
+                  <a:schemeClr val="dk1"/>
+                </a:solidFill>
+                <a:latin typeface="210 옴니고딕 030" panose="02020603020101020101" pitchFamily="18" charset="-127"/>
+                <a:ea typeface="210 옴니고딕 030" panose="02020603020101020101" pitchFamily="18" charset="-127"/>
+                <a:cs typeface="Arial"/>
+                <a:sym typeface="Wingdings" panose="05000000000000000000" pitchFamily="2" charset="2"/>
+              </a:rPr>
+              <a:t> </a:t>
+            </a:r>
+            <a:r>
+              <a:rPr lang="en-US" altLang="ko-KR" sz="1200" dirty="0" err="1" smtClean="0">
+                <a:solidFill>
+                  <a:schemeClr val="dk1"/>
+                </a:solidFill>
+                <a:latin typeface="210 옴니고딕 030" panose="02020603020101020101" pitchFamily="18" charset="-127"/>
+                <a:ea typeface="210 옴니고딕 030" panose="02020603020101020101" pitchFamily="18" charset="-127"/>
+                <a:cs typeface="Arial"/>
+                <a:sym typeface="Wingdings" panose="05000000000000000000" pitchFamily="2" charset="2"/>
+              </a:rPr>
+              <a:t>x,y</a:t>
+            </a:r>
+            <a:r>
+              <a:rPr lang="ko-KR" altLang="en-US" sz="1200" dirty="0" smtClean="0">
+                <a:solidFill>
+                  <a:schemeClr val="dk1"/>
+                </a:solidFill>
+                <a:latin typeface="210 옴니고딕 030" panose="02020603020101020101" pitchFamily="18" charset="-127"/>
+                <a:ea typeface="210 옴니고딕 030" panose="02020603020101020101" pitchFamily="18" charset="-127"/>
+                <a:cs typeface="Arial"/>
+                <a:sym typeface="Wingdings" panose="05000000000000000000" pitchFamily="2" charset="2"/>
+              </a:rPr>
+              <a:t>축 각각 </a:t>
+            </a:r>
+            <a:r>
+              <a:rPr lang="en-US" altLang="ko-KR" sz="1200" dirty="0" smtClean="0">
+                <a:solidFill>
+                  <a:schemeClr val="dk1"/>
+                </a:solidFill>
+                <a:latin typeface="210 옴니고딕 030" panose="02020603020101020101" pitchFamily="18" charset="-127"/>
+                <a:ea typeface="210 옴니고딕 030" panose="02020603020101020101" pitchFamily="18" charset="-127"/>
+                <a:cs typeface="Arial"/>
+                <a:sym typeface="Wingdings" panose="05000000000000000000" pitchFamily="2" charset="2"/>
+              </a:rPr>
+              <a:t>threshold</a:t>
+            </a:r>
+            <a:r>
+              <a:rPr lang="ko-KR" altLang="en-US" sz="1200" dirty="0" smtClean="0">
+                <a:solidFill>
+                  <a:schemeClr val="dk1"/>
+                </a:solidFill>
+                <a:latin typeface="210 옴니고딕 030" panose="02020603020101020101" pitchFamily="18" charset="-127"/>
+                <a:ea typeface="210 옴니고딕 030" panose="02020603020101020101" pitchFamily="18" charset="-127"/>
+                <a:cs typeface="Arial"/>
+                <a:sym typeface="Wingdings" panose="05000000000000000000" pitchFamily="2" charset="2"/>
+              </a:rPr>
+              <a:t>를 정하여 </a:t>
+            </a:r>
+            <a:r>
+              <a:rPr lang="en-US" altLang="ko-KR" sz="1200" dirty="0" smtClean="0">
+                <a:solidFill>
+                  <a:schemeClr val="dk1"/>
+                </a:solidFill>
+                <a:latin typeface="210 옴니고딕 030" panose="02020603020101020101" pitchFamily="18" charset="-127"/>
+                <a:ea typeface="210 옴니고딕 030" panose="02020603020101020101" pitchFamily="18" charset="-127"/>
+                <a:cs typeface="Arial"/>
+                <a:sym typeface="Wingdings" panose="05000000000000000000" pitchFamily="2" charset="2"/>
+              </a:rPr>
+              <a:t>1</a:t>
+            </a:r>
+            <a:r>
+              <a:rPr lang="ko-KR" altLang="en-US" sz="1200" dirty="0" err="1" smtClean="0">
+                <a:solidFill>
+                  <a:schemeClr val="dk1"/>
+                </a:solidFill>
+                <a:latin typeface="210 옴니고딕 030" panose="02020603020101020101" pitchFamily="18" charset="-127"/>
+                <a:ea typeface="210 옴니고딕 030" panose="02020603020101020101" pitchFamily="18" charset="-127"/>
+                <a:cs typeface="Arial"/>
+                <a:sym typeface="Wingdings" panose="05000000000000000000" pitchFamily="2" charset="2"/>
+              </a:rPr>
+              <a:t>사분면만</a:t>
+            </a:r>
+            <a:r>
+              <a:rPr lang="ko-KR" altLang="en-US" sz="1200" dirty="0" smtClean="0">
+                <a:solidFill>
+                  <a:schemeClr val="dk1"/>
+                </a:solidFill>
+                <a:latin typeface="210 옴니고딕 030" panose="02020603020101020101" pitchFamily="18" charset="-127"/>
+                <a:ea typeface="210 옴니고딕 030" panose="02020603020101020101" pitchFamily="18" charset="-127"/>
+                <a:cs typeface="Arial"/>
+                <a:sym typeface="Wingdings" panose="05000000000000000000" pitchFamily="2" charset="2"/>
+              </a:rPr>
+              <a:t> 이용</a:t>
+            </a:r>
+            <a:endParaRPr lang="en-US" altLang="ko-KR" sz="1200" dirty="0" smtClean="0">
+              <a:solidFill>
+                <a:schemeClr val="dk1"/>
+              </a:solidFill>
+              <a:latin typeface="210 옴니고딕 030" panose="02020603020101020101" pitchFamily="18" charset="-127"/>
+              <a:ea typeface="210 옴니고딕 030" panose="02020603020101020101" pitchFamily="18" charset="-127"/>
+              <a:cs typeface="Arial"/>
+              <a:sym typeface="Arial"/>
+            </a:endParaRPr>
+          </a:p>
         </p:txBody>
       </p:sp>
       <p:pic>
         <p:nvPicPr>
-          <p:cNvPr id="15" name="그림 14"/>
+          <p:cNvPr id="2" name="그림 1"/>
           <p:cNvPicPr>
             <a:picLocks noChangeAspect="1"/>
           </p:cNvPicPr>
           <p:nvPr/>
         </p:nvPicPr>
         <p:blipFill>
-          <a:blip r:embed="rId3" cstate="print">
+          <a:blip r:embed="rId3">
             <a:extLst>
               <a:ext uri="{28A0092B-C50C-407E-A947-70E740481C1C}">
                 <a14:useLocalDpi xmlns:a14="http://schemas.microsoft.com/office/drawing/2010/main" val="0"/>
@@ -8749,24 +8686,1074 @@
         </p:blipFill>
         <p:spPr>
           <a:xfrm>
-            <a:off x="1852532" y="3281790"/>
-            <a:ext cx="1890000" cy="1890000"/>
+            <a:off x="2048318" y="3587174"/>
+            <a:ext cx="2160000" cy="2160000"/>
           </a:xfrm>
           <a:prstGeom prst="rect">
             <a:avLst/>
           </a:prstGeom>
         </p:spPr>
       </p:pic>
+      <p:pic>
+        <p:nvPicPr>
+          <p:cNvPr id="3" name="그림 2"/>
+          <p:cNvPicPr>
+            <a:picLocks noChangeAspect="1"/>
+          </p:cNvPicPr>
+          <p:nvPr/>
+        </p:nvPicPr>
+        <p:blipFill>
+          <a:blip r:embed="rId4">
+            <a:extLst>
+              <a:ext uri="{28A0092B-C50C-407E-A947-70E740481C1C}">
+                <a14:useLocalDpi xmlns:a14="http://schemas.microsoft.com/office/drawing/2010/main" val="0"/>
+              </a:ext>
+            </a:extLst>
+          </a:blip>
+          <a:stretch>
+            <a:fillRect/>
+          </a:stretch>
+        </p:blipFill>
+        <p:spPr>
+          <a:xfrm>
+            <a:off x="4805376" y="3587174"/>
+            <a:ext cx="2160000" cy="2160000"/>
+          </a:xfrm>
+          <a:prstGeom prst="rect">
+            <a:avLst/>
+          </a:prstGeom>
+        </p:spPr>
+      </p:pic>
+      <p:cxnSp>
+        <p:nvCxnSpPr>
+          <p:cNvPr id="5" name="직선 연결선 4"/>
+          <p:cNvCxnSpPr/>
+          <p:nvPr/>
+        </p:nvCxnSpPr>
+        <p:spPr>
+          <a:xfrm>
+            <a:off x="5319455" y="3412392"/>
+            <a:ext cx="16626" cy="2464951"/>
+          </a:xfrm>
+          <a:prstGeom prst="line">
+            <a:avLst/>
+          </a:prstGeom>
+        </p:spPr>
+        <p:style>
+          <a:lnRef idx="1">
+            <a:schemeClr val="accent2"/>
+          </a:lnRef>
+          <a:fillRef idx="0">
+            <a:schemeClr val="accent2"/>
+          </a:fillRef>
+          <a:effectRef idx="0">
+            <a:schemeClr val="accent2"/>
+          </a:effectRef>
+          <a:fontRef idx="minor">
+            <a:schemeClr val="tx1"/>
+          </a:fontRef>
+        </p:style>
+      </p:cxnSp>
+      <p:cxnSp>
+        <p:nvCxnSpPr>
+          <p:cNvPr id="12" name="직선 연결선 11"/>
+          <p:cNvCxnSpPr/>
+          <p:nvPr/>
+        </p:nvCxnSpPr>
+        <p:spPr>
+          <a:xfrm>
+            <a:off x="4568852" y="5212080"/>
+            <a:ext cx="2904290" cy="0"/>
+          </a:xfrm>
+          <a:prstGeom prst="line">
+            <a:avLst/>
+          </a:prstGeom>
+          <a:ln>
+            <a:solidFill>
+              <a:schemeClr val="accent2"/>
+            </a:solidFill>
+          </a:ln>
+        </p:spPr>
+        <p:style>
+          <a:lnRef idx="1">
+            <a:schemeClr val="accent1"/>
+          </a:lnRef>
+          <a:fillRef idx="0">
+            <a:schemeClr val="accent1"/>
+          </a:fillRef>
+          <a:effectRef idx="0">
+            <a:schemeClr val="accent1"/>
+          </a:effectRef>
+          <a:fontRef idx="minor">
+            <a:schemeClr val="tx1"/>
+          </a:fontRef>
+        </p:style>
+      </p:cxnSp>
+    </p:spTree>
+    <p:extLst>
+      <p:ext uri="{BB962C8B-B14F-4D97-AF65-F5344CB8AC3E}">
+        <p14:creationId xmlns:p14="http://schemas.microsoft.com/office/powerpoint/2010/main" val="653322833"/>
+      </p:ext>
+    </p:extLst>
+  </p:cSld>
+  <p:clrMapOvr>
+    <a:masterClrMapping/>
+  </p:clrMapOvr>
+</p:sld>
+</file>
+
+<file path=ppt/slides/slide15.xml><?xml version="1.0" encoding="utf-8"?>
+<p:sld xmlns:a="http://schemas.openxmlformats.org/drawingml/2006/main" xmlns:r="http://schemas.openxmlformats.org/officeDocument/2006/relationships" xmlns:p="http://schemas.openxmlformats.org/presentationml/2006/main">
+  <p:cSld>
+    <p:spTree>
+      <p:nvGrpSpPr>
+        <p:cNvPr id="1" name="Shape 218"/>
+        <p:cNvGrpSpPr/>
+        <p:nvPr/>
+      </p:nvGrpSpPr>
+      <p:grpSpPr>
+        <a:xfrm>
+          <a:off x="0" y="0"/>
+          <a:ext cx="0" cy="0"/>
+          <a:chOff x="0" y="0"/>
+          <a:chExt cx="0" cy="0"/>
+        </a:xfrm>
+      </p:grpSpPr>
+      <p:cxnSp>
+        <p:nvCxnSpPr>
+          <p:cNvPr id="219" name="Google Shape;219;p13"/>
+          <p:cNvCxnSpPr/>
+          <p:nvPr/>
+        </p:nvCxnSpPr>
+        <p:spPr>
+          <a:xfrm>
+            <a:off x="1416602" y="1268144"/>
+            <a:ext cx="6304500" cy="0"/>
+          </a:xfrm>
+          <a:prstGeom prst="straightConnector1">
+            <a:avLst/>
+          </a:prstGeom>
+          <a:noFill/>
+          <a:ln w="9525" cap="flat" cmpd="sng">
+            <a:solidFill>
+              <a:srgbClr val="1C314E"/>
+            </a:solidFill>
+            <a:prstDash val="solid"/>
+            <a:round/>
+            <a:headEnd type="none" w="sm" len="sm"/>
+            <a:tailEnd type="none" w="sm" len="sm"/>
+          </a:ln>
+        </p:spPr>
+      </p:cxnSp>
       <p:sp>
         <p:nvSpPr>
-          <p:cNvPr id="16" name="오른쪽 화살표 15"/>
+          <p:cNvPr id="220" name="Google Shape;220;p13"/>
+          <p:cNvSpPr txBox="1">
+            <a:spLocks noGrp="1"/>
+          </p:cNvSpPr>
+          <p:nvPr>
+            <p:ph type="title"/>
+          </p:nvPr>
+        </p:nvSpPr>
+        <p:spPr>
+          <a:xfrm>
+            <a:off x="1335408" y="1382344"/>
+            <a:ext cx="5246340" cy="435695"/>
+          </a:xfrm>
+          <a:prstGeom prst="rect">
+            <a:avLst/>
+          </a:prstGeom>
+          <a:noFill/>
+          <a:ln>
+            <a:noFill/>
+          </a:ln>
+        </p:spPr>
+        <p:txBody>
+          <a:bodyPr spcFirstLastPara="1" vert="horz" wrap="square" lIns="68569" tIns="34275" rIns="68569" bIns="34275" rtlCol="0" anchor="ctr" anchorCtr="0">
+            <a:noAutofit/>
+          </a:bodyPr>
+          <a:lstStyle/>
+          <a:p>
+            <a:pPr>
+              <a:spcBef>
+                <a:spcPts val="0"/>
+              </a:spcBef>
+              <a:buClr>
+                <a:srgbClr val="1C314E"/>
+              </a:buClr>
+              <a:buSzPts val="2800"/>
+            </a:pPr>
+            <a:r>
+              <a:rPr lang="en-US" sz="2100" b="1">
+                <a:solidFill>
+                  <a:srgbClr val="1C314E"/>
+                </a:solidFill>
+              </a:rPr>
+              <a:t>1. 이번 주 작업</a:t>
+            </a:r>
+            <a:endParaRPr/>
+          </a:p>
+        </p:txBody>
+      </p:sp>
+      <p:sp>
+        <p:nvSpPr>
+          <p:cNvPr id="221" name="Google Shape;221;p13"/>
+          <p:cNvSpPr txBox="1"/>
+          <p:nvPr/>
+        </p:nvSpPr>
+        <p:spPr>
+          <a:xfrm>
+            <a:off x="1335409" y="1872485"/>
+            <a:ext cx="6352910" cy="956582"/>
+          </a:xfrm>
+          <a:prstGeom prst="rect">
+            <a:avLst/>
+          </a:prstGeom>
+          <a:noFill/>
+          <a:ln>
+            <a:noFill/>
+          </a:ln>
+        </p:spPr>
+        <p:txBody>
+          <a:bodyPr spcFirstLastPara="1" wrap="square" lIns="68569" tIns="34275" rIns="68569" bIns="34275" anchor="t" anchorCtr="0">
+            <a:normAutofit/>
+          </a:bodyPr>
+          <a:lstStyle/>
+          <a:p>
+            <a:pPr>
+              <a:buClr>
+                <a:srgbClr val="3D3C3E"/>
+              </a:buClr>
+              <a:buSzPts val="2000"/>
+            </a:pPr>
+            <a:r>
+              <a:rPr lang="en-US" sz="1500" b="1" dirty="0" smtClean="0">
+                <a:solidFill>
+                  <a:srgbClr val="3D3C3E"/>
+                </a:solidFill>
+                <a:latin typeface="210 옴니고딕 030" panose="02020603020101020101" pitchFamily="18" charset="-127"/>
+                <a:ea typeface="210 옴니고딕 030" panose="02020603020101020101" pitchFamily="18" charset="-127"/>
+                <a:cs typeface="Arial"/>
+                <a:sym typeface="Arial"/>
+              </a:rPr>
+              <a:t>1-2. </a:t>
+            </a:r>
+            <a:r>
+              <a:rPr lang="ko-KR" altLang="en-US" sz="1500" b="1" dirty="0" err="1" smtClean="0">
+                <a:solidFill>
+                  <a:srgbClr val="3D3C3E"/>
+                </a:solidFill>
+                <a:latin typeface="210 옴니고딕 030" panose="02020603020101020101" pitchFamily="18" charset="-127"/>
+                <a:ea typeface="210 옴니고딕 030" panose="02020603020101020101" pitchFamily="18" charset="-127"/>
+                <a:cs typeface="Arial"/>
+                <a:sym typeface="Arial"/>
+              </a:rPr>
+              <a:t>강화학습</a:t>
+            </a:r>
+            <a:r>
+              <a:rPr lang="ko-KR" altLang="en-US" sz="1500" b="1" dirty="0" smtClean="0">
+                <a:solidFill>
+                  <a:srgbClr val="3D3C3E"/>
+                </a:solidFill>
+                <a:latin typeface="210 옴니고딕 030" panose="02020603020101020101" pitchFamily="18" charset="-127"/>
+                <a:ea typeface="210 옴니고딕 030" panose="02020603020101020101" pitchFamily="18" charset="-127"/>
+                <a:cs typeface="Arial"/>
+                <a:sym typeface="Arial"/>
+              </a:rPr>
+              <a:t> 개요</a:t>
+            </a:r>
+            <a:endParaRPr sz="1500" b="1" dirty="0">
+              <a:solidFill>
+                <a:srgbClr val="3D3C3E"/>
+              </a:solidFill>
+              <a:latin typeface="210 옴니고딕 030" panose="02020603020101020101" pitchFamily="18" charset="-127"/>
+              <a:ea typeface="210 옴니고딕 030" panose="02020603020101020101" pitchFamily="18" charset="-127"/>
+              <a:cs typeface="Arial"/>
+              <a:sym typeface="Arial"/>
+            </a:endParaRPr>
+          </a:p>
+        </p:txBody>
+      </p:sp>
+      <p:sp>
+        <p:nvSpPr>
+          <p:cNvPr id="222" name="Google Shape;222;p13"/>
+          <p:cNvSpPr txBox="1">
+            <a:spLocks noGrp="1"/>
+          </p:cNvSpPr>
+          <p:nvPr>
+            <p:ph type="sldNum" idx="12"/>
+          </p:nvPr>
+        </p:nvSpPr>
+        <p:spPr>
+          <a:xfrm>
+            <a:off x="6057900" y="5624514"/>
+            <a:ext cx="1600200" cy="273844"/>
+          </a:xfrm>
+          <a:prstGeom prst="rect">
+            <a:avLst/>
+          </a:prstGeom>
+          <a:noFill/>
+          <a:ln>
+            <a:noFill/>
+          </a:ln>
+        </p:spPr>
+        <p:txBody>
+          <a:bodyPr spcFirstLastPara="1" vert="horz" wrap="square" lIns="68569" tIns="34275" rIns="68569" bIns="34275" rtlCol="0" anchor="ctr" anchorCtr="0">
+            <a:noAutofit/>
+          </a:bodyPr>
+          <a:lstStyle/>
+          <a:p>
+            <a:fld id="{00000000-1234-1234-1234-123412341234}" type="slidenum">
+              <a:rPr lang="en-US"/>
+              <a:pPr/>
+              <a:t>15</a:t>
+            </a:fld>
+            <a:endParaRPr/>
+          </a:p>
+        </p:txBody>
+      </p:sp>
+      <p:sp>
+        <p:nvSpPr>
+          <p:cNvPr id="223" name="Google Shape;223;p13"/>
+          <p:cNvSpPr txBox="1"/>
+          <p:nvPr/>
+        </p:nvSpPr>
+        <p:spPr>
+          <a:xfrm>
+            <a:off x="1931941" y="2156947"/>
+            <a:ext cx="5159844" cy="311593"/>
+          </a:xfrm>
+          <a:prstGeom prst="rect">
+            <a:avLst/>
+          </a:prstGeom>
+          <a:noFill/>
+          <a:ln>
+            <a:noFill/>
+          </a:ln>
+        </p:spPr>
+        <p:txBody>
+          <a:bodyPr spcFirstLastPara="1" wrap="square" lIns="68569" tIns="34275" rIns="68569" bIns="34275" anchor="t" anchorCtr="0">
+            <a:spAutoFit/>
+          </a:bodyPr>
+          <a:lstStyle/>
+          <a:p>
+            <a:pPr marL="160735" indent="-94060">
+              <a:lnSpc>
+                <a:spcPct val="150000"/>
+              </a:lnSpc>
+              <a:buClr>
+                <a:schemeClr val="dk1"/>
+              </a:buClr>
+              <a:buSzPts val="1400"/>
+            </a:pPr>
+            <a:endParaRPr sz="1050" dirty="0">
+              <a:solidFill>
+                <a:schemeClr val="dk1"/>
+              </a:solidFill>
+              <a:latin typeface="210 옴니고딕 030" panose="02020603020101020101" pitchFamily="18" charset="-127"/>
+              <a:ea typeface="210 옴니고딕 030" panose="02020603020101020101" pitchFamily="18" charset="-127"/>
+              <a:cs typeface="Arial"/>
+              <a:sym typeface="Arial"/>
+            </a:endParaRPr>
+          </a:p>
+        </p:txBody>
+      </p:sp>
+      <p:sp>
+        <p:nvSpPr>
+          <p:cNvPr id="8" name="Google Shape;234;p14"/>
+          <p:cNvSpPr txBox="1"/>
+          <p:nvPr/>
+        </p:nvSpPr>
+        <p:spPr>
+          <a:xfrm>
+            <a:off x="1698155" y="2177667"/>
+            <a:ext cx="5583793" cy="3085430"/>
+          </a:xfrm>
+          <a:prstGeom prst="rect">
+            <a:avLst/>
+          </a:prstGeom>
+          <a:noFill/>
+          <a:ln>
+            <a:noFill/>
+          </a:ln>
+        </p:spPr>
+        <p:txBody>
+          <a:bodyPr spcFirstLastPara="1" wrap="square" lIns="68569" tIns="34275" rIns="68569" bIns="34275" anchor="t" anchorCtr="0">
+            <a:spAutoFit/>
+          </a:bodyPr>
+          <a:lstStyle/>
+          <a:p>
+            <a:pPr marL="160735" indent="-160735">
+              <a:lnSpc>
+                <a:spcPct val="150000"/>
+              </a:lnSpc>
+              <a:buClr>
+                <a:schemeClr val="dk1"/>
+              </a:buClr>
+              <a:buSzPts val="1600"/>
+              <a:buFont typeface="Arial"/>
+              <a:buChar char="•"/>
+            </a:pPr>
+            <a:r>
+              <a:rPr lang="ko-KR" altLang="en-US" sz="1200" dirty="0" smtClean="0">
+                <a:solidFill>
+                  <a:schemeClr val="dk1"/>
+                </a:solidFill>
+                <a:latin typeface="210 옴니고딕 030" panose="02020603020101020101" pitchFamily="18" charset="-127"/>
+                <a:ea typeface="210 옴니고딕 030" panose="02020603020101020101" pitchFamily="18" charset="-127"/>
+                <a:cs typeface="Arial"/>
+                <a:sym typeface="Arial"/>
+              </a:rPr>
+              <a:t>목표</a:t>
+            </a:r>
+            <a:r>
+              <a:rPr lang="en-US" altLang="ko-KR" sz="1200" dirty="0" smtClean="0">
+                <a:solidFill>
+                  <a:schemeClr val="dk1"/>
+                </a:solidFill>
+                <a:latin typeface="210 옴니고딕 030" panose="02020603020101020101" pitchFamily="18" charset="-127"/>
+                <a:ea typeface="210 옴니고딕 030" panose="02020603020101020101" pitchFamily="18" charset="-127"/>
+                <a:cs typeface="Arial"/>
+                <a:sym typeface="Arial"/>
+              </a:rPr>
+              <a:t> : </a:t>
+            </a:r>
+            <a:r>
+              <a:rPr lang="ko-KR" altLang="en-US" sz="1200" dirty="0" err="1" smtClean="0">
+                <a:solidFill>
+                  <a:schemeClr val="dk1"/>
+                </a:solidFill>
+                <a:latin typeface="210 옴니고딕 030" panose="02020603020101020101" pitchFamily="18" charset="-127"/>
+                <a:ea typeface="210 옴니고딕 030" panose="02020603020101020101" pitchFamily="18" charset="-127"/>
+                <a:cs typeface="Arial"/>
+                <a:sym typeface="Arial"/>
+              </a:rPr>
+              <a:t>강화학습을</a:t>
+            </a:r>
+            <a:r>
+              <a:rPr lang="ko-KR" altLang="en-US" sz="1200" dirty="0" smtClean="0">
+                <a:solidFill>
+                  <a:schemeClr val="dk1"/>
+                </a:solidFill>
+                <a:latin typeface="210 옴니고딕 030" panose="02020603020101020101" pitchFamily="18" charset="-127"/>
+                <a:ea typeface="210 옴니고딕 030" panose="02020603020101020101" pitchFamily="18" charset="-127"/>
+                <a:cs typeface="Arial"/>
+                <a:sym typeface="Arial"/>
+              </a:rPr>
+              <a:t> 이용한 </a:t>
+            </a:r>
+            <a:r>
+              <a:rPr lang="ko-KR" altLang="en-US" sz="1200" dirty="0" err="1" smtClean="0">
+                <a:solidFill>
+                  <a:schemeClr val="dk1"/>
+                </a:solidFill>
+                <a:latin typeface="210 옴니고딕 030" panose="02020603020101020101" pitchFamily="18" charset="-127"/>
+                <a:ea typeface="210 옴니고딕 030" panose="02020603020101020101" pitchFamily="18" charset="-127"/>
+                <a:cs typeface="Arial"/>
+                <a:sym typeface="Arial"/>
+              </a:rPr>
+              <a:t>파라미터</a:t>
+            </a:r>
+            <a:r>
+              <a:rPr lang="ko-KR" altLang="en-US" sz="1200" dirty="0" smtClean="0">
+                <a:solidFill>
+                  <a:schemeClr val="dk1"/>
+                </a:solidFill>
+                <a:latin typeface="210 옴니고딕 030" panose="02020603020101020101" pitchFamily="18" charset="-127"/>
+                <a:ea typeface="210 옴니고딕 030" panose="02020603020101020101" pitchFamily="18" charset="-127"/>
+                <a:cs typeface="Arial"/>
+                <a:sym typeface="Arial"/>
+              </a:rPr>
+              <a:t> 최적화</a:t>
+            </a:r>
+            <a:endParaRPr lang="en-US" altLang="ko-KR" sz="1200" dirty="0" smtClean="0">
+              <a:solidFill>
+                <a:schemeClr val="dk1"/>
+              </a:solidFill>
+              <a:latin typeface="210 옴니고딕 030" panose="02020603020101020101" pitchFamily="18" charset="-127"/>
+              <a:ea typeface="210 옴니고딕 030" panose="02020603020101020101" pitchFamily="18" charset="-127"/>
+              <a:cs typeface="Arial"/>
+              <a:sym typeface="Arial"/>
+            </a:endParaRPr>
+          </a:p>
+          <a:p>
+            <a:pPr>
+              <a:lnSpc>
+                <a:spcPct val="150000"/>
+              </a:lnSpc>
+              <a:buClr>
+                <a:schemeClr val="dk1"/>
+              </a:buClr>
+              <a:buSzPts val="1600"/>
+            </a:pPr>
+            <a:endParaRPr lang="en-US" altLang="ko-KR" sz="1200" dirty="0" smtClean="0">
+              <a:solidFill>
+                <a:schemeClr val="dk1"/>
+              </a:solidFill>
+              <a:latin typeface="210 옴니고딕 030" panose="02020603020101020101" pitchFamily="18" charset="-127"/>
+              <a:ea typeface="210 옴니고딕 030" panose="02020603020101020101" pitchFamily="18" charset="-127"/>
+              <a:cs typeface="Arial"/>
+              <a:sym typeface="Arial"/>
+            </a:endParaRPr>
+          </a:p>
+          <a:p>
+            <a:pPr marL="160735" indent="-160735">
+              <a:lnSpc>
+                <a:spcPct val="150000"/>
+              </a:lnSpc>
+              <a:buClr>
+                <a:schemeClr val="dk1"/>
+              </a:buClr>
+              <a:buSzPts val="1600"/>
+              <a:buFont typeface="Arial"/>
+              <a:buChar char="•"/>
+            </a:pPr>
+            <a:r>
+              <a:rPr lang="ko-KR" altLang="en-US" sz="1200" dirty="0" smtClean="0">
+                <a:solidFill>
+                  <a:schemeClr val="dk1"/>
+                </a:solidFill>
+                <a:latin typeface="210 옴니고딕 030" panose="02020603020101020101" pitchFamily="18" charset="-127"/>
+                <a:ea typeface="210 옴니고딕 030" panose="02020603020101020101" pitchFamily="18" charset="-127"/>
+                <a:cs typeface="Arial"/>
+                <a:sym typeface="Arial"/>
+              </a:rPr>
+              <a:t>세부 목표 </a:t>
+            </a:r>
+            <a:r>
+              <a:rPr lang="en-US" altLang="ko-KR" sz="1200" dirty="0" smtClean="0">
+                <a:solidFill>
+                  <a:schemeClr val="dk1"/>
+                </a:solidFill>
+                <a:latin typeface="210 옴니고딕 030" panose="02020603020101020101" pitchFamily="18" charset="-127"/>
+                <a:ea typeface="210 옴니고딕 030" panose="02020603020101020101" pitchFamily="18" charset="-127"/>
+                <a:cs typeface="Arial"/>
+                <a:sym typeface="Arial"/>
+              </a:rPr>
+              <a:t>: </a:t>
+            </a:r>
+            <a:r>
+              <a:rPr lang="ko-KR" altLang="en-US" sz="1200" dirty="0" err="1" smtClean="0">
+                <a:solidFill>
+                  <a:schemeClr val="dk1"/>
+                </a:solidFill>
+                <a:latin typeface="210 옴니고딕 030" panose="02020603020101020101" pitchFamily="18" charset="-127"/>
+                <a:ea typeface="210 옴니고딕 030" panose="02020603020101020101" pitchFamily="18" charset="-127"/>
+                <a:cs typeface="Arial"/>
+                <a:sym typeface="Arial"/>
+              </a:rPr>
+              <a:t>강화학습을</a:t>
+            </a:r>
+            <a:r>
+              <a:rPr lang="ko-KR" altLang="en-US" sz="1200" dirty="0" smtClean="0">
+                <a:solidFill>
+                  <a:schemeClr val="dk1"/>
+                </a:solidFill>
+                <a:latin typeface="210 옴니고딕 030" panose="02020603020101020101" pitchFamily="18" charset="-127"/>
+                <a:ea typeface="210 옴니고딕 030" panose="02020603020101020101" pitchFamily="18" charset="-127"/>
+                <a:cs typeface="Arial"/>
+                <a:sym typeface="Arial"/>
+              </a:rPr>
+              <a:t> 이용하여 목표 너비</a:t>
+            </a:r>
+            <a:r>
+              <a:rPr lang="en-US" altLang="ko-KR" sz="1200" dirty="0" smtClean="0">
+                <a:solidFill>
+                  <a:schemeClr val="dk1"/>
+                </a:solidFill>
+                <a:latin typeface="210 옴니고딕 030" panose="02020603020101020101" pitchFamily="18" charset="-127"/>
+                <a:ea typeface="210 옴니고딕 030" panose="02020603020101020101" pitchFamily="18" charset="-127"/>
+                <a:cs typeface="Arial"/>
+                <a:sym typeface="Arial"/>
+              </a:rPr>
+              <a:t>, </a:t>
+            </a:r>
+            <a:r>
+              <a:rPr lang="ko-KR" altLang="en-US" sz="1200" dirty="0" smtClean="0">
+                <a:solidFill>
+                  <a:schemeClr val="dk1"/>
+                </a:solidFill>
+                <a:latin typeface="210 옴니고딕 030" panose="02020603020101020101" pitchFamily="18" charset="-127"/>
+                <a:ea typeface="210 옴니고딕 030" panose="02020603020101020101" pitchFamily="18" charset="-127"/>
+                <a:cs typeface="Arial"/>
+                <a:sym typeface="Arial"/>
+              </a:rPr>
+              <a:t>높이의 </a:t>
+            </a:r>
+            <a:r>
+              <a:rPr lang="ko-KR" altLang="en-US" sz="1200" dirty="0" err="1" smtClean="0">
+                <a:solidFill>
+                  <a:schemeClr val="dk1"/>
+                </a:solidFill>
+                <a:latin typeface="210 옴니고딕 030" panose="02020603020101020101" pitchFamily="18" charset="-127"/>
+                <a:ea typeface="210 옴니고딕 030" panose="02020603020101020101" pitchFamily="18" charset="-127"/>
+                <a:cs typeface="Arial"/>
+                <a:sym typeface="Arial"/>
+              </a:rPr>
+              <a:t>비드를</a:t>
+            </a:r>
+            <a:r>
+              <a:rPr lang="ko-KR" altLang="en-US" sz="1200" dirty="0" smtClean="0">
+                <a:solidFill>
+                  <a:schemeClr val="dk1"/>
+                </a:solidFill>
+                <a:latin typeface="210 옴니고딕 030" panose="02020603020101020101" pitchFamily="18" charset="-127"/>
+                <a:ea typeface="210 옴니고딕 030" panose="02020603020101020101" pitchFamily="18" charset="-127"/>
+                <a:cs typeface="Arial"/>
+                <a:sym typeface="Arial"/>
+              </a:rPr>
+              <a:t> 형성하는 </a:t>
+            </a:r>
+            <a:r>
+              <a:rPr lang="ko-KR" altLang="en-US" sz="1200" dirty="0" err="1" smtClean="0">
+                <a:solidFill>
+                  <a:schemeClr val="dk1"/>
+                </a:solidFill>
+                <a:latin typeface="210 옴니고딕 030" panose="02020603020101020101" pitchFamily="18" charset="-127"/>
+                <a:ea typeface="210 옴니고딕 030" panose="02020603020101020101" pitchFamily="18" charset="-127"/>
+                <a:cs typeface="Arial"/>
+                <a:sym typeface="Arial"/>
+              </a:rPr>
+              <a:t>파라미터</a:t>
+            </a:r>
+            <a:r>
+              <a:rPr lang="ko-KR" altLang="en-US" sz="1200" dirty="0" smtClean="0">
+                <a:solidFill>
+                  <a:schemeClr val="dk1"/>
+                </a:solidFill>
+                <a:latin typeface="210 옴니고딕 030" panose="02020603020101020101" pitchFamily="18" charset="-127"/>
+                <a:ea typeface="210 옴니고딕 030" panose="02020603020101020101" pitchFamily="18" charset="-127"/>
+                <a:cs typeface="Arial"/>
+                <a:sym typeface="Arial"/>
+              </a:rPr>
+              <a:t> 구하기</a:t>
+            </a:r>
+            <a:endParaRPr lang="en-US" altLang="ko-KR" sz="1200" dirty="0" smtClean="0">
+              <a:solidFill>
+                <a:schemeClr val="dk1"/>
+              </a:solidFill>
+              <a:latin typeface="210 옴니고딕 030" panose="02020603020101020101" pitchFamily="18" charset="-127"/>
+              <a:ea typeface="210 옴니고딕 030" panose="02020603020101020101" pitchFamily="18" charset="-127"/>
+              <a:cs typeface="Arial"/>
+              <a:sym typeface="Arial"/>
+            </a:endParaRPr>
+          </a:p>
+          <a:p>
+            <a:pPr marL="160735" indent="-160735">
+              <a:lnSpc>
+                <a:spcPct val="150000"/>
+              </a:lnSpc>
+              <a:buClr>
+                <a:schemeClr val="dk1"/>
+              </a:buClr>
+              <a:buSzPts val="1600"/>
+              <a:buFont typeface="Arial"/>
+              <a:buChar char="•"/>
+            </a:pPr>
+            <a:endParaRPr lang="en-US" altLang="ko-KR" sz="1200" dirty="0" smtClean="0">
+              <a:solidFill>
+                <a:schemeClr val="dk1"/>
+              </a:solidFill>
+              <a:latin typeface="210 옴니고딕 030" panose="02020603020101020101" pitchFamily="18" charset="-127"/>
+              <a:ea typeface="210 옴니고딕 030" panose="02020603020101020101" pitchFamily="18" charset="-127"/>
+              <a:cs typeface="Arial"/>
+              <a:sym typeface="Arial"/>
+            </a:endParaRPr>
+          </a:p>
+          <a:p>
+            <a:pPr marL="160735" indent="-160735">
+              <a:lnSpc>
+                <a:spcPct val="150000"/>
+              </a:lnSpc>
+              <a:buClr>
+                <a:schemeClr val="dk1"/>
+              </a:buClr>
+              <a:buSzPts val="1600"/>
+              <a:buFont typeface="Arial"/>
+              <a:buChar char="•"/>
+            </a:pPr>
+            <a:r>
+              <a:rPr lang="ko-KR" altLang="en-US" sz="1200" dirty="0" smtClean="0">
+                <a:solidFill>
+                  <a:schemeClr val="dk1"/>
+                </a:solidFill>
+                <a:latin typeface="210 옴니고딕 030" panose="02020603020101020101" pitchFamily="18" charset="-127"/>
+                <a:ea typeface="210 옴니고딕 030" panose="02020603020101020101" pitchFamily="18" charset="-127"/>
+                <a:cs typeface="Arial"/>
+                <a:sym typeface="Arial"/>
+              </a:rPr>
+              <a:t>데이터 수집 계획</a:t>
+            </a:r>
+            <a:endParaRPr lang="en-US" altLang="ko-KR" sz="1200" dirty="0" smtClean="0">
+              <a:solidFill>
+                <a:schemeClr val="dk1"/>
+              </a:solidFill>
+              <a:latin typeface="210 옴니고딕 030" panose="02020603020101020101" pitchFamily="18" charset="-127"/>
+              <a:ea typeface="210 옴니고딕 030" panose="02020603020101020101" pitchFamily="18" charset="-127"/>
+              <a:cs typeface="Arial"/>
+              <a:sym typeface="Arial"/>
+            </a:endParaRPr>
+          </a:p>
+          <a:p>
+            <a:r>
+              <a:rPr lang="ko-KR" altLang="en-US" sz="1200" dirty="0" smtClean="0">
+                <a:latin typeface="210 옴니고딕 030" panose="02020603020101020101" pitchFamily="18" charset="-127"/>
+                <a:ea typeface="210 옴니고딕 030" panose="02020603020101020101" pitchFamily="18" charset="-127"/>
+              </a:rPr>
+              <a:t>    </a:t>
+            </a:r>
+            <a:r>
+              <a:rPr lang="en-US" altLang="ko-KR" sz="1200" dirty="0" smtClean="0">
+                <a:latin typeface="210 옴니고딕 030" panose="02020603020101020101" pitchFamily="18" charset="-127"/>
+                <a:ea typeface="210 옴니고딕 030" panose="02020603020101020101" pitchFamily="18" charset="-127"/>
+              </a:rPr>
+              <a:t>1) </a:t>
+            </a:r>
+            <a:r>
+              <a:rPr lang="ko-KR" altLang="en-US" sz="1200" dirty="0" smtClean="0">
+                <a:latin typeface="210 옴니고딕 030" panose="02020603020101020101" pitchFamily="18" charset="-127"/>
+                <a:ea typeface="210 옴니고딕 030" panose="02020603020101020101" pitchFamily="18" charset="-127"/>
+              </a:rPr>
+              <a:t>전류 </a:t>
+            </a:r>
+            <a:r>
+              <a:rPr lang="en-US" altLang="ko-KR" sz="1200" dirty="0" smtClean="0">
+                <a:latin typeface="210 옴니고딕 030" panose="02020603020101020101" pitchFamily="18" charset="-127"/>
+                <a:ea typeface="210 옴니고딕 030" panose="02020603020101020101" pitchFamily="18" charset="-127"/>
+              </a:rPr>
+              <a:t>: [ 80, 100, 120, 140, 160 ] (A)</a:t>
+            </a:r>
+            <a:r>
+              <a:rPr lang="en-US" altLang="ko-KR" sz="1200" dirty="0" smtClean="0">
+                <a:latin typeface="210 옴니고딕 030" panose="02020603020101020101" pitchFamily="18" charset="-127"/>
+                <a:ea typeface="210 옴니고딕 030" panose="02020603020101020101" pitchFamily="18" charset="-127"/>
+                <a:sym typeface="Wingdings" panose="05000000000000000000" pitchFamily="2" charset="2"/>
+              </a:rPr>
+              <a:t></a:t>
+            </a:r>
+            <a:r>
+              <a:rPr lang="ko-KR" altLang="en-US" sz="1200" dirty="0" smtClean="0">
+                <a:latin typeface="210 옴니고딕 030" panose="02020603020101020101" pitchFamily="18" charset="-127"/>
+                <a:ea typeface="210 옴니고딕 030" panose="02020603020101020101" pitchFamily="18" charset="-127"/>
+              </a:rPr>
+              <a:t> </a:t>
+            </a:r>
+            <a:r>
+              <a:rPr lang="en-US" altLang="ko-KR" sz="1200" b="1" dirty="0" smtClean="0">
+                <a:latin typeface="210 옴니고딕 030" panose="02020603020101020101" pitchFamily="18" charset="-127"/>
+                <a:ea typeface="210 옴니고딕 030" panose="02020603020101020101" pitchFamily="18" charset="-127"/>
+              </a:rPr>
+              <a:t>5</a:t>
+            </a:r>
+            <a:r>
+              <a:rPr lang="ko-KR" altLang="en-US" sz="1200" b="1" dirty="0" smtClean="0">
+                <a:latin typeface="210 옴니고딕 030" panose="02020603020101020101" pitchFamily="18" charset="-127"/>
+                <a:ea typeface="210 옴니고딕 030" panose="02020603020101020101" pitchFamily="18" charset="-127"/>
+              </a:rPr>
+              <a:t>가지</a:t>
+            </a:r>
+            <a:endParaRPr lang="ko-KR" altLang="en-US" sz="1200" dirty="0" smtClean="0">
+              <a:latin typeface="210 옴니고딕 030" panose="02020603020101020101" pitchFamily="18" charset="-127"/>
+              <a:ea typeface="210 옴니고딕 030" panose="02020603020101020101" pitchFamily="18" charset="-127"/>
+            </a:endParaRPr>
+          </a:p>
+          <a:p>
+            <a:r>
+              <a:rPr lang="ko-KR" altLang="en-US" sz="1200" dirty="0" smtClean="0">
+                <a:latin typeface="210 옴니고딕 030" panose="02020603020101020101" pitchFamily="18" charset="-127"/>
+                <a:ea typeface="210 옴니고딕 030" panose="02020603020101020101" pitchFamily="18" charset="-127"/>
+              </a:rPr>
+              <a:t>    </a:t>
+            </a:r>
+            <a:r>
+              <a:rPr lang="en-US" altLang="ko-KR" sz="1200" dirty="0" smtClean="0">
+                <a:latin typeface="210 옴니고딕 030" panose="02020603020101020101" pitchFamily="18" charset="-127"/>
+                <a:ea typeface="210 옴니고딕 030" panose="02020603020101020101" pitchFamily="18" charset="-127"/>
+              </a:rPr>
+              <a:t>2) </a:t>
+            </a:r>
+            <a:r>
+              <a:rPr lang="ko-KR" altLang="en-US" sz="1200" dirty="0" smtClean="0">
+                <a:latin typeface="210 옴니고딕 030" panose="02020603020101020101" pitchFamily="18" charset="-127"/>
+                <a:ea typeface="210 옴니고딕 030" panose="02020603020101020101" pitchFamily="18" charset="-127"/>
+              </a:rPr>
+              <a:t>전압 </a:t>
+            </a:r>
+            <a:r>
+              <a:rPr lang="en-US" altLang="ko-KR" sz="1200" dirty="0" smtClean="0">
+                <a:latin typeface="210 옴니고딕 030" panose="02020603020101020101" pitchFamily="18" charset="-127"/>
+                <a:ea typeface="210 옴니고딕 030" panose="02020603020101020101" pitchFamily="18" charset="-127"/>
+              </a:rPr>
+              <a:t>: [ -2, -1, 0, +1, +2 ] (V)</a:t>
+            </a:r>
+            <a:r>
+              <a:rPr lang="en-US" altLang="ko-KR" sz="1200" dirty="0" smtClean="0">
+                <a:latin typeface="210 옴니고딕 030" panose="02020603020101020101" pitchFamily="18" charset="-127"/>
+                <a:ea typeface="210 옴니고딕 030" panose="02020603020101020101" pitchFamily="18" charset="-127"/>
+                <a:sym typeface="Wingdings" panose="05000000000000000000" pitchFamily="2" charset="2"/>
+              </a:rPr>
+              <a:t></a:t>
+            </a:r>
+            <a:r>
+              <a:rPr lang="ko-KR" altLang="en-US" sz="1200" dirty="0" smtClean="0">
+                <a:latin typeface="210 옴니고딕 030" panose="02020603020101020101" pitchFamily="18" charset="-127"/>
+                <a:ea typeface="210 옴니고딕 030" panose="02020603020101020101" pitchFamily="18" charset="-127"/>
+              </a:rPr>
+              <a:t> </a:t>
+            </a:r>
+            <a:r>
+              <a:rPr lang="en-US" altLang="ko-KR" sz="1200" b="1" dirty="0" smtClean="0">
+                <a:latin typeface="210 옴니고딕 030" panose="02020603020101020101" pitchFamily="18" charset="-127"/>
+                <a:ea typeface="210 옴니고딕 030" panose="02020603020101020101" pitchFamily="18" charset="-127"/>
+              </a:rPr>
+              <a:t>5</a:t>
+            </a:r>
+            <a:r>
+              <a:rPr lang="ko-KR" altLang="en-US" sz="1200" b="1" dirty="0" smtClean="0">
+                <a:latin typeface="210 옴니고딕 030" panose="02020603020101020101" pitchFamily="18" charset="-127"/>
+                <a:ea typeface="210 옴니고딕 030" panose="02020603020101020101" pitchFamily="18" charset="-127"/>
+              </a:rPr>
+              <a:t>가지</a:t>
+            </a:r>
+            <a:endParaRPr lang="ko-KR" altLang="en-US" sz="1200" dirty="0" smtClean="0">
+              <a:latin typeface="210 옴니고딕 030" panose="02020603020101020101" pitchFamily="18" charset="-127"/>
+              <a:ea typeface="210 옴니고딕 030" panose="02020603020101020101" pitchFamily="18" charset="-127"/>
+            </a:endParaRPr>
+          </a:p>
+          <a:p>
+            <a:r>
+              <a:rPr lang="ko-KR" altLang="en-US" sz="1200" dirty="0" smtClean="0">
+                <a:latin typeface="210 옴니고딕 030" panose="02020603020101020101" pitchFamily="18" charset="-127"/>
+                <a:ea typeface="210 옴니고딕 030" panose="02020603020101020101" pitchFamily="18" charset="-127"/>
+              </a:rPr>
+              <a:t>    </a:t>
+            </a:r>
+            <a:r>
+              <a:rPr lang="en-US" altLang="ko-KR" sz="1200" dirty="0" smtClean="0">
+                <a:latin typeface="210 옴니고딕 030" panose="02020603020101020101" pitchFamily="18" charset="-127"/>
+                <a:ea typeface="210 옴니고딕 030" panose="02020603020101020101" pitchFamily="18" charset="-127"/>
+              </a:rPr>
+              <a:t>3) </a:t>
+            </a:r>
+            <a:r>
+              <a:rPr lang="ko-KR" altLang="en-US" sz="1200" dirty="0" smtClean="0">
+                <a:latin typeface="210 옴니고딕 030" panose="02020603020101020101" pitchFamily="18" charset="-127"/>
+                <a:ea typeface="210 옴니고딕 030" panose="02020603020101020101" pitchFamily="18" charset="-127"/>
+              </a:rPr>
+              <a:t>용접 속도 </a:t>
+            </a:r>
+            <a:r>
+              <a:rPr lang="en-US" altLang="ko-KR" sz="1200" dirty="0" smtClean="0">
+                <a:latin typeface="210 옴니고딕 030" panose="02020603020101020101" pitchFamily="18" charset="-127"/>
+                <a:ea typeface="210 옴니고딕 030" panose="02020603020101020101" pitchFamily="18" charset="-127"/>
+              </a:rPr>
+              <a:t>: [ 4, 6, 8, 10, 12, 14, 16 ] (mm/s)</a:t>
+            </a:r>
+            <a:r>
+              <a:rPr lang="en-US" altLang="ko-KR" sz="1200" dirty="0" smtClean="0">
+                <a:latin typeface="210 옴니고딕 030" panose="02020603020101020101" pitchFamily="18" charset="-127"/>
+                <a:ea typeface="210 옴니고딕 030" panose="02020603020101020101" pitchFamily="18" charset="-127"/>
+                <a:sym typeface="Wingdings" panose="05000000000000000000" pitchFamily="2" charset="2"/>
+              </a:rPr>
+              <a:t></a:t>
+            </a:r>
+            <a:r>
+              <a:rPr lang="en-US" altLang="ko-KR" sz="1200" b="1" dirty="0" smtClean="0">
+                <a:latin typeface="210 옴니고딕 030" panose="02020603020101020101" pitchFamily="18" charset="-127"/>
+                <a:ea typeface="210 옴니고딕 030" panose="02020603020101020101" pitchFamily="18" charset="-127"/>
+              </a:rPr>
+              <a:t>7</a:t>
+            </a:r>
+            <a:r>
+              <a:rPr lang="ko-KR" altLang="en-US" sz="1200" b="1" dirty="0" smtClean="0">
+                <a:latin typeface="210 옴니고딕 030" panose="02020603020101020101" pitchFamily="18" charset="-127"/>
+                <a:ea typeface="210 옴니고딕 030" panose="02020603020101020101" pitchFamily="18" charset="-127"/>
+              </a:rPr>
+              <a:t>가지</a:t>
+            </a:r>
+            <a:endParaRPr lang="ko-KR" altLang="en-US" sz="1200" dirty="0" smtClean="0">
+              <a:latin typeface="210 옴니고딕 030" panose="02020603020101020101" pitchFamily="18" charset="-127"/>
+              <a:ea typeface="210 옴니고딕 030" panose="02020603020101020101" pitchFamily="18" charset="-127"/>
+            </a:endParaRPr>
+          </a:p>
+          <a:p>
+            <a:r>
+              <a:rPr lang="ko-KR" altLang="en-US" sz="1200" dirty="0" smtClean="0">
+                <a:latin typeface="210 옴니고딕 030" panose="02020603020101020101" pitchFamily="18" charset="-127"/>
+                <a:ea typeface="210 옴니고딕 030" panose="02020603020101020101" pitchFamily="18" charset="-127"/>
+              </a:rPr>
+              <a:t>    </a:t>
+            </a:r>
+            <a:r>
+              <a:rPr lang="en-US" altLang="ko-KR" sz="1200" dirty="0" smtClean="0">
+                <a:latin typeface="210 옴니고딕 030" panose="02020603020101020101" pitchFamily="18" charset="-127"/>
+                <a:ea typeface="210 옴니고딕 030" panose="02020603020101020101" pitchFamily="18" charset="-127"/>
+              </a:rPr>
+              <a:t>4) </a:t>
+            </a:r>
+            <a:r>
+              <a:rPr lang="ko-KR" altLang="en-US" sz="1200" dirty="0" smtClean="0">
+                <a:latin typeface="210 옴니고딕 030" panose="02020603020101020101" pitchFamily="18" charset="-127"/>
+                <a:ea typeface="210 옴니고딕 030" panose="02020603020101020101" pitchFamily="18" charset="-127"/>
+              </a:rPr>
+              <a:t>가스 공급 속도 </a:t>
+            </a:r>
+            <a:r>
+              <a:rPr lang="en-US" altLang="ko-KR" sz="1200" dirty="0" smtClean="0">
+                <a:latin typeface="210 옴니고딕 030" panose="02020603020101020101" pitchFamily="18" charset="-127"/>
+                <a:ea typeface="210 옴니고딕 030" panose="02020603020101020101" pitchFamily="18" charset="-127"/>
+              </a:rPr>
+              <a:t>: 15L/min (</a:t>
+            </a:r>
+            <a:r>
+              <a:rPr lang="ko-KR" altLang="en-US" sz="1200" dirty="0" smtClean="0">
+                <a:latin typeface="210 옴니고딕 030" panose="02020603020101020101" pitchFamily="18" charset="-127"/>
+                <a:ea typeface="210 옴니고딕 030" panose="02020603020101020101" pitchFamily="18" charset="-127"/>
+              </a:rPr>
+              <a:t>고정</a:t>
+            </a:r>
+            <a:r>
+              <a:rPr lang="en-US" altLang="ko-KR" sz="1200" dirty="0" smtClean="0">
+                <a:latin typeface="210 옴니고딕 030" panose="02020603020101020101" pitchFamily="18" charset="-127"/>
+                <a:ea typeface="210 옴니고딕 030" panose="02020603020101020101" pitchFamily="18" charset="-127"/>
+              </a:rPr>
+              <a:t>)</a:t>
+            </a:r>
+            <a:endParaRPr lang="ko-KR" altLang="en-US" sz="1200" dirty="0" smtClean="0">
+              <a:latin typeface="210 옴니고딕 030" panose="02020603020101020101" pitchFamily="18" charset="-127"/>
+              <a:ea typeface="210 옴니고딕 030" panose="02020603020101020101" pitchFamily="18" charset="-127"/>
+            </a:endParaRPr>
+          </a:p>
+          <a:p>
+            <a:r>
+              <a:rPr lang="ko-KR" altLang="en-US" sz="1200" dirty="0" smtClean="0">
+                <a:latin typeface="210 옴니고딕 030" panose="02020603020101020101" pitchFamily="18" charset="-127"/>
+                <a:ea typeface="210 옴니고딕 030" panose="02020603020101020101" pitchFamily="18" charset="-127"/>
+              </a:rPr>
+              <a:t>    </a:t>
+            </a:r>
+            <a:r>
+              <a:rPr lang="en-US" altLang="ko-KR" sz="1200" dirty="0" smtClean="0">
+                <a:latin typeface="210 옴니고딕 030" panose="02020603020101020101" pitchFamily="18" charset="-127"/>
+                <a:ea typeface="210 옴니고딕 030" panose="02020603020101020101" pitchFamily="18" charset="-127"/>
+              </a:rPr>
+              <a:t>5) </a:t>
+            </a:r>
+            <a:r>
+              <a:rPr lang="ko-KR" altLang="en-US" sz="1200" dirty="0" smtClean="0">
+                <a:latin typeface="210 옴니고딕 030" panose="02020603020101020101" pitchFamily="18" charset="-127"/>
+                <a:ea typeface="210 옴니고딕 030" panose="02020603020101020101" pitchFamily="18" charset="-127"/>
+              </a:rPr>
+              <a:t>용접 각도 </a:t>
+            </a:r>
+            <a:r>
+              <a:rPr lang="en-US" altLang="ko-KR" sz="1200" dirty="0" smtClean="0">
+                <a:latin typeface="210 옴니고딕 030" panose="02020603020101020101" pitchFamily="18" charset="-127"/>
+                <a:ea typeface="210 옴니고딕 030" panose="02020603020101020101" pitchFamily="18" charset="-127"/>
+              </a:rPr>
+              <a:t>: 0°</a:t>
+            </a:r>
+            <a:r>
+              <a:rPr lang="ko-KR" altLang="en-US" sz="1200" dirty="0" smtClean="0">
+                <a:latin typeface="210 옴니고딕 030" panose="02020603020101020101" pitchFamily="18" charset="-127"/>
+                <a:ea typeface="210 옴니고딕 030" panose="02020603020101020101" pitchFamily="18" charset="-127"/>
+              </a:rPr>
+              <a:t> </a:t>
+            </a:r>
+            <a:r>
+              <a:rPr lang="en-US" altLang="ko-KR" sz="1200" dirty="0" smtClean="0">
+                <a:latin typeface="210 옴니고딕 030" panose="02020603020101020101" pitchFamily="18" charset="-127"/>
+                <a:ea typeface="210 옴니고딕 030" panose="02020603020101020101" pitchFamily="18" charset="-127"/>
+              </a:rPr>
+              <a:t>(</a:t>
+            </a:r>
+            <a:r>
+              <a:rPr lang="ko-KR" altLang="en-US" sz="1200" dirty="0" smtClean="0">
+                <a:latin typeface="210 옴니고딕 030" panose="02020603020101020101" pitchFamily="18" charset="-127"/>
+                <a:ea typeface="210 옴니고딕 030" panose="02020603020101020101" pitchFamily="18" charset="-127"/>
+              </a:rPr>
+              <a:t>고정</a:t>
+            </a:r>
+            <a:r>
+              <a:rPr lang="en-US" altLang="ko-KR" sz="1200" dirty="0" smtClean="0">
+                <a:latin typeface="210 옴니고딕 030" panose="02020603020101020101" pitchFamily="18" charset="-127"/>
+                <a:ea typeface="210 옴니고딕 030" panose="02020603020101020101" pitchFamily="18" charset="-127"/>
+              </a:rPr>
+              <a:t>)</a:t>
+            </a:r>
+            <a:r>
+              <a:rPr lang="ko-KR" altLang="en-US" sz="1200" dirty="0" smtClean="0"/>
+              <a:t>  </a:t>
+            </a:r>
+            <a:endParaRPr lang="ko-KR" altLang="en-US" sz="1200" dirty="0" smtClean="0">
+              <a:latin typeface="210 옴니고딕 030" panose="02020603020101020101" pitchFamily="18" charset="-127"/>
+              <a:ea typeface="210 옴니고딕 030" panose="02020603020101020101" pitchFamily="18" charset="-127"/>
+            </a:endParaRPr>
+          </a:p>
+          <a:p>
+            <a:r>
+              <a:rPr lang="ko-KR" altLang="en-US" sz="1200" dirty="0" smtClean="0">
+                <a:latin typeface="210 옴니고딕 030" panose="02020603020101020101" pitchFamily="18" charset="-127"/>
+                <a:ea typeface="210 옴니고딕 030" panose="02020603020101020101" pitchFamily="18" charset="-127"/>
+              </a:rPr>
+              <a:t/>
+            </a:r>
+            <a:br>
+              <a:rPr lang="ko-KR" altLang="en-US" sz="1200" dirty="0" smtClean="0">
+                <a:latin typeface="210 옴니고딕 030" panose="02020603020101020101" pitchFamily="18" charset="-127"/>
+                <a:ea typeface="210 옴니고딕 030" panose="02020603020101020101" pitchFamily="18" charset="-127"/>
+              </a:rPr>
+            </a:br>
+            <a:r>
+              <a:rPr lang="en-US" altLang="ko-KR" sz="1200" dirty="0" smtClean="0">
+                <a:latin typeface="210 옴니고딕 030" panose="02020603020101020101" pitchFamily="18" charset="-127"/>
+                <a:ea typeface="210 옴니고딕 030" panose="02020603020101020101" pitchFamily="18" charset="-127"/>
+              </a:rPr>
+              <a:t>	</a:t>
+            </a:r>
+            <a:r>
+              <a:rPr lang="ko-KR" altLang="en-US" sz="1600" b="1" dirty="0" smtClean="0">
+                <a:latin typeface="210 옴니고딕 030" panose="02020603020101020101" pitchFamily="18" charset="-127"/>
+                <a:ea typeface="210 옴니고딕 030" panose="02020603020101020101" pitchFamily="18" charset="-127"/>
+              </a:rPr>
+              <a:t>총 </a:t>
+            </a:r>
+            <a:r>
+              <a:rPr lang="en-US" altLang="ko-KR" sz="1600" b="1" dirty="0" smtClean="0">
+                <a:latin typeface="210 옴니고딕 030" panose="02020603020101020101" pitchFamily="18" charset="-127"/>
+                <a:ea typeface="210 옴니고딕 030" panose="02020603020101020101" pitchFamily="18" charset="-127"/>
+              </a:rPr>
+              <a:t>175</a:t>
+            </a:r>
+            <a:r>
+              <a:rPr lang="ko-KR" altLang="en-US" sz="1600" b="1" dirty="0" smtClean="0">
+                <a:latin typeface="210 옴니고딕 030" panose="02020603020101020101" pitchFamily="18" charset="-127"/>
+                <a:ea typeface="210 옴니고딕 030" panose="02020603020101020101" pitchFamily="18" charset="-127"/>
+              </a:rPr>
+              <a:t>개의 데이터 수집 진행 예정</a:t>
+            </a:r>
+            <a:endParaRPr lang="en-US" altLang="ko-KR" sz="1600" b="1" dirty="0" smtClean="0">
+              <a:solidFill>
+                <a:schemeClr val="dk1"/>
+              </a:solidFill>
+              <a:latin typeface="210 옴니고딕 030" panose="02020603020101020101" pitchFamily="18" charset="-127"/>
+              <a:ea typeface="210 옴니고딕 030" panose="02020603020101020101" pitchFamily="18" charset="-127"/>
+              <a:cs typeface="Arial"/>
+              <a:sym typeface="Arial"/>
+            </a:endParaRPr>
+          </a:p>
+        </p:txBody>
+      </p:sp>
+      <p:sp>
+        <p:nvSpPr>
+          <p:cNvPr id="2" name="오른쪽 화살표 1"/>
           <p:cNvSpPr/>
           <p:nvPr/>
         </p:nvSpPr>
         <p:spPr>
           <a:xfrm>
-            <a:off x="4301289" y="4145034"/>
-            <a:ext cx="490889" cy="418699"/>
+            <a:off x="2119745" y="4930588"/>
+            <a:ext cx="440575" cy="257695"/>
           </a:xfrm>
           <a:prstGeom prst="rightArrow">
             <a:avLst/>
@@ -8789,53 +9776,18 @@
           </a:fontRef>
         </p:style>
         <p:txBody>
-          <a:bodyPr rot="0" spcFirstLastPara="0" vertOverflow="overflow" horzOverflow="overflow" vert="horz" wrap="square" lIns="68580" tIns="34290" rIns="68580" bIns="34290" numCol="1" spcCol="0" rtlCol="0" fromWordArt="0" anchor="ctr" anchorCtr="0" forceAA="0" compatLnSpc="1">
-            <a:prstTxWarp prst="textNoShape">
-              <a:avLst/>
-            </a:prstTxWarp>
-            <a:noAutofit/>
-          </a:bodyPr>
+          <a:bodyPr rtlCol="0" anchor="ctr"/>
           <a:lstStyle/>
           <a:p>
             <a:pPr algn="ctr"/>
-            <a:endParaRPr lang="ko-KR" altLang="en-US" sz="1350"/>
+            <a:endParaRPr lang="ko-KR" altLang="en-US"/>
           </a:p>
         </p:txBody>
       </p:sp>
-      <p:pic>
-        <p:nvPicPr>
-          <p:cNvPr id="6" name="그림 5"/>
-          <p:cNvPicPr>
-            <a:picLocks noChangeAspect="1"/>
-          </p:cNvPicPr>
-          <p:nvPr/>
-        </p:nvPicPr>
-        <p:blipFill>
-          <a:blip r:embed="rId4" cstate="print">
-            <a:extLst>
-              <a:ext uri="{28A0092B-C50C-407E-A947-70E740481C1C}">
-                <a14:useLocalDpi xmlns:a14="http://schemas.microsoft.com/office/drawing/2010/main" val="0"/>
-              </a:ext>
-            </a:extLst>
-          </a:blip>
-          <a:stretch>
-            <a:fillRect/>
-          </a:stretch>
-        </p:blipFill>
-        <p:spPr>
-          <a:xfrm>
-            <a:off x="5350934" y="3281790"/>
-            <a:ext cx="1890000" cy="1890000"/>
-          </a:xfrm>
-          <a:prstGeom prst="rect">
-            <a:avLst/>
-          </a:prstGeom>
-        </p:spPr>
-      </p:pic>
     </p:spTree>
     <p:extLst>
       <p:ext uri="{BB962C8B-B14F-4D97-AF65-F5344CB8AC3E}">
-        <p14:creationId xmlns:p14="http://schemas.microsoft.com/office/powerpoint/2010/main" val="3914949157"/>
+        <p14:creationId xmlns:p14="http://schemas.microsoft.com/office/powerpoint/2010/main" val="4233437639"/>
       </p:ext>
     </p:extLst>
   </p:cSld>
@@ -8845,7 +9797,2004 @@
 </p:sld>
 </file>
 
-<file path=ppt/slides/slide15.xml><?xml version="1.0" encoding="utf-8"?>
+<file path=ppt/slides/slide16.xml><?xml version="1.0" encoding="utf-8"?>
+<p:sld xmlns:a="http://schemas.openxmlformats.org/drawingml/2006/main" xmlns:r="http://schemas.openxmlformats.org/officeDocument/2006/relationships" xmlns:p="http://schemas.openxmlformats.org/presentationml/2006/main">
+  <p:cSld>
+    <p:spTree>
+      <p:nvGrpSpPr>
+        <p:cNvPr id="1" name="Shape 218"/>
+        <p:cNvGrpSpPr/>
+        <p:nvPr/>
+      </p:nvGrpSpPr>
+      <p:grpSpPr>
+        <a:xfrm>
+          <a:off x="0" y="0"/>
+          <a:ext cx="0" cy="0"/>
+          <a:chOff x="0" y="0"/>
+          <a:chExt cx="0" cy="0"/>
+        </a:xfrm>
+      </p:grpSpPr>
+      <p:cxnSp>
+        <p:nvCxnSpPr>
+          <p:cNvPr id="219" name="Google Shape;219;p13"/>
+          <p:cNvCxnSpPr/>
+          <p:nvPr/>
+        </p:nvCxnSpPr>
+        <p:spPr>
+          <a:xfrm>
+            <a:off x="1416602" y="1268144"/>
+            <a:ext cx="6304500" cy="0"/>
+          </a:xfrm>
+          <a:prstGeom prst="straightConnector1">
+            <a:avLst/>
+          </a:prstGeom>
+          <a:noFill/>
+          <a:ln w="9525" cap="flat" cmpd="sng">
+            <a:solidFill>
+              <a:srgbClr val="1C314E"/>
+            </a:solidFill>
+            <a:prstDash val="solid"/>
+            <a:round/>
+            <a:headEnd type="none" w="sm" len="sm"/>
+            <a:tailEnd type="none" w="sm" len="sm"/>
+          </a:ln>
+        </p:spPr>
+      </p:cxnSp>
+      <p:sp>
+        <p:nvSpPr>
+          <p:cNvPr id="220" name="Google Shape;220;p13"/>
+          <p:cNvSpPr txBox="1">
+            <a:spLocks noGrp="1"/>
+          </p:cNvSpPr>
+          <p:nvPr>
+            <p:ph type="title"/>
+          </p:nvPr>
+        </p:nvSpPr>
+        <p:spPr>
+          <a:xfrm>
+            <a:off x="1335408" y="1382344"/>
+            <a:ext cx="5246340" cy="435695"/>
+          </a:xfrm>
+          <a:prstGeom prst="rect">
+            <a:avLst/>
+          </a:prstGeom>
+          <a:noFill/>
+          <a:ln>
+            <a:noFill/>
+          </a:ln>
+        </p:spPr>
+        <p:txBody>
+          <a:bodyPr spcFirstLastPara="1" vert="horz" wrap="square" lIns="68569" tIns="34275" rIns="68569" bIns="34275" rtlCol="0" anchor="ctr" anchorCtr="0">
+            <a:noAutofit/>
+          </a:bodyPr>
+          <a:lstStyle/>
+          <a:p>
+            <a:pPr>
+              <a:spcBef>
+                <a:spcPts val="0"/>
+              </a:spcBef>
+              <a:buClr>
+                <a:srgbClr val="1C314E"/>
+              </a:buClr>
+              <a:buSzPts val="2800"/>
+            </a:pPr>
+            <a:r>
+              <a:rPr lang="en-US" sz="2100" b="1">
+                <a:solidFill>
+                  <a:srgbClr val="1C314E"/>
+                </a:solidFill>
+              </a:rPr>
+              <a:t>1. 이번 주 작업</a:t>
+            </a:r>
+            <a:endParaRPr/>
+          </a:p>
+        </p:txBody>
+      </p:sp>
+      <p:sp>
+        <p:nvSpPr>
+          <p:cNvPr id="221" name="Google Shape;221;p13"/>
+          <p:cNvSpPr txBox="1"/>
+          <p:nvPr/>
+        </p:nvSpPr>
+        <p:spPr>
+          <a:xfrm>
+            <a:off x="1335409" y="1872485"/>
+            <a:ext cx="6352910" cy="956582"/>
+          </a:xfrm>
+          <a:prstGeom prst="rect">
+            <a:avLst/>
+          </a:prstGeom>
+          <a:noFill/>
+          <a:ln>
+            <a:noFill/>
+          </a:ln>
+        </p:spPr>
+        <p:txBody>
+          <a:bodyPr spcFirstLastPara="1" wrap="square" lIns="68569" tIns="34275" rIns="68569" bIns="34275" anchor="t" anchorCtr="0">
+            <a:normAutofit/>
+          </a:bodyPr>
+          <a:lstStyle/>
+          <a:p>
+            <a:pPr>
+              <a:buClr>
+                <a:srgbClr val="3D3C3E"/>
+              </a:buClr>
+              <a:buSzPts val="2000"/>
+            </a:pPr>
+            <a:r>
+              <a:rPr lang="en-US" sz="1500" b="1" dirty="0" smtClean="0">
+                <a:solidFill>
+                  <a:srgbClr val="3D3C3E"/>
+                </a:solidFill>
+                <a:latin typeface="210 옴니고딕 030" panose="02020603020101020101" pitchFamily="18" charset="-127"/>
+                <a:ea typeface="210 옴니고딕 030" panose="02020603020101020101" pitchFamily="18" charset="-127"/>
+                <a:cs typeface="Arial"/>
+                <a:sym typeface="Arial"/>
+              </a:rPr>
+              <a:t>1-2. </a:t>
+            </a:r>
+            <a:r>
+              <a:rPr lang="ko-KR" altLang="en-US" sz="1500" b="1" dirty="0" err="1" smtClean="0">
+                <a:solidFill>
+                  <a:srgbClr val="3D3C3E"/>
+                </a:solidFill>
+                <a:latin typeface="210 옴니고딕 030" panose="02020603020101020101" pitchFamily="18" charset="-127"/>
+                <a:ea typeface="210 옴니고딕 030" panose="02020603020101020101" pitchFamily="18" charset="-127"/>
+                <a:cs typeface="Arial"/>
+                <a:sym typeface="Arial"/>
+              </a:rPr>
+              <a:t>강화학습</a:t>
+            </a:r>
+            <a:r>
+              <a:rPr lang="ko-KR" altLang="en-US" sz="1500" b="1" dirty="0" smtClean="0">
+                <a:solidFill>
+                  <a:srgbClr val="3D3C3E"/>
+                </a:solidFill>
+                <a:latin typeface="210 옴니고딕 030" panose="02020603020101020101" pitchFamily="18" charset="-127"/>
+                <a:ea typeface="210 옴니고딕 030" panose="02020603020101020101" pitchFamily="18" charset="-127"/>
+                <a:cs typeface="Arial"/>
+                <a:sym typeface="Arial"/>
+              </a:rPr>
+              <a:t> 개요</a:t>
+            </a:r>
+            <a:endParaRPr sz="1500" b="1" dirty="0">
+              <a:solidFill>
+                <a:srgbClr val="3D3C3E"/>
+              </a:solidFill>
+              <a:latin typeface="210 옴니고딕 030" panose="02020603020101020101" pitchFamily="18" charset="-127"/>
+              <a:ea typeface="210 옴니고딕 030" panose="02020603020101020101" pitchFamily="18" charset="-127"/>
+              <a:cs typeface="Arial"/>
+              <a:sym typeface="Arial"/>
+            </a:endParaRPr>
+          </a:p>
+        </p:txBody>
+      </p:sp>
+      <p:sp>
+        <p:nvSpPr>
+          <p:cNvPr id="222" name="Google Shape;222;p13"/>
+          <p:cNvSpPr txBox="1">
+            <a:spLocks noGrp="1"/>
+          </p:cNvSpPr>
+          <p:nvPr>
+            <p:ph type="sldNum" idx="12"/>
+          </p:nvPr>
+        </p:nvSpPr>
+        <p:spPr>
+          <a:xfrm>
+            <a:off x="6057900" y="5624514"/>
+            <a:ext cx="1600200" cy="273844"/>
+          </a:xfrm>
+          <a:prstGeom prst="rect">
+            <a:avLst/>
+          </a:prstGeom>
+          <a:noFill/>
+          <a:ln>
+            <a:noFill/>
+          </a:ln>
+        </p:spPr>
+        <p:txBody>
+          <a:bodyPr spcFirstLastPara="1" vert="horz" wrap="square" lIns="68569" tIns="34275" rIns="68569" bIns="34275" rtlCol="0" anchor="ctr" anchorCtr="0">
+            <a:noAutofit/>
+          </a:bodyPr>
+          <a:lstStyle/>
+          <a:p>
+            <a:fld id="{00000000-1234-1234-1234-123412341234}" type="slidenum">
+              <a:rPr lang="en-US"/>
+              <a:pPr/>
+              <a:t>16</a:t>
+            </a:fld>
+            <a:endParaRPr/>
+          </a:p>
+        </p:txBody>
+      </p:sp>
+      <p:sp>
+        <p:nvSpPr>
+          <p:cNvPr id="223" name="Google Shape;223;p13"/>
+          <p:cNvSpPr txBox="1"/>
+          <p:nvPr/>
+        </p:nvSpPr>
+        <p:spPr>
+          <a:xfrm>
+            <a:off x="1931941" y="2156947"/>
+            <a:ext cx="5159844" cy="311593"/>
+          </a:xfrm>
+          <a:prstGeom prst="rect">
+            <a:avLst/>
+          </a:prstGeom>
+          <a:noFill/>
+          <a:ln>
+            <a:noFill/>
+          </a:ln>
+        </p:spPr>
+        <p:txBody>
+          <a:bodyPr spcFirstLastPara="1" wrap="square" lIns="68569" tIns="34275" rIns="68569" bIns="34275" anchor="t" anchorCtr="0">
+            <a:spAutoFit/>
+          </a:bodyPr>
+          <a:lstStyle/>
+          <a:p>
+            <a:pPr marL="160735" indent="-94060">
+              <a:lnSpc>
+                <a:spcPct val="150000"/>
+              </a:lnSpc>
+              <a:buClr>
+                <a:schemeClr val="dk1"/>
+              </a:buClr>
+              <a:buSzPts val="1400"/>
+            </a:pPr>
+            <a:endParaRPr sz="1050" dirty="0">
+              <a:solidFill>
+                <a:schemeClr val="dk1"/>
+              </a:solidFill>
+              <a:latin typeface="210 옴니고딕 030" panose="02020603020101020101" pitchFamily="18" charset="-127"/>
+              <a:ea typeface="210 옴니고딕 030" panose="02020603020101020101" pitchFamily="18" charset="-127"/>
+              <a:cs typeface="Arial"/>
+              <a:sym typeface="Arial"/>
+            </a:endParaRPr>
+          </a:p>
+        </p:txBody>
+      </p:sp>
+      <p:sp>
+        <p:nvSpPr>
+          <p:cNvPr id="8" name="Google Shape;234;p14"/>
+          <p:cNvSpPr txBox="1"/>
+          <p:nvPr/>
+        </p:nvSpPr>
+        <p:spPr>
+          <a:xfrm>
+            <a:off x="1698155" y="2177667"/>
+            <a:ext cx="5959945" cy="2008212"/>
+          </a:xfrm>
+          <a:prstGeom prst="rect">
+            <a:avLst/>
+          </a:prstGeom>
+          <a:noFill/>
+          <a:ln>
+            <a:noFill/>
+          </a:ln>
+        </p:spPr>
+        <p:txBody>
+          <a:bodyPr spcFirstLastPara="1" wrap="square" lIns="68569" tIns="34275" rIns="68569" bIns="34275" anchor="t" anchorCtr="0">
+            <a:spAutoFit/>
+          </a:bodyPr>
+          <a:lstStyle/>
+          <a:p>
+            <a:pPr marL="160735" indent="-160735">
+              <a:lnSpc>
+                <a:spcPct val="150000"/>
+              </a:lnSpc>
+              <a:buClr>
+                <a:schemeClr val="dk1"/>
+              </a:buClr>
+              <a:buSzPts val="1600"/>
+              <a:buFont typeface="Arial"/>
+              <a:buChar char="•"/>
+            </a:pPr>
+            <a:r>
+              <a:rPr lang="ko-KR" altLang="en-US" sz="1200" dirty="0" smtClean="0">
+                <a:solidFill>
+                  <a:schemeClr val="dk1"/>
+                </a:solidFill>
+                <a:latin typeface="210 옴니고딕 030" panose="02020603020101020101" pitchFamily="18" charset="-127"/>
+                <a:ea typeface="210 옴니고딕 030" panose="02020603020101020101" pitchFamily="18" charset="-127"/>
+                <a:cs typeface="Arial"/>
+                <a:sym typeface="Arial"/>
+              </a:rPr>
+              <a:t>데이터 수집 과정</a:t>
+            </a:r>
+            <a:endParaRPr lang="en-US" altLang="ko-KR" sz="1200" dirty="0" smtClean="0">
+              <a:solidFill>
+                <a:schemeClr val="dk1"/>
+              </a:solidFill>
+              <a:latin typeface="210 옴니고딕 030" panose="02020603020101020101" pitchFamily="18" charset="-127"/>
+              <a:ea typeface="210 옴니고딕 030" panose="02020603020101020101" pitchFamily="18" charset="-127"/>
+              <a:cs typeface="Arial"/>
+              <a:sym typeface="Arial"/>
+            </a:endParaRPr>
+          </a:p>
+          <a:p>
+            <a:pPr lvl="1">
+              <a:lnSpc>
+                <a:spcPct val="150000"/>
+              </a:lnSpc>
+              <a:buClr>
+                <a:schemeClr val="dk1"/>
+              </a:buClr>
+              <a:buSzPts val="1600"/>
+            </a:pPr>
+            <a:r>
+              <a:rPr lang="en-US" altLang="ko-KR" sz="1200" dirty="0" smtClean="0">
+                <a:solidFill>
+                  <a:schemeClr val="dk1"/>
+                </a:solidFill>
+                <a:latin typeface="210 옴니고딕 030" panose="02020603020101020101" pitchFamily="18" charset="-127"/>
+                <a:ea typeface="210 옴니고딕 030" panose="02020603020101020101" pitchFamily="18" charset="-127"/>
+                <a:cs typeface="Arial"/>
+                <a:sym typeface="Arial"/>
+              </a:rPr>
+              <a:t>① </a:t>
+            </a:r>
+            <a:r>
+              <a:rPr lang="ko-KR" altLang="en-US" sz="1200" dirty="0" err="1" smtClean="0">
+                <a:solidFill>
+                  <a:schemeClr val="dk1"/>
+                </a:solidFill>
+                <a:latin typeface="210 옴니고딕 030" panose="02020603020101020101" pitchFamily="18" charset="-127"/>
+                <a:ea typeface="210 옴니고딕 030" panose="02020603020101020101" pitchFamily="18" charset="-127"/>
+                <a:cs typeface="Arial"/>
+                <a:sym typeface="Arial"/>
+              </a:rPr>
+              <a:t>파라미터</a:t>
+            </a:r>
+            <a:r>
+              <a:rPr lang="ko-KR" altLang="en-US" sz="1200" dirty="0" smtClean="0">
+                <a:solidFill>
+                  <a:schemeClr val="dk1"/>
+                </a:solidFill>
+                <a:latin typeface="210 옴니고딕 030" panose="02020603020101020101" pitchFamily="18" charset="-127"/>
+                <a:ea typeface="210 옴니고딕 030" panose="02020603020101020101" pitchFamily="18" charset="-127"/>
+                <a:cs typeface="Arial"/>
+                <a:sym typeface="Arial"/>
+              </a:rPr>
+              <a:t> 선정 후 영상 촬영</a:t>
+            </a:r>
+            <a:endParaRPr lang="en-US" altLang="ko-KR" sz="1200" dirty="0" smtClean="0">
+              <a:solidFill>
+                <a:schemeClr val="dk1"/>
+              </a:solidFill>
+              <a:latin typeface="210 옴니고딕 030" panose="02020603020101020101" pitchFamily="18" charset="-127"/>
+              <a:ea typeface="210 옴니고딕 030" panose="02020603020101020101" pitchFamily="18" charset="-127"/>
+              <a:cs typeface="Arial"/>
+              <a:sym typeface="Arial"/>
+            </a:endParaRPr>
+          </a:p>
+          <a:p>
+            <a:pPr lvl="1">
+              <a:lnSpc>
+                <a:spcPct val="150000"/>
+              </a:lnSpc>
+              <a:buClr>
+                <a:schemeClr val="dk1"/>
+              </a:buClr>
+              <a:buSzPts val="1600"/>
+            </a:pPr>
+            <a:r>
+              <a:rPr lang="en-US" altLang="ko-KR" sz="1200" dirty="0" smtClean="0">
+                <a:solidFill>
+                  <a:schemeClr val="dk1"/>
+                </a:solidFill>
+                <a:latin typeface="210 옴니고딕 030" panose="02020603020101020101" pitchFamily="18" charset="-127"/>
+                <a:ea typeface="210 옴니고딕 030" panose="02020603020101020101" pitchFamily="18" charset="-127"/>
+                <a:cs typeface="Arial"/>
+                <a:sym typeface="Arial"/>
+              </a:rPr>
+              <a:t>② Flare Removal </a:t>
+            </a:r>
+            <a:r>
+              <a:rPr lang="ko-KR" altLang="en-US" sz="1200" dirty="0" smtClean="0">
+                <a:solidFill>
+                  <a:schemeClr val="dk1"/>
+                </a:solidFill>
+                <a:latin typeface="210 옴니고딕 030" panose="02020603020101020101" pitchFamily="18" charset="-127"/>
+                <a:ea typeface="210 옴니고딕 030" panose="02020603020101020101" pitchFamily="18" charset="-127"/>
+                <a:cs typeface="Arial"/>
+                <a:sym typeface="Arial"/>
+              </a:rPr>
+              <a:t>진행 </a:t>
+            </a:r>
+            <a:r>
+              <a:rPr lang="en-US" altLang="ko-KR" sz="1200" dirty="0" smtClean="0">
+                <a:solidFill>
+                  <a:schemeClr val="dk1"/>
+                </a:solidFill>
+                <a:latin typeface="210 옴니고딕 030" panose="02020603020101020101" pitchFamily="18" charset="-127"/>
+                <a:ea typeface="210 옴니고딕 030" panose="02020603020101020101" pitchFamily="18" charset="-127"/>
+                <a:cs typeface="Arial"/>
+                <a:sym typeface="Arial"/>
+              </a:rPr>
+              <a:t>( </a:t>
+            </a:r>
+            <a:r>
+              <a:rPr lang="ko-KR" altLang="en-US" sz="1200" dirty="0" err="1" smtClean="0">
+                <a:solidFill>
+                  <a:schemeClr val="dk1"/>
+                </a:solidFill>
+                <a:latin typeface="210 옴니고딕 030" panose="02020603020101020101" pitchFamily="18" charset="-127"/>
+                <a:ea typeface="210 옴니고딕 030" panose="02020603020101020101" pitchFamily="18" charset="-127"/>
+                <a:cs typeface="Arial"/>
+                <a:sym typeface="Arial"/>
+              </a:rPr>
+              <a:t>딥러닝</a:t>
+            </a:r>
+            <a:r>
+              <a:rPr lang="en-US" altLang="ko-KR" sz="1200" dirty="0" smtClean="0">
+                <a:solidFill>
+                  <a:schemeClr val="dk1"/>
+                </a:solidFill>
+                <a:latin typeface="210 옴니고딕 030" panose="02020603020101020101" pitchFamily="18" charset="-127"/>
+                <a:ea typeface="210 옴니고딕 030" panose="02020603020101020101" pitchFamily="18" charset="-127"/>
+                <a:cs typeface="Arial"/>
+                <a:sym typeface="Arial"/>
+              </a:rPr>
+              <a:t>, Welding Pool Detect </a:t>
+            </a:r>
+            <a:r>
+              <a:rPr lang="ko-KR" altLang="en-US" sz="1200" dirty="0" smtClean="0">
+                <a:solidFill>
+                  <a:schemeClr val="dk1"/>
+                </a:solidFill>
+                <a:latin typeface="210 옴니고딕 030" panose="02020603020101020101" pitchFamily="18" charset="-127"/>
+                <a:ea typeface="210 옴니고딕 030" panose="02020603020101020101" pitchFamily="18" charset="-127"/>
+                <a:cs typeface="Arial"/>
+                <a:sym typeface="Arial"/>
+              </a:rPr>
+              <a:t>위함</a:t>
+            </a:r>
+            <a:r>
+              <a:rPr lang="en-US" altLang="ko-KR" sz="1200" dirty="0" smtClean="0">
+                <a:solidFill>
+                  <a:schemeClr val="dk1"/>
+                </a:solidFill>
+                <a:latin typeface="210 옴니고딕 030" panose="02020603020101020101" pitchFamily="18" charset="-127"/>
+                <a:ea typeface="210 옴니고딕 030" panose="02020603020101020101" pitchFamily="18" charset="-127"/>
+                <a:cs typeface="Arial"/>
+                <a:sym typeface="Arial"/>
+              </a:rPr>
+              <a:t>)</a:t>
+            </a:r>
+            <a:r>
+              <a:rPr lang="ko-KR" altLang="en-US" sz="1200" dirty="0" smtClean="0">
+                <a:solidFill>
+                  <a:schemeClr val="dk1"/>
+                </a:solidFill>
+                <a:latin typeface="210 옴니고딕 030" panose="02020603020101020101" pitchFamily="18" charset="-127"/>
+                <a:ea typeface="210 옴니고딕 030" panose="02020603020101020101" pitchFamily="18" charset="-127"/>
+                <a:cs typeface="Arial"/>
+                <a:sym typeface="Arial"/>
+              </a:rPr>
+              <a:t> </a:t>
+            </a:r>
+            <a:endParaRPr lang="en-US" altLang="ko-KR" sz="1200" dirty="0" smtClean="0">
+              <a:solidFill>
+                <a:schemeClr val="dk1"/>
+              </a:solidFill>
+              <a:latin typeface="210 옴니고딕 030" panose="02020603020101020101" pitchFamily="18" charset="-127"/>
+              <a:ea typeface="210 옴니고딕 030" panose="02020603020101020101" pitchFamily="18" charset="-127"/>
+              <a:cs typeface="Arial"/>
+              <a:sym typeface="Arial"/>
+            </a:endParaRPr>
+          </a:p>
+          <a:p>
+            <a:pPr lvl="1">
+              <a:lnSpc>
+                <a:spcPct val="150000"/>
+              </a:lnSpc>
+              <a:buClr>
+                <a:schemeClr val="dk1"/>
+              </a:buClr>
+              <a:buSzPts val="1600"/>
+            </a:pPr>
+            <a:r>
+              <a:rPr lang="en-US" altLang="ko-KR" sz="1200" dirty="0" smtClean="0">
+                <a:solidFill>
+                  <a:schemeClr val="dk1"/>
+                </a:solidFill>
+                <a:latin typeface="210 옴니고딕 030" panose="02020603020101020101" pitchFamily="18" charset="-127"/>
+                <a:ea typeface="210 옴니고딕 030" panose="02020603020101020101" pitchFamily="18" charset="-127"/>
+                <a:cs typeface="Arial"/>
+                <a:sym typeface="Arial"/>
+              </a:rPr>
+              <a:t>③ HSV – </a:t>
+            </a:r>
+            <a:r>
+              <a:rPr lang="en-US" altLang="ko-KR" sz="1200" dirty="0" err="1" smtClean="0">
+                <a:solidFill>
+                  <a:schemeClr val="dk1"/>
+                </a:solidFill>
+                <a:latin typeface="210 옴니고딕 030" panose="02020603020101020101" pitchFamily="18" charset="-127"/>
+                <a:ea typeface="210 옴니고딕 030" panose="02020603020101020101" pitchFamily="18" charset="-127"/>
+                <a:cs typeface="Arial"/>
+                <a:sym typeface="Arial"/>
+              </a:rPr>
+              <a:t>Thresholding</a:t>
+            </a:r>
+            <a:r>
+              <a:rPr lang="en-US" altLang="ko-KR" sz="1200" dirty="0" smtClean="0">
+                <a:solidFill>
+                  <a:schemeClr val="dk1"/>
+                </a:solidFill>
+                <a:latin typeface="210 옴니고딕 030" panose="02020603020101020101" pitchFamily="18" charset="-127"/>
+                <a:ea typeface="210 옴니고딕 030" panose="02020603020101020101" pitchFamily="18" charset="-127"/>
+                <a:cs typeface="Arial"/>
+                <a:sym typeface="Arial"/>
+              </a:rPr>
+              <a:t> ( </a:t>
+            </a:r>
+            <a:r>
+              <a:rPr lang="ko-KR" altLang="en-US" sz="1200" dirty="0" err="1" smtClean="0">
+                <a:solidFill>
+                  <a:schemeClr val="dk1"/>
+                </a:solidFill>
+                <a:latin typeface="210 옴니고딕 030" panose="02020603020101020101" pitchFamily="18" charset="-127"/>
+                <a:ea typeface="210 옴니고딕 030" panose="02020603020101020101" pitchFamily="18" charset="-127"/>
+                <a:cs typeface="Arial"/>
+                <a:sym typeface="Arial"/>
+              </a:rPr>
+              <a:t>이진화시에</a:t>
+            </a:r>
+            <a:r>
+              <a:rPr lang="ko-KR" altLang="en-US" sz="1200" dirty="0" smtClean="0">
+                <a:solidFill>
+                  <a:schemeClr val="dk1"/>
+                </a:solidFill>
+                <a:latin typeface="210 옴니고딕 030" panose="02020603020101020101" pitchFamily="18" charset="-127"/>
+                <a:ea typeface="210 옴니고딕 030" panose="02020603020101020101" pitchFamily="18" charset="-127"/>
+                <a:cs typeface="Arial"/>
+                <a:sym typeface="Arial"/>
+              </a:rPr>
+              <a:t> </a:t>
+            </a:r>
+            <a:r>
+              <a:rPr lang="en-US" altLang="ko-KR" sz="1200" dirty="0" smtClean="0">
+                <a:solidFill>
+                  <a:schemeClr val="dk1"/>
+                </a:solidFill>
+                <a:latin typeface="210 옴니고딕 030" panose="02020603020101020101" pitchFamily="18" charset="-127"/>
+                <a:ea typeface="210 옴니고딕 030" panose="02020603020101020101" pitchFamily="18" charset="-127"/>
+                <a:cs typeface="Arial"/>
+                <a:sym typeface="Arial"/>
+              </a:rPr>
+              <a:t>Welding Pool </a:t>
+            </a:r>
+            <a:r>
+              <a:rPr lang="ko-KR" altLang="en-US" sz="1200" dirty="0" smtClean="0">
+                <a:solidFill>
+                  <a:schemeClr val="dk1"/>
+                </a:solidFill>
+                <a:latin typeface="210 옴니고딕 030" panose="02020603020101020101" pitchFamily="18" charset="-127"/>
+                <a:ea typeface="210 옴니고딕 030" panose="02020603020101020101" pitchFamily="18" charset="-127"/>
+                <a:cs typeface="Arial"/>
+                <a:sym typeface="Arial"/>
+              </a:rPr>
+              <a:t>사라지는 현상 제거</a:t>
+            </a:r>
+            <a:r>
+              <a:rPr lang="en-US" altLang="ko-KR" sz="1200" dirty="0" smtClean="0">
+                <a:solidFill>
+                  <a:schemeClr val="dk1"/>
+                </a:solidFill>
+                <a:latin typeface="210 옴니고딕 030" panose="02020603020101020101" pitchFamily="18" charset="-127"/>
+                <a:ea typeface="210 옴니고딕 030" panose="02020603020101020101" pitchFamily="18" charset="-127"/>
+                <a:cs typeface="Arial"/>
+                <a:sym typeface="Arial"/>
+              </a:rPr>
+              <a:t>)</a:t>
+            </a:r>
+          </a:p>
+          <a:p>
+            <a:pPr lvl="1">
+              <a:lnSpc>
+                <a:spcPct val="150000"/>
+              </a:lnSpc>
+              <a:buClr>
+                <a:schemeClr val="dk1"/>
+              </a:buClr>
+              <a:buSzPts val="1600"/>
+            </a:pPr>
+            <a:r>
+              <a:rPr lang="en-US" altLang="ko-KR" sz="1200" dirty="0" smtClean="0">
+                <a:solidFill>
+                  <a:schemeClr val="dk1"/>
+                </a:solidFill>
+                <a:latin typeface="210 옴니고딕 030" panose="02020603020101020101" pitchFamily="18" charset="-127"/>
+                <a:ea typeface="210 옴니고딕 030" panose="02020603020101020101" pitchFamily="18" charset="-127"/>
+                <a:cs typeface="Arial"/>
+                <a:sym typeface="Arial"/>
+              </a:rPr>
+              <a:t>④ Mean Filtering </a:t>
+            </a:r>
+            <a:r>
+              <a:rPr lang="ko-KR" altLang="en-US" sz="1200" dirty="0" smtClean="0">
+                <a:solidFill>
+                  <a:schemeClr val="dk1"/>
+                </a:solidFill>
+                <a:latin typeface="210 옴니고딕 030" panose="02020603020101020101" pitchFamily="18" charset="-127"/>
+                <a:ea typeface="210 옴니고딕 030" panose="02020603020101020101" pitchFamily="18" charset="-127"/>
+                <a:cs typeface="Arial"/>
+                <a:sym typeface="Arial"/>
+              </a:rPr>
+              <a:t>및 이진화 </a:t>
+            </a:r>
+            <a:r>
+              <a:rPr lang="en-US" altLang="ko-KR" sz="1200" dirty="0" smtClean="0">
+                <a:solidFill>
+                  <a:schemeClr val="dk1"/>
+                </a:solidFill>
+                <a:latin typeface="210 옴니고딕 030" panose="02020603020101020101" pitchFamily="18" charset="-127"/>
+                <a:ea typeface="210 옴니고딕 030" panose="02020603020101020101" pitchFamily="18" charset="-127"/>
+                <a:cs typeface="Arial"/>
+                <a:sym typeface="Arial"/>
+              </a:rPr>
+              <a:t>(Welding Pool</a:t>
+            </a:r>
+            <a:r>
+              <a:rPr lang="ko-KR" altLang="en-US" sz="1200" dirty="0" smtClean="0">
+                <a:solidFill>
+                  <a:schemeClr val="dk1"/>
+                </a:solidFill>
+                <a:latin typeface="210 옴니고딕 030" panose="02020603020101020101" pitchFamily="18" charset="-127"/>
+                <a:ea typeface="210 옴니고딕 030" panose="02020603020101020101" pitchFamily="18" charset="-127"/>
+                <a:cs typeface="Arial"/>
+                <a:sym typeface="Arial"/>
+              </a:rPr>
+              <a:t>의 </a:t>
+            </a:r>
+            <a:r>
+              <a:rPr lang="en-US" altLang="ko-KR" sz="1200" dirty="0" smtClean="0">
+                <a:solidFill>
+                  <a:schemeClr val="dk1"/>
+                </a:solidFill>
+                <a:latin typeface="210 옴니고딕 030" panose="02020603020101020101" pitchFamily="18" charset="-127"/>
+                <a:ea typeface="210 옴니고딕 030" panose="02020603020101020101" pitchFamily="18" charset="-127"/>
+                <a:cs typeface="Arial"/>
+                <a:sym typeface="Arial"/>
+              </a:rPr>
+              <a:t>Peak </a:t>
+            </a:r>
+            <a:r>
+              <a:rPr lang="ko-KR" altLang="en-US" sz="1200" dirty="0" smtClean="0">
+                <a:solidFill>
+                  <a:schemeClr val="dk1"/>
+                </a:solidFill>
+                <a:latin typeface="210 옴니고딕 030" panose="02020603020101020101" pitchFamily="18" charset="-127"/>
+                <a:ea typeface="210 옴니고딕 030" panose="02020603020101020101" pitchFamily="18" charset="-127"/>
+                <a:cs typeface="Arial"/>
+                <a:sym typeface="Arial"/>
+              </a:rPr>
+              <a:t>찾기 위함</a:t>
+            </a:r>
+            <a:r>
+              <a:rPr lang="en-US" altLang="ko-KR" sz="1200" dirty="0" smtClean="0">
+                <a:solidFill>
+                  <a:schemeClr val="dk1"/>
+                </a:solidFill>
+                <a:latin typeface="210 옴니고딕 030" panose="02020603020101020101" pitchFamily="18" charset="-127"/>
+                <a:ea typeface="210 옴니고딕 030" panose="02020603020101020101" pitchFamily="18" charset="-127"/>
+                <a:cs typeface="Arial"/>
+                <a:sym typeface="Arial"/>
+              </a:rPr>
+              <a:t>, </a:t>
+            </a:r>
+            <a:r>
+              <a:rPr lang="ko-KR" altLang="en-US" sz="1200" dirty="0" smtClean="0">
+                <a:solidFill>
+                  <a:schemeClr val="dk1"/>
+                </a:solidFill>
+                <a:latin typeface="210 옴니고딕 030" panose="02020603020101020101" pitchFamily="18" charset="-127"/>
+                <a:ea typeface="210 옴니고딕 030" panose="02020603020101020101" pitchFamily="18" charset="-127"/>
+                <a:cs typeface="Arial"/>
+                <a:sym typeface="Arial"/>
+              </a:rPr>
+              <a:t>노이즈 제거</a:t>
+            </a:r>
+            <a:r>
+              <a:rPr lang="en-US" altLang="ko-KR" sz="1200" dirty="0" smtClean="0">
+                <a:solidFill>
+                  <a:schemeClr val="dk1"/>
+                </a:solidFill>
+                <a:latin typeface="210 옴니고딕 030" panose="02020603020101020101" pitchFamily="18" charset="-127"/>
+                <a:ea typeface="210 옴니고딕 030" panose="02020603020101020101" pitchFamily="18" charset="-127"/>
+                <a:cs typeface="Arial"/>
+                <a:sym typeface="Arial"/>
+              </a:rPr>
+              <a:t>)</a:t>
+            </a:r>
+          </a:p>
+          <a:p>
+            <a:pPr lvl="1">
+              <a:lnSpc>
+                <a:spcPct val="150000"/>
+              </a:lnSpc>
+              <a:buClr>
+                <a:schemeClr val="dk1"/>
+              </a:buClr>
+              <a:buSzPts val="1600"/>
+            </a:pPr>
+            <a:r>
+              <a:rPr lang="en-US" altLang="ko-KR" sz="1200" dirty="0" smtClean="0">
+                <a:solidFill>
+                  <a:schemeClr val="dk1"/>
+                </a:solidFill>
+                <a:latin typeface="210 옴니고딕 030" panose="02020603020101020101" pitchFamily="18" charset="-127"/>
+                <a:ea typeface="210 옴니고딕 030" panose="02020603020101020101" pitchFamily="18" charset="-127"/>
+                <a:cs typeface="Arial"/>
+                <a:sym typeface="Arial"/>
+              </a:rPr>
+              <a:t>⑤ Projective Transformation</a:t>
+            </a:r>
+            <a:r>
+              <a:rPr lang="ko-KR" altLang="en-US" sz="1200" dirty="0" smtClean="0">
+                <a:solidFill>
+                  <a:schemeClr val="dk1"/>
+                </a:solidFill>
+                <a:latin typeface="210 옴니고딕 030" panose="02020603020101020101" pitchFamily="18" charset="-127"/>
+                <a:ea typeface="210 옴니고딕 030" panose="02020603020101020101" pitchFamily="18" charset="-127"/>
+                <a:cs typeface="Arial"/>
+                <a:sym typeface="Arial"/>
+              </a:rPr>
+              <a:t>을 통한 높이 계산</a:t>
+            </a:r>
+            <a:endParaRPr lang="en-US" altLang="ko-KR" sz="1200" dirty="0" smtClean="0">
+              <a:solidFill>
+                <a:schemeClr val="dk1"/>
+              </a:solidFill>
+              <a:latin typeface="210 옴니고딕 030" panose="02020603020101020101" pitchFamily="18" charset="-127"/>
+              <a:ea typeface="210 옴니고딕 030" panose="02020603020101020101" pitchFamily="18" charset="-127"/>
+              <a:cs typeface="Arial"/>
+              <a:sym typeface="Arial"/>
+            </a:endParaRPr>
+          </a:p>
+          <a:p>
+            <a:pPr lvl="1">
+              <a:lnSpc>
+                <a:spcPct val="150000"/>
+              </a:lnSpc>
+              <a:buClr>
+                <a:schemeClr val="dk1"/>
+              </a:buClr>
+              <a:buSzPts val="1600"/>
+            </a:pPr>
+            <a:r>
+              <a:rPr lang="en-US" altLang="ko-KR" sz="1200" dirty="0" smtClean="0">
+                <a:solidFill>
+                  <a:schemeClr val="dk1"/>
+                </a:solidFill>
+                <a:latin typeface="210 옴니고딕 030" panose="02020603020101020101" pitchFamily="18" charset="-127"/>
+                <a:ea typeface="210 옴니고딕 030" panose="02020603020101020101" pitchFamily="18" charset="-127"/>
+                <a:cs typeface="Arial"/>
+                <a:sym typeface="Arial"/>
+              </a:rPr>
+              <a:t>⑥ </a:t>
+            </a:r>
+            <a:r>
+              <a:rPr lang="ko-KR" altLang="en-US" sz="1200" dirty="0" smtClean="0">
+                <a:solidFill>
+                  <a:schemeClr val="dk1"/>
+                </a:solidFill>
+                <a:latin typeface="210 옴니고딕 030" panose="02020603020101020101" pitchFamily="18" charset="-127"/>
+                <a:ea typeface="210 옴니고딕 030" panose="02020603020101020101" pitchFamily="18" charset="-127"/>
+                <a:cs typeface="Arial"/>
+                <a:sym typeface="Arial"/>
+              </a:rPr>
+              <a:t>전류</a:t>
+            </a:r>
+            <a:r>
+              <a:rPr lang="en-US" altLang="ko-KR" sz="1200" dirty="0" smtClean="0">
+                <a:solidFill>
+                  <a:schemeClr val="dk1"/>
+                </a:solidFill>
+                <a:latin typeface="210 옴니고딕 030" panose="02020603020101020101" pitchFamily="18" charset="-127"/>
+                <a:ea typeface="210 옴니고딕 030" panose="02020603020101020101" pitchFamily="18" charset="-127"/>
+                <a:cs typeface="Arial"/>
+                <a:sym typeface="Arial"/>
+              </a:rPr>
+              <a:t>_</a:t>
+            </a:r>
+            <a:r>
+              <a:rPr lang="ko-KR" altLang="en-US" sz="1200" dirty="0" smtClean="0">
+                <a:solidFill>
+                  <a:schemeClr val="dk1"/>
+                </a:solidFill>
+                <a:latin typeface="210 옴니고딕 030" panose="02020603020101020101" pitchFamily="18" charset="-127"/>
+                <a:ea typeface="210 옴니고딕 030" panose="02020603020101020101" pitchFamily="18" charset="-127"/>
+                <a:cs typeface="Arial"/>
+                <a:sym typeface="Arial"/>
+              </a:rPr>
+              <a:t>전압</a:t>
+            </a:r>
+            <a:r>
+              <a:rPr lang="en-US" altLang="ko-KR" sz="1200" dirty="0" smtClean="0">
+                <a:solidFill>
+                  <a:schemeClr val="dk1"/>
+                </a:solidFill>
+                <a:latin typeface="210 옴니고딕 030" panose="02020603020101020101" pitchFamily="18" charset="-127"/>
+                <a:ea typeface="210 옴니고딕 030" panose="02020603020101020101" pitchFamily="18" charset="-127"/>
+                <a:cs typeface="Arial"/>
+                <a:sym typeface="Arial"/>
+              </a:rPr>
+              <a:t>_</a:t>
+            </a:r>
+            <a:r>
+              <a:rPr lang="ko-KR" altLang="en-US" sz="1200" dirty="0" err="1" smtClean="0">
+                <a:solidFill>
+                  <a:schemeClr val="dk1"/>
+                </a:solidFill>
+                <a:latin typeface="210 옴니고딕 030" panose="02020603020101020101" pitchFamily="18" charset="-127"/>
+                <a:ea typeface="210 옴니고딕 030" panose="02020603020101020101" pitchFamily="18" charset="-127"/>
+                <a:cs typeface="Arial"/>
+                <a:sym typeface="Arial"/>
+              </a:rPr>
+              <a:t>용접속도</a:t>
+            </a:r>
+            <a:r>
+              <a:rPr lang="en-US" altLang="ko-KR" sz="1200" dirty="0" smtClean="0">
+                <a:solidFill>
+                  <a:schemeClr val="dk1"/>
+                </a:solidFill>
+                <a:latin typeface="210 옴니고딕 030" panose="02020603020101020101" pitchFamily="18" charset="-127"/>
+                <a:ea typeface="210 옴니고딕 030" panose="02020603020101020101" pitchFamily="18" charset="-127"/>
+                <a:cs typeface="Arial"/>
+                <a:sym typeface="Arial"/>
+              </a:rPr>
+              <a:t>_</a:t>
+            </a:r>
+            <a:r>
+              <a:rPr lang="ko-KR" altLang="en-US" sz="1200" dirty="0" smtClean="0">
+                <a:solidFill>
+                  <a:schemeClr val="dk1"/>
+                </a:solidFill>
+                <a:latin typeface="210 옴니고딕 030" panose="02020603020101020101" pitchFamily="18" charset="-127"/>
+                <a:ea typeface="210 옴니고딕 030" panose="02020603020101020101" pitchFamily="18" charset="-127"/>
+                <a:cs typeface="Arial"/>
+                <a:sym typeface="Arial"/>
+              </a:rPr>
+              <a:t>높이 형태로 저장</a:t>
+            </a:r>
+            <a:endParaRPr lang="en-US" altLang="ko-KR" sz="1200" dirty="0" smtClean="0">
+              <a:solidFill>
+                <a:schemeClr val="dk1"/>
+              </a:solidFill>
+              <a:latin typeface="210 옴니고딕 030" panose="02020603020101020101" pitchFamily="18" charset="-127"/>
+              <a:ea typeface="210 옴니고딕 030" panose="02020603020101020101" pitchFamily="18" charset="-127"/>
+              <a:cs typeface="Arial"/>
+              <a:sym typeface="Arial"/>
+            </a:endParaRPr>
+          </a:p>
+        </p:txBody>
+      </p:sp>
+    </p:spTree>
+    <p:extLst>
+      <p:ext uri="{BB962C8B-B14F-4D97-AF65-F5344CB8AC3E}">
+        <p14:creationId xmlns:p14="http://schemas.microsoft.com/office/powerpoint/2010/main" val="1632554929"/>
+      </p:ext>
+    </p:extLst>
+  </p:cSld>
+  <p:clrMapOvr>
+    <a:masterClrMapping/>
+  </p:clrMapOvr>
+</p:sld>
+</file>
+
+<file path=ppt/slides/slide17.xml><?xml version="1.0" encoding="utf-8"?>
+<p:sld xmlns:a="http://schemas.openxmlformats.org/drawingml/2006/main" xmlns:r="http://schemas.openxmlformats.org/officeDocument/2006/relationships" xmlns:p="http://schemas.openxmlformats.org/presentationml/2006/main">
+  <p:cSld>
+    <p:spTree>
+      <p:nvGrpSpPr>
+        <p:cNvPr id="1" name="Shape 218"/>
+        <p:cNvGrpSpPr/>
+        <p:nvPr/>
+      </p:nvGrpSpPr>
+      <p:grpSpPr>
+        <a:xfrm>
+          <a:off x="0" y="0"/>
+          <a:ext cx="0" cy="0"/>
+          <a:chOff x="0" y="0"/>
+          <a:chExt cx="0" cy="0"/>
+        </a:xfrm>
+      </p:grpSpPr>
+      <p:cxnSp>
+        <p:nvCxnSpPr>
+          <p:cNvPr id="219" name="Google Shape;219;p13"/>
+          <p:cNvCxnSpPr/>
+          <p:nvPr/>
+        </p:nvCxnSpPr>
+        <p:spPr>
+          <a:xfrm>
+            <a:off x="1416602" y="1268144"/>
+            <a:ext cx="6304500" cy="0"/>
+          </a:xfrm>
+          <a:prstGeom prst="straightConnector1">
+            <a:avLst/>
+          </a:prstGeom>
+          <a:noFill/>
+          <a:ln w="9525" cap="flat" cmpd="sng">
+            <a:solidFill>
+              <a:srgbClr val="1C314E"/>
+            </a:solidFill>
+            <a:prstDash val="solid"/>
+            <a:round/>
+            <a:headEnd type="none" w="sm" len="sm"/>
+            <a:tailEnd type="none" w="sm" len="sm"/>
+          </a:ln>
+        </p:spPr>
+      </p:cxnSp>
+      <p:sp>
+        <p:nvSpPr>
+          <p:cNvPr id="220" name="Google Shape;220;p13"/>
+          <p:cNvSpPr txBox="1">
+            <a:spLocks noGrp="1"/>
+          </p:cNvSpPr>
+          <p:nvPr>
+            <p:ph type="title"/>
+          </p:nvPr>
+        </p:nvSpPr>
+        <p:spPr>
+          <a:xfrm>
+            <a:off x="1335408" y="1382344"/>
+            <a:ext cx="5246340" cy="435695"/>
+          </a:xfrm>
+          <a:prstGeom prst="rect">
+            <a:avLst/>
+          </a:prstGeom>
+          <a:noFill/>
+          <a:ln>
+            <a:noFill/>
+          </a:ln>
+        </p:spPr>
+        <p:txBody>
+          <a:bodyPr spcFirstLastPara="1" vert="horz" wrap="square" lIns="68569" tIns="34275" rIns="68569" bIns="34275" rtlCol="0" anchor="ctr" anchorCtr="0">
+            <a:noAutofit/>
+          </a:bodyPr>
+          <a:lstStyle/>
+          <a:p>
+            <a:pPr>
+              <a:spcBef>
+                <a:spcPts val="0"/>
+              </a:spcBef>
+              <a:buClr>
+                <a:srgbClr val="1C314E"/>
+              </a:buClr>
+              <a:buSzPts val="2800"/>
+            </a:pPr>
+            <a:r>
+              <a:rPr lang="en-US" sz="2100" b="1">
+                <a:solidFill>
+                  <a:srgbClr val="1C314E"/>
+                </a:solidFill>
+              </a:rPr>
+              <a:t>1. 이번 주 작업</a:t>
+            </a:r>
+            <a:endParaRPr/>
+          </a:p>
+        </p:txBody>
+      </p:sp>
+      <p:sp>
+        <p:nvSpPr>
+          <p:cNvPr id="221" name="Google Shape;221;p13"/>
+          <p:cNvSpPr txBox="1"/>
+          <p:nvPr/>
+        </p:nvSpPr>
+        <p:spPr>
+          <a:xfrm>
+            <a:off x="1335409" y="1872485"/>
+            <a:ext cx="6352910" cy="956582"/>
+          </a:xfrm>
+          <a:prstGeom prst="rect">
+            <a:avLst/>
+          </a:prstGeom>
+          <a:noFill/>
+          <a:ln>
+            <a:noFill/>
+          </a:ln>
+        </p:spPr>
+        <p:txBody>
+          <a:bodyPr spcFirstLastPara="1" wrap="square" lIns="68569" tIns="34275" rIns="68569" bIns="34275" anchor="t" anchorCtr="0">
+            <a:normAutofit/>
+          </a:bodyPr>
+          <a:lstStyle/>
+          <a:p>
+            <a:pPr>
+              <a:buClr>
+                <a:srgbClr val="3D3C3E"/>
+              </a:buClr>
+              <a:buSzPts val="2000"/>
+            </a:pPr>
+            <a:r>
+              <a:rPr lang="en-US" sz="1500" b="1" dirty="0" smtClean="0">
+                <a:solidFill>
+                  <a:srgbClr val="3D3C3E"/>
+                </a:solidFill>
+                <a:latin typeface="210 옴니고딕 030" panose="02020603020101020101" pitchFamily="18" charset="-127"/>
+                <a:ea typeface="210 옴니고딕 030" panose="02020603020101020101" pitchFamily="18" charset="-127"/>
+                <a:cs typeface="Arial"/>
+                <a:sym typeface="Arial"/>
+              </a:rPr>
+              <a:t>1-2. </a:t>
+            </a:r>
+            <a:r>
+              <a:rPr lang="ko-KR" altLang="en-US" sz="1500" b="1" dirty="0" err="1" smtClean="0">
+                <a:solidFill>
+                  <a:srgbClr val="3D3C3E"/>
+                </a:solidFill>
+                <a:latin typeface="210 옴니고딕 030" panose="02020603020101020101" pitchFamily="18" charset="-127"/>
+                <a:ea typeface="210 옴니고딕 030" panose="02020603020101020101" pitchFamily="18" charset="-127"/>
+                <a:cs typeface="Arial"/>
+                <a:sym typeface="Arial"/>
+              </a:rPr>
+              <a:t>강화학습</a:t>
+            </a:r>
+            <a:r>
+              <a:rPr lang="ko-KR" altLang="en-US" sz="1500" b="1" dirty="0" smtClean="0">
+                <a:solidFill>
+                  <a:srgbClr val="3D3C3E"/>
+                </a:solidFill>
+                <a:latin typeface="210 옴니고딕 030" panose="02020603020101020101" pitchFamily="18" charset="-127"/>
+                <a:ea typeface="210 옴니고딕 030" panose="02020603020101020101" pitchFamily="18" charset="-127"/>
+                <a:cs typeface="Arial"/>
+                <a:sym typeface="Arial"/>
+              </a:rPr>
+              <a:t> 개요</a:t>
+            </a:r>
+            <a:endParaRPr sz="1500" b="1" dirty="0">
+              <a:solidFill>
+                <a:srgbClr val="3D3C3E"/>
+              </a:solidFill>
+              <a:latin typeface="210 옴니고딕 030" panose="02020603020101020101" pitchFamily="18" charset="-127"/>
+              <a:ea typeface="210 옴니고딕 030" panose="02020603020101020101" pitchFamily="18" charset="-127"/>
+              <a:cs typeface="Arial"/>
+              <a:sym typeface="Arial"/>
+            </a:endParaRPr>
+          </a:p>
+        </p:txBody>
+      </p:sp>
+      <p:sp>
+        <p:nvSpPr>
+          <p:cNvPr id="222" name="Google Shape;222;p13"/>
+          <p:cNvSpPr txBox="1">
+            <a:spLocks noGrp="1"/>
+          </p:cNvSpPr>
+          <p:nvPr>
+            <p:ph type="sldNum" idx="12"/>
+          </p:nvPr>
+        </p:nvSpPr>
+        <p:spPr>
+          <a:xfrm>
+            <a:off x="6057900" y="5624514"/>
+            <a:ext cx="1600200" cy="273844"/>
+          </a:xfrm>
+          <a:prstGeom prst="rect">
+            <a:avLst/>
+          </a:prstGeom>
+          <a:noFill/>
+          <a:ln>
+            <a:noFill/>
+          </a:ln>
+        </p:spPr>
+        <p:txBody>
+          <a:bodyPr spcFirstLastPara="1" vert="horz" wrap="square" lIns="68569" tIns="34275" rIns="68569" bIns="34275" rtlCol="0" anchor="ctr" anchorCtr="0">
+            <a:noAutofit/>
+          </a:bodyPr>
+          <a:lstStyle/>
+          <a:p>
+            <a:fld id="{00000000-1234-1234-1234-123412341234}" type="slidenum">
+              <a:rPr lang="en-US"/>
+              <a:pPr/>
+              <a:t>17</a:t>
+            </a:fld>
+            <a:endParaRPr/>
+          </a:p>
+        </p:txBody>
+      </p:sp>
+      <p:sp>
+        <p:nvSpPr>
+          <p:cNvPr id="223" name="Google Shape;223;p13"/>
+          <p:cNvSpPr txBox="1"/>
+          <p:nvPr/>
+        </p:nvSpPr>
+        <p:spPr>
+          <a:xfrm>
+            <a:off x="1931941" y="2156947"/>
+            <a:ext cx="5159844" cy="311593"/>
+          </a:xfrm>
+          <a:prstGeom prst="rect">
+            <a:avLst/>
+          </a:prstGeom>
+          <a:noFill/>
+          <a:ln>
+            <a:noFill/>
+          </a:ln>
+        </p:spPr>
+        <p:txBody>
+          <a:bodyPr spcFirstLastPara="1" wrap="square" lIns="68569" tIns="34275" rIns="68569" bIns="34275" anchor="t" anchorCtr="0">
+            <a:spAutoFit/>
+          </a:bodyPr>
+          <a:lstStyle/>
+          <a:p>
+            <a:pPr marL="160735" indent="-94060">
+              <a:lnSpc>
+                <a:spcPct val="150000"/>
+              </a:lnSpc>
+              <a:buClr>
+                <a:schemeClr val="dk1"/>
+              </a:buClr>
+              <a:buSzPts val="1400"/>
+            </a:pPr>
+            <a:endParaRPr sz="1050" dirty="0">
+              <a:solidFill>
+                <a:schemeClr val="dk1"/>
+              </a:solidFill>
+              <a:latin typeface="210 옴니고딕 030" panose="02020603020101020101" pitchFamily="18" charset="-127"/>
+              <a:ea typeface="210 옴니고딕 030" panose="02020603020101020101" pitchFamily="18" charset="-127"/>
+              <a:cs typeface="Arial"/>
+              <a:sym typeface="Arial"/>
+            </a:endParaRPr>
+          </a:p>
+        </p:txBody>
+      </p:sp>
+      <p:sp>
+        <p:nvSpPr>
+          <p:cNvPr id="8" name="Google Shape;234;p14"/>
+          <p:cNvSpPr txBox="1"/>
+          <p:nvPr/>
+        </p:nvSpPr>
+        <p:spPr>
+          <a:xfrm>
+            <a:off x="1698155" y="2177667"/>
+            <a:ext cx="5959945" cy="1454214"/>
+          </a:xfrm>
+          <a:prstGeom prst="rect">
+            <a:avLst/>
+          </a:prstGeom>
+          <a:noFill/>
+          <a:ln>
+            <a:noFill/>
+          </a:ln>
+        </p:spPr>
+        <p:txBody>
+          <a:bodyPr spcFirstLastPara="1" wrap="square" lIns="68569" tIns="34275" rIns="68569" bIns="34275" anchor="t" anchorCtr="0">
+            <a:spAutoFit/>
+          </a:bodyPr>
+          <a:lstStyle/>
+          <a:p>
+            <a:pPr marL="160735" indent="-160735">
+              <a:lnSpc>
+                <a:spcPct val="150000"/>
+              </a:lnSpc>
+              <a:buClr>
+                <a:schemeClr val="dk1"/>
+              </a:buClr>
+              <a:buSzPts val="1600"/>
+              <a:buFont typeface="Arial"/>
+              <a:buChar char="•"/>
+            </a:pPr>
+            <a:r>
+              <a:rPr lang="ko-KR" altLang="en-US" sz="1200" dirty="0" err="1" smtClean="0">
+                <a:solidFill>
+                  <a:schemeClr val="dk1"/>
+                </a:solidFill>
+                <a:latin typeface="210 옴니고딕 030" panose="02020603020101020101" pitchFamily="18" charset="-127"/>
+                <a:ea typeface="210 옴니고딕 030" panose="02020603020101020101" pitchFamily="18" charset="-127"/>
+                <a:cs typeface="Arial"/>
+                <a:sym typeface="Arial"/>
+              </a:rPr>
+              <a:t>강화학습</a:t>
+            </a:r>
+            <a:r>
+              <a:rPr lang="ko-KR" altLang="en-US" sz="1200" dirty="0" smtClean="0">
+                <a:solidFill>
+                  <a:schemeClr val="dk1"/>
+                </a:solidFill>
+                <a:latin typeface="210 옴니고딕 030" panose="02020603020101020101" pitchFamily="18" charset="-127"/>
+                <a:ea typeface="210 옴니고딕 030" panose="02020603020101020101" pitchFamily="18" charset="-127"/>
+                <a:cs typeface="Arial"/>
+                <a:sym typeface="Arial"/>
+              </a:rPr>
+              <a:t> 모델 선정</a:t>
+            </a:r>
+            <a:endParaRPr lang="en-US" altLang="ko-KR" sz="1200" dirty="0" smtClean="0">
+              <a:solidFill>
+                <a:schemeClr val="dk1"/>
+              </a:solidFill>
+              <a:latin typeface="210 옴니고딕 030" panose="02020603020101020101" pitchFamily="18" charset="-127"/>
+              <a:ea typeface="210 옴니고딕 030" panose="02020603020101020101" pitchFamily="18" charset="-127"/>
+              <a:cs typeface="Arial"/>
+              <a:sym typeface="Arial"/>
+            </a:endParaRPr>
+          </a:p>
+          <a:p>
+            <a:pPr marL="628650" lvl="1" indent="-171450">
+              <a:lnSpc>
+                <a:spcPct val="150000"/>
+              </a:lnSpc>
+              <a:buClr>
+                <a:schemeClr val="dk1"/>
+              </a:buClr>
+              <a:buSzPts val="1600"/>
+              <a:buFontTx/>
+              <a:buChar char="-"/>
+            </a:pPr>
+            <a:r>
+              <a:rPr lang="en-US" altLang="ko-KR" sz="1200" dirty="0" smtClean="0">
+                <a:solidFill>
+                  <a:schemeClr val="dk1"/>
+                </a:solidFill>
+                <a:latin typeface="210 옴니고딕 030" panose="02020603020101020101" pitchFamily="18" charset="-127"/>
+                <a:ea typeface="210 옴니고딕 030" panose="02020603020101020101" pitchFamily="18" charset="-127"/>
+                <a:cs typeface="Arial"/>
+                <a:sym typeface="Arial"/>
+              </a:rPr>
+              <a:t>DQN </a:t>
+            </a:r>
+            <a:r>
+              <a:rPr lang="ko-KR" altLang="en-US" sz="1200" dirty="0" smtClean="0">
+                <a:solidFill>
+                  <a:schemeClr val="dk1"/>
+                </a:solidFill>
+                <a:latin typeface="210 옴니고딕 030" panose="02020603020101020101" pitchFamily="18" charset="-127"/>
+                <a:ea typeface="210 옴니고딕 030" panose="02020603020101020101" pitchFamily="18" charset="-127"/>
+                <a:cs typeface="Arial"/>
+                <a:sym typeface="Arial"/>
+              </a:rPr>
+              <a:t>모델 사용 예정</a:t>
+            </a:r>
+            <a:endParaRPr lang="en-US" altLang="ko-KR" sz="1200" dirty="0" smtClean="0">
+              <a:solidFill>
+                <a:schemeClr val="dk1"/>
+              </a:solidFill>
+              <a:latin typeface="210 옴니고딕 030" panose="02020603020101020101" pitchFamily="18" charset="-127"/>
+              <a:ea typeface="210 옴니고딕 030" panose="02020603020101020101" pitchFamily="18" charset="-127"/>
+              <a:cs typeface="Arial"/>
+              <a:sym typeface="Arial"/>
+            </a:endParaRPr>
+          </a:p>
+          <a:p>
+            <a:pPr marL="628650" lvl="1" indent="-171450">
+              <a:lnSpc>
+                <a:spcPct val="150000"/>
+              </a:lnSpc>
+              <a:buClr>
+                <a:schemeClr val="dk1"/>
+              </a:buClr>
+              <a:buSzPts val="1600"/>
+              <a:buFontTx/>
+              <a:buChar char="-"/>
+            </a:pPr>
+            <a:r>
+              <a:rPr lang="ko-KR" altLang="en-US" sz="1200" dirty="0" smtClean="0">
+                <a:solidFill>
+                  <a:schemeClr val="dk1"/>
+                </a:solidFill>
+                <a:latin typeface="210 옴니고딕 030" panose="02020603020101020101" pitchFamily="18" charset="-127"/>
+                <a:ea typeface="210 옴니고딕 030" panose="02020603020101020101" pitchFamily="18" charset="-127"/>
+                <a:cs typeface="Arial"/>
+                <a:sym typeface="Arial"/>
+              </a:rPr>
+              <a:t>구현이 간단한 편</a:t>
+            </a:r>
+            <a:r>
+              <a:rPr lang="en-US" altLang="ko-KR" sz="1200" dirty="0" smtClean="0">
+                <a:solidFill>
+                  <a:schemeClr val="dk1"/>
+                </a:solidFill>
+                <a:latin typeface="210 옴니고딕 030" panose="02020603020101020101" pitchFamily="18" charset="-127"/>
+                <a:ea typeface="210 옴니고딕 030" panose="02020603020101020101" pitchFamily="18" charset="-127"/>
+                <a:cs typeface="Arial"/>
+                <a:sym typeface="Arial"/>
+              </a:rPr>
+              <a:t>, </a:t>
+            </a:r>
+            <a:r>
+              <a:rPr lang="ko-KR" altLang="en-US" sz="1200" dirty="0" smtClean="0">
+                <a:solidFill>
+                  <a:schemeClr val="dk1"/>
+                </a:solidFill>
+                <a:latin typeface="210 옴니고딕 030" panose="02020603020101020101" pitchFamily="18" charset="-127"/>
+                <a:ea typeface="210 옴니고딕 030" panose="02020603020101020101" pitchFamily="18" charset="-127"/>
+                <a:cs typeface="Arial"/>
+                <a:sym typeface="Arial"/>
+              </a:rPr>
+              <a:t>오픈소스 많음</a:t>
+            </a:r>
+            <a:endParaRPr lang="en-US" altLang="ko-KR" sz="1200" dirty="0" smtClean="0">
+              <a:solidFill>
+                <a:schemeClr val="dk1"/>
+              </a:solidFill>
+              <a:latin typeface="210 옴니고딕 030" panose="02020603020101020101" pitchFamily="18" charset="-127"/>
+              <a:ea typeface="210 옴니고딕 030" panose="02020603020101020101" pitchFamily="18" charset="-127"/>
+              <a:cs typeface="Arial"/>
+              <a:sym typeface="Arial"/>
+            </a:endParaRPr>
+          </a:p>
+          <a:p>
+            <a:pPr marL="628650" lvl="1" indent="-171450">
+              <a:lnSpc>
+                <a:spcPct val="150000"/>
+              </a:lnSpc>
+              <a:buClr>
+                <a:schemeClr val="dk1"/>
+              </a:buClr>
+              <a:buSzPts val="1600"/>
+              <a:buFontTx/>
+              <a:buChar char="-"/>
+            </a:pPr>
+            <a:r>
+              <a:rPr lang="en-US" altLang="ko-KR" sz="1200" dirty="0" smtClean="0">
+                <a:solidFill>
+                  <a:schemeClr val="dk1"/>
+                </a:solidFill>
+                <a:latin typeface="210 옴니고딕 030" panose="02020603020101020101" pitchFamily="18" charset="-127"/>
+                <a:ea typeface="210 옴니고딕 030" panose="02020603020101020101" pitchFamily="18" charset="-127"/>
+                <a:cs typeface="Arial"/>
+                <a:sym typeface="Arial"/>
+              </a:rPr>
+              <a:t>Action Space</a:t>
+            </a:r>
+            <a:r>
+              <a:rPr lang="ko-KR" altLang="en-US" sz="1200" dirty="0" smtClean="0">
+                <a:solidFill>
+                  <a:schemeClr val="dk1"/>
+                </a:solidFill>
+                <a:latin typeface="210 옴니고딕 030" panose="02020603020101020101" pitchFamily="18" charset="-127"/>
+                <a:ea typeface="210 옴니고딕 030" panose="02020603020101020101" pitchFamily="18" charset="-127"/>
+                <a:cs typeface="Arial"/>
+                <a:sym typeface="Arial"/>
+              </a:rPr>
+              <a:t>가 </a:t>
+            </a:r>
+            <a:r>
+              <a:rPr lang="en-US" altLang="ko-KR" sz="1200" dirty="0" smtClean="0">
+                <a:solidFill>
+                  <a:schemeClr val="dk1"/>
+                </a:solidFill>
+                <a:latin typeface="210 옴니고딕 030" panose="02020603020101020101" pitchFamily="18" charset="-127"/>
+                <a:ea typeface="210 옴니고딕 030" panose="02020603020101020101" pitchFamily="18" charset="-127"/>
+                <a:cs typeface="Arial"/>
+                <a:sym typeface="Arial"/>
+              </a:rPr>
+              <a:t>Discrete</a:t>
+            </a:r>
+            <a:r>
+              <a:rPr lang="ko-KR" altLang="en-US" sz="1200" dirty="0" smtClean="0">
+                <a:solidFill>
+                  <a:schemeClr val="dk1"/>
+                </a:solidFill>
+                <a:latin typeface="210 옴니고딕 030" panose="02020603020101020101" pitchFamily="18" charset="-127"/>
+                <a:ea typeface="210 옴니고딕 030" panose="02020603020101020101" pitchFamily="18" charset="-127"/>
+                <a:cs typeface="Arial"/>
+                <a:sym typeface="Arial"/>
+              </a:rPr>
+              <a:t>하기 때문에 적절하다고 판단</a:t>
+            </a:r>
+            <a:endParaRPr lang="en-US" altLang="ko-KR" sz="1200" dirty="0" smtClean="0">
+              <a:solidFill>
+                <a:schemeClr val="dk1"/>
+              </a:solidFill>
+              <a:latin typeface="210 옴니고딕 030" panose="02020603020101020101" pitchFamily="18" charset="-127"/>
+              <a:ea typeface="210 옴니고딕 030" panose="02020603020101020101" pitchFamily="18" charset="-127"/>
+              <a:cs typeface="Arial"/>
+              <a:sym typeface="Arial"/>
+            </a:endParaRPr>
+          </a:p>
+          <a:p>
+            <a:pPr marL="628650" lvl="1" indent="-171450">
+              <a:lnSpc>
+                <a:spcPct val="150000"/>
+              </a:lnSpc>
+              <a:buClr>
+                <a:schemeClr val="dk1"/>
+              </a:buClr>
+              <a:buSzPts val="1600"/>
+              <a:buFontTx/>
+              <a:buChar char="-"/>
+            </a:pPr>
+            <a:r>
+              <a:rPr lang="ko-KR" altLang="en-US" sz="1200" dirty="0" smtClean="0">
+                <a:solidFill>
+                  <a:schemeClr val="dk1"/>
+                </a:solidFill>
+                <a:latin typeface="210 옴니고딕 030" panose="02020603020101020101" pitchFamily="18" charset="-127"/>
+                <a:ea typeface="210 옴니고딕 030" panose="02020603020101020101" pitchFamily="18" charset="-127"/>
+                <a:cs typeface="Arial"/>
+                <a:sym typeface="Arial"/>
+              </a:rPr>
+              <a:t>자세한 내용은 구현 후 발표 예정</a:t>
+            </a:r>
+            <a:endParaRPr lang="en-US" altLang="ko-KR" sz="1200" dirty="0" smtClean="0">
+              <a:solidFill>
+                <a:schemeClr val="dk1"/>
+              </a:solidFill>
+              <a:latin typeface="210 옴니고딕 030" panose="02020603020101020101" pitchFamily="18" charset="-127"/>
+              <a:ea typeface="210 옴니고딕 030" panose="02020603020101020101" pitchFamily="18" charset="-127"/>
+              <a:cs typeface="Arial"/>
+              <a:sym typeface="Arial"/>
+            </a:endParaRPr>
+          </a:p>
+        </p:txBody>
+      </p:sp>
+    </p:spTree>
+    <p:extLst>
+      <p:ext uri="{BB962C8B-B14F-4D97-AF65-F5344CB8AC3E}">
+        <p14:creationId xmlns:p14="http://schemas.microsoft.com/office/powerpoint/2010/main" val="3676853353"/>
+      </p:ext>
+    </p:extLst>
+  </p:cSld>
+  <p:clrMapOvr>
+    <a:masterClrMapping/>
+  </p:clrMapOvr>
+</p:sld>
+</file>
+
+<file path=ppt/slides/slide18.xml><?xml version="1.0" encoding="utf-8"?>
+<p:sld xmlns:a="http://schemas.openxmlformats.org/drawingml/2006/main" xmlns:r="http://schemas.openxmlformats.org/officeDocument/2006/relationships" xmlns:p="http://schemas.openxmlformats.org/presentationml/2006/main">
+  <p:cSld>
+    <p:spTree>
+      <p:nvGrpSpPr>
+        <p:cNvPr id="1" name="Shape 218"/>
+        <p:cNvGrpSpPr/>
+        <p:nvPr/>
+      </p:nvGrpSpPr>
+      <p:grpSpPr>
+        <a:xfrm>
+          <a:off x="0" y="0"/>
+          <a:ext cx="0" cy="0"/>
+          <a:chOff x="0" y="0"/>
+          <a:chExt cx="0" cy="0"/>
+        </a:xfrm>
+      </p:grpSpPr>
+      <p:cxnSp>
+        <p:nvCxnSpPr>
+          <p:cNvPr id="219" name="Google Shape;219;p13"/>
+          <p:cNvCxnSpPr/>
+          <p:nvPr/>
+        </p:nvCxnSpPr>
+        <p:spPr>
+          <a:xfrm>
+            <a:off x="1416602" y="1268144"/>
+            <a:ext cx="6304500" cy="0"/>
+          </a:xfrm>
+          <a:prstGeom prst="straightConnector1">
+            <a:avLst/>
+          </a:prstGeom>
+          <a:noFill/>
+          <a:ln w="9525" cap="flat" cmpd="sng">
+            <a:solidFill>
+              <a:srgbClr val="1C314E"/>
+            </a:solidFill>
+            <a:prstDash val="solid"/>
+            <a:round/>
+            <a:headEnd type="none" w="sm" len="sm"/>
+            <a:tailEnd type="none" w="sm" len="sm"/>
+          </a:ln>
+        </p:spPr>
+      </p:cxnSp>
+      <p:sp>
+        <p:nvSpPr>
+          <p:cNvPr id="220" name="Google Shape;220;p13"/>
+          <p:cNvSpPr txBox="1">
+            <a:spLocks noGrp="1"/>
+          </p:cNvSpPr>
+          <p:nvPr>
+            <p:ph type="title"/>
+          </p:nvPr>
+        </p:nvSpPr>
+        <p:spPr>
+          <a:xfrm>
+            <a:off x="1335408" y="1382344"/>
+            <a:ext cx="5246340" cy="435695"/>
+          </a:xfrm>
+          <a:prstGeom prst="rect">
+            <a:avLst/>
+          </a:prstGeom>
+          <a:noFill/>
+          <a:ln>
+            <a:noFill/>
+          </a:ln>
+        </p:spPr>
+        <p:txBody>
+          <a:bodyPr spcFirstLastPara="1" vert="horz" wrap="square" lIns="68569" tIns="34275" rIns="68569" bIns="34275" rtlCol="0" anchor="ctr" anchorCtr="0">
+            <a:noAutofit/>
+          </a:bodyPr>
+          <a:lstStyle/>
+          <a:p>
+            <a:pPr>
+              <a:spcBef>
+                <a:spcPts val="0"/>
+              </a:spcBef>
+              <a:buClr>
+                <a:srgbClr val="1C314E"/>
+              </a:buClr>
+              <a:buSzPts val="2800"/>
+            </a:pPr>
+            <a:r>
+              <a:rPr lang="en-US" sz="2100" b="1">
+                <a:solidFill>
+                  <a:srgbClr val="1C314E"/>
+                </a:solidFill>
+              </a:rPr>
+              <a:t>1. 이번 주 작업</a:t>
+            </a:r>
+            <a:endParaRPr/>
+          </a:p>
+        </p:txBody>
+      </p:sp>
+      <p:sp>
+        <p:nvSpPr>
+          <p:cNvPr id="221" name="Google Shape;221;p13"/>
+          <p:cNvSpPr txBox="1"/>
+          <p:nvPr/>
+        </p:nvSpPr>
+        <p:spPr>
+          <a:xfrm>
+            <a:off x="1335409" y="1872485"/>
+            <a:ext cx="6352910" cy="956582"/>
+          </a:xfrm>
+          <a:prstGeom prst="rect">
+            <a:avLst/>
+          </a:prstGeom>
+          <a:noFill/>
+          <a:ln>
+            <a:noFill/>
+          </a:ln>
+        </p:spPr>
+        <p:txBody>
+          <a:bodyPr spcFirstLastPara="1" wrap="square" lIns="68569" tIns="34275" rIns="68569" bIns="34275" anchor="t" anchorCtr="0">
+            <a:normAutofit/>
+          </a:bodyPr>
+          <a:lstStyle/>
+          <a:p>
+            <a:pPr>
+              <a:buClr>
+                <a:srgbClr val="3D3C3E"/>
+              </a:buClr>
+              <a:buSzPts val="2000"/>
+            </a:pPr>
+            <a:r>
+              <a:rPr lang="en-US" sz="1500" b="1" dirty="0" smtClean="0">
+                <a:solidFill>
+                  <a:srgbClr val="3D3C3E"/>
+                </a:solidFill>
+                <a:latin typeface="210 옴니고딕 030" panose="02020603020101020101" pitchFamily="18" charset="-127"/>
+                <a:ea typeface="210 옴니고딕 030" panose="02020603020101020101" pitchFamily="18" charset="-127"/>
+                <a:cs typeface="Arial"/>
+                <a:sym typeface="Arial"/>
+              </a:rPr>
+              <a:t>1-2. </a:t>
+            </a:r>
+            <a:r>
+              <a:rPr lang="ko-KR" altLang="en-US" sz="1500" b="1" dirty="0" err="1" smtClean="0">
+                <a:solidFill>
+                  <a:srgbClr val="3D3C3E"/>
+                </a:solidFill>
+                <a:latin typeface="210 옴니고딕 030" panose="02020603020101020101" pitchFamily="18" charset="-127"/>
+                <a:ea typeface="210 옴니고딕 030" panose="02020603020101020101" pitchFamily="18" charset="-127"/>
+                <a:cs typeface="Arial"/>
+                <a:sym typeface="Arial"/>
+              </a:rPr>
+              <a:t>강화학습</a:t>
+            </a:r>
+            <a:r>
+              <a:rPr lang="ko-KR" altLang="en-US" sz="1500" b="1" dirty="0" smtClean="0">
+                <a:solidFill>
+                  <a:srgbClr val="3D3C3E"/>
+                </a:solidFill>
+                <a:latin typeface="210 옴니고딕 030" panose="02020603020101020101" pitchFamily="18" charset="-127"/>
+                <a:ea typeface="210 옴니고딕 030" panose="02020603020101020101" pitchFamily="18" charset="-127"/>
+                <a:cs typeface="Arial"/>
+                <a:sym typeface="Arial"/>
+              </a:rPr>
+              <a:t> 개요</a:t>
+            </a:r>
+            <a:endParaRPr sz="1500" b="1" dirty="0">
+              <a:solidFill>
+                <a:srgbClr val="3D3C3E"/>
+              </a:solidFill>
+              <a:latin typeface="210 옴니고딕 030" panose="02020603020101020101" pitchFamily="18" charset="-127"/>
+              <a:ea typeface="210 옴니고딕 030" panose="02020603020101020101" pitchFamily="18" charset="-127"/>
+              <a:cs typeface="Arial"/>
+              <a:sym typeface="Arial"/>
+            </a:endParaRPr>
+          </a:p>
+        </p:txBody>
+      </p:sp>
+      <p:sp>
+        <p:nvSpPr>
+          <p:cNvPr id="222" name="Google Shape;222;p13"/>
+          <p:cNvSpPr txBox="1">
+            <a:spLocks noGrp="1"/>
+          </p:cNvSpPr>
+          <p:nvPr>
+            <p:ph type="sldNum" idx="12"/>
+          </p:nvPr>
+        </p:nvSpPr>
+        <p:spPr>
+          <a:xfrm>
+            <a:off x="6057900" y="5624514"/>
+            <a:ext cx="1600200" cy="273844"/>
+          </a:xfrm>
+          <a:prstGeom prst="rect">
+            <a:avLst/>
+          </a:prstGeom>
+          <a:noFill/>
+          <a:ln>
+            <a:noFill/>
+          </a:ln>
+        </p:spPr>
+        <p:txBody>
+          <a:bodyPr spcFirstLastPara="1" vert="horz" wrap="square" lIns="68569" tIns="34275" rIns="68569" bIns="34275" rtlCol="0" anchor="ctr" anchorCtr="0">
+            <a:noAutofit/>
+          </a:bodyPr>
+          <a:lstStyle/>
+          <a:p>
+            <a:fld id="{00000000-1234-1234-1234-123412341234}" type="slidenum">
+              <a:rPr lang="en-US"/>
+              <a:pPr/>
+              <a:t>18</a:t>
+            </a:fld>
+            <a:endParaRPr/>
+          </a:p>
+        </p:txBody>
+      </p:sp>
+      <p:sp>
+        <p:nvSpPr>
+          <p:cNvPr id="223" name="Google Shape;223;p13"/>
+          <p:cNvSpPr txBox="1"/>
+          <p:nvPr/>
+        </p:nvSpPr>
+        <p:spPr>
+          <a:xfrm>
+            <a:off x="1931941" y="2156947"/>
+            <a:ext cx="5159844" cy="311593"/>
+          </a:xfrm>
+          <a:prstGeom prst="rect">
+            <a:avLst/>
+          </a:prstGeom>
+          <a:noFill/>
+          <a:ln>
+            <a:noFill/>
+          </a:ln>
+        </p:spPr>
+        <p:txBody>
+          <a:bodyPr spcFirstLastPara="1" wrap="square" lIns="68569" tIns="34275" rIns="68569" bIns="34275" anchor="t" anchorCtr="0">
+            <a:spAutoFit/>
+          </a:bodyPr>
+          <a:lstStyle/>
+          <a:p>
+            <a:pPr marL="160735" indent="-94060">
+              <a:lnSpc>
+                <a:spcPct val="150000"/>
+              </a:lnSpc>
+              <a:buClr>
+                <a:schemeClr val="dk1"/>
+              </a:buClr>
+              <a:buSzPts val="1400"/>
+            </a:pPr>
+            <a:endParaRPr sz="1050" dirty="0">
+              <a:solidFill>
+                <a:schemeClr val="dk1"/>
+              </a:solidFill>
+              <a:latin typeface="210 옴니고딕 030" panose="02020603020101020101" pitchFamily="18" charset="-127"/>
+              <a:ea typeface="210 옴니고딕 030" panose="02020603020101020101" pitchFamily="18" charset="-127"/>
+              <a:cs typeface="Arial"/>
+              <a:sym typeface="Arial"/>
+            </a:endParaRPr>
+          </a:p>
+        </p:txBody>
+      </p:sp>
+      <p:sp>
+        <p:nvSpPr>
+          <p:cNvPr id="8" name="Google Shape;234;p14"/>
+          <p:cNvSpPr txBox="1"/>
+          <p:nvPr/>
+        </p:nvSpPr>
+        <p:spPr>
+          <a:xfrm>
+            <a:off x="1698155" y="2177667"/>
+            <a:ext cx="5959945" cy="1454214"/>
+          </a:xfrm>
+          <a:prstGeom prst="rect">
+            <a:avLst/>
+          </a:prstGeom>
+          <a:noFill/>
+          <a:ln>
+            <a:noFill/>
+          </a:ln>
+        </p:spPr>
+        <p:txBody>
+          <a:bodyPr spcFirstLastPara="1" wrap="square" lIns="68569" tIns="34275" rIns="68569" bIns="34275" anchor="t" anchorCtr="0">
+            <a:spAutoFit/>
+          </a:bodyPr>
+          <a:lstStyle/>
+          <a:p>
+            <a:pPr marL="160735" indent="-160735">
+              <a:lnSpc>
+                <a:spcPct val="150000"/>
+              </a:lnSpc>
+              <a:buClr>
+                <a:schemeClr val="dk1"/>
+              </a:buClr>
+              <a:buSzPts val="1600"/>
+              <a:buFont typeface="Arial"/>
+              <a:buChar char="•"/>
+            </a:pPr>
+            <a:r>
+              <a:rPr lang="ko-KR" altLang="en-US" sz="1200" dirty="0" err="1" smtClean="0">
+                <a:solidFill>
+                  <a:schemeClr val="dk1"/>
+                </a:solidFill>
+                <a:latin typeface="210 옴니고딕 030" panose="02020603020101020101" pitchFamily="18" charset="-127"/>
+                <a:ea typeface="210 옴니고딕 030" panose="02020603020101020101" pitchFamily="18" charset="-127"/>
+                <a:cs typeface="Arial"/>
+                <a:sym typeface="Arial"/>
+              </a:rPr>
+              <a:t>강화학습</a:t>
+            </a:r>
+            <a:r>
+              <a:rPr lang="ko-KR" altLang="en-US" sz="1200" dirty="0" smtClean="0">
+                <a:solidFill>
+                  <a:schemeClr val="dk1"/>
+                </a:solidFill>
+                <a:latin typeface="210 옴니고딕 030" panose="02020603020101020101" pitchFamily="18" charset="-127"/>
+                <a:ea typeface="210 옴니고딕 030" panose="02020603020101020101" pitchFamily="18" charset="-127"/>
+                <a:cs typeface="Arial"/>
+                <a:sym typeface="Arial"/>
+              </a:rPr>
+              <a:t> 모델 선정</a:t>
+            </a:r>
+            <a:endParaRPr lang="en-US" altLang="ko-KR" sz="1200" dirty="0" smtClean="0">
+              <a:solidFill>
+                <a:schemeClr val="dk1"/>
+              </a:solidFill>
+              <a:latin typeface="210 옴니고딕 030" panose="02020603020101020101" pitchFamily="18" charset="-127"/>
+              <a:ea typeface="210 옴니고딕 030" panose="02020603020101020101" pitchFamily="18" charset="-127"/>
+              <a:cs typeface="Arial"/>
+              <a:sym typeface="Arial"/>
+            </a:endParaRPr>
+          </a:p>
+          <a:p>
+            <a:pPr marL="628650" lvl="1" indent="-171450">
+              <a:lnSpc>
+                <a:spcPct val="150000"/>
+              </a:lnSpc>
+              <a:buClr>
+                <a:schemeClr val="dk1"/>
+              </a:buClr>
+              <a:buSzPts val="1600"/>
+              <a:buFontTx/>
+              <a:buChar char="-"/>
+            </a:pPr>
+            <a:r>
+              <a:rPr lang="en-US" altLang="ko-KR" sz="1200" dirty="0" smtClean="0">
+                <a:solidFill>
+                  <a:schemeClr val="dk1"/>
+                </a:solidFill>
+                <a:latin typeface="210 옴니고딕 030" panose="02020603020101020101" pitchFamily="18" charset="-127"/>
+                <a:ea typeface="210 옴니고딕 030" panose="02020603020101020101" pitchFamily="18" charset="-127"/>
+                <a:cs typeface="Arial"/>
+                <a:sym typeface="Arial"/>
+              </a:rPr>
+              <a:t>DQN </a:t>
+            </a:r>
+            <a:r>
+              <a:rPr lang="ko-KR" altLang="en-US" sz="1200" dirty="0" smtClean="0">
+                <a:solidFill>
+                  <a:schemeClr val="dk1"/>
+                </a:solidFill>
+                <a:latin typeface="210 옴니고딕 030" panose="02020603020101020101" pitchFamily="18" charset="-127"/>
+                <a:ea typeface="210 옴니고딕 030" panose="02020603020101020101" pitchFamily="18" charset="-127"/>
+                <a:cs typeface="Arial"/>
+                <a:sym typeface="Arial"/>
+              </a:rPr>
+              <a:t>모델 사용 예정</a:t>
+            </a:r>
+            <a:endParaRPr lang="en-US" altLang="ko-KR" sz="1200" dirty="0" smtClean="0">
+              <a:solidFill>
+                <a:schemeClr val="dk1"/>
+              </a:solidFill>
+              <a:latin typeface="210 옴니고딕 030" panose="02020603020101020101" pitchFamily="18" charset="-127"/>
+              <a:ea typeface="210 옴니고딕 030" panose="02020603020101020101" pitchFamily="18" charset="-127"/>
+              <a:cs typeface="Arial"/>
+              <a:sym typeface="Arial"/>
+            </a:endParaRPr>
+          </a:p>
+          <a:p>
+            <a:pPr marL="628650" lvl="1" indent="-171450">
+              <a:lnSpc>
+                <a:spcPct val="150000"/>
+              </a:lnSpc>
+              <a:buClr>
+                <a:schemeClr val="dk1"/>
+              </a:buClr>
+              <a:buSzPts val="1600"/>
+              <a:buFontTx/>
+              <a:buChar char="-"/>
+            </a:pPr>
+            <a:r>
+              <a:rPr lang="ko-KR" altLang="en-US" sz="1200" dirty="0" smtClean="0">
+                <a:solidFill>
+                  <a:schemeClr val="dk1"/>
+                </a:solidFill>
+                <a:latin typeface="210 옴니고딕 030" panose="02020603020101020101" pitchFamily="18" charset="-127"/>
+                <a:ea typeface="210 옴니고딕 030" panose="02020603020101020101" pitchFamily="18" charset="-127"/>
+                <a:cs typeface="Arial"/>
+                <a:sym typeface="Arial"/>
+              </a:rPr>
+              <a:t>구현이 간단한 편</a:t>
+            </a:r>
+            <a:r>
+              <a:rPr lang="en-US" altLang="ko-KR" sz="1200" dirty="0" smtClean="0">
+                <a:solidFill>
+                  <a:schemeClr val="dk1"/>
+                </a:solidFill>
+                <a:latin typeface="210 옴니고딕 030" panose="02020603020101020101" pitchFamily="18" charset="-127"/>
+                <a:ea typeface="210 옴니고딕 030" panose="02020603020101020101" pitchFamily="18" charset="-127"/>
+                <a:cs typeface="Arial"/>
+                <a:sym typeface="Arial"/>
+              </a:rPr>
+              <a:t>, </a:t>
+            </a:r>
+            <a:r>
+              <a:rPr lang="ko-KR" altLang="en-US" sz="1200" dirty="0" smtClean="0">
+                <a:solidFill>
+                  <a:schemeClr val="dk1"/>
+                </a:solidFill>
+                <a:latin typeface="210 옴니고딕 030" panose="02020603020101020101" pitchFamily="18" charset="-127"/>
+                <a:ea typeface="210 옴니고딕 030" panose="02020603020101020101" pitchFamily="18" charset="-127"/>
+                <a:cs typeface="Arial"/>
+                <a:sym typeface="Arial"/>
+              </a:rPr>
+              <a:t>오픈소스 많음</a:t>
+            </a:r>
+            <a:endParaRPr lang="en-US" altLang="ko-KR" sz="1200" dirty="0" smtClean="0">
+              <a:solidFill>
+                <a:schemeClr val="dk1"/>
+              </a:solidFill>
+              <a:latin typeface="210 옴니고딕 030" panose="02020603020101020101" pitchFamily="18" charset="-127"/>
+              <a:ea typeface="210 옴니고딕 030" panose="02020603020101020101" pitchFamily="18" charset="-127"/>
+              <a:cs typeface="Arial"/>
+              <a:sym typeface="Arial"/>
+            </a:endParaRPr>
+          </a:p>
+          <a:p>
+            <a:pPr marL="628650" lvl="1" indent="-171450">
+              <a:lnSpc>
+                <a:spcPct val="150000"/>
+              </a:lnSpc>
+              <a:buClr>
+                <a:schemeClr val="dk1"/>
+              </a:buClr>
+              <a:buSzPts val="1600"/>
+              <a:buFontTx/>
+              <a:buChar char="-"/>
+            </a:pPr>
+            <a:r>
+              <a:rPr lang="en-US" altLang="ko-KR" sz="1200" dirty="0" smtClean="0">
+                <a:solidFill>
+                  <a:schemeClr val="dk1"/>
+                </a:solidFill>
+                <a:latin typeface="210 옴니고딕 030" panose="02020603020101020101" pitchFamily="18" charset="-127"/>
+                <a:ea typeface="210 옴니고딕 030" panose="02020603020101020101" pitchFamily="18" charset="-127"/>
+                <a:cs typeface="Arial"/>
+                <a:sym typeface="Arial"/>
+              </a:rPr>
+              <a:t>Action Space</a:t>
+            </a:r>
+            <a:r>
+              <a:rPr lang="ko-KR" altLang="en-US" sz="1200" dirty="0" smtClean="0">
+                <a:solidFill>
+                  <a:schemeClr val="dk1"/>
+                </a:solidFill>
+                <a:latin typeface="210 옴니고딕 030" panose="02020603020101020101" pitchFamily="18" charset="-127"/>
+                <a:ea typeface="210 옴니고딕 030" panose="02020603020101020101" pitchFamily="18" charset="-127"/>
+                <a:cs typeface="Arial"/>
+                <a:sym typeface="Arial"/>
+              </a:rPr>
+              <a:t>가 </a:t>
+            </a:r>
+            <a:r>
+              <a:rPr lang="en-US" altLang="ko-KR" sz="1200" dirty="0" smtClean="0">
+                <a:solidFill>
+                  <a:schemeClr val="dk1"/>
+                </a:solidFill>
+                <a:latin typeface="210 옴니고딕 030" panose="02020603020101020101" pitchFamily="18" charset="-127"/>
+                <a:ea typeface="210 옴니고딕 030" panose="02020603020101020101" pitchFamily="18" charset="-127"/>
+                <a:cs typeface="Arial"/>
+                <a:sym typeface="Arial"/>
+              </a:rPr>
+              <a:t>Discrete</a:t>
+            </a:r>
+            <a:r>
+              <a:rPr lang="ko-KR" altLang="en-US" sz="1200" dirty="0" smtClean="0">
+                <a:solidFill>
+                  <a:schemeClr val="dk1"/>
+                </a:solidFill>
+                <a:latin typeface="210 옴니고딕 030" panose="02020603020101020101" pitchFamily="18" charset="-127"/>
+                <a:ea typeface="210 옴니고딕 030" panose="02020603020101020101" pitchFamily="18" charset="-127"/>
+                <a:cs typeface="Arial"/>
+                <a:sym typeface="Arial"/>
+              </a:rPr>
+              <a:t>하기 때문에 적절하다고 판단</a:t>
+            </a:r>
+            <a:endParaRPr lang="en-US" altLang="ko-KR" sz="1200" dirty="0" smtClean="0">
+              <a:solidFill>
+                <a:schemeClr val="dk1"/>
+              </a:solidFill>
+              <a:latin typeface="210 옴니고딕 030" panose="02020603020101020101" pitchFamily="18" charset="-127"/>
+              <a:ea typeface="210 옴니고딕 030" panose="02020603020101020101" pitchFamily="18" charset="-127"/>
+              <a:cs typeface="Arial"/>
+              <a:sym typeface="Arial"/>
+            </a:endParaRPr>
+          </a:p>
+          <a:p>
+            <a:pPr marL="628650" lvl="1" indent="-171450">
+              <a:lnSpc>
+                <a:spcPct val="150000"/>
+              </a:lnSpc>
+              <a:buClr>
+                <a:schemeClr val="dk1"/>
+              </a:buClr>
+              <a:buSzPts val="1600"/>
+              <a:buFontTx/>
+              <a:buChar char="-"/>
+            </a:pPr>
+            <a:r>
+              <a:rPr lang="ko-KR" altLang="en-US" sz="1200" dirty="0" smtClean="0">
+                <a:solidFill>
+                  <a:schemeClr val="dk1"/>
+                </a:solidFill>
+                <a:latin typeface="210 옴니고딕 030" panose="02020603020101020101" pitchFamily="18" charset="-127"/>
+                <a:ea typeface="210 옴니고딕 030" panose="02020603020101020101" pitchFamily="18" charset="-127"/>
+                <a:cs typeface="Arial"/>
+                <a:sym typeface="Arial"/>
+              </a:rPr>
+              <a:t>자세한 내용은 </a:t>
+            </a:r>
+            <a:r>
+              <a:rPr lang="ko-KR" altLang="en-US" sz="1200" smtClean="0">
+                <a:solidFill>
+                  <a:schemeClr val="dk1"/>
+                </a:solidFill>
+                <a:latin typeface="210 옴니고딕 030" panose="02020603020101020101" pitchFamily="18" charset="-127"/>
+                <a:ea typeface="210 옴니고딕 030" panose="02020603020101020101" pitchFamily="18" charset="-127"/>
+                <a:cs typeface="Arial"/>
+                <a:sym typeface="Arial"/>
+              </a:rPr>
+              <a:t>구현 후 발표 예정</a:t>
+            </a:r>
+            <a:endParaRPr lang="en-US" altLang="ko-KR" sz="1200" dirty="0" smtClean="0">
+              <a:solidFill>
+                <a:schemeClr val="dk1"/>
+              </a:solidFill>
+              <a:latin typeface="210 옴니고딕 030" panose="02020603020101020101" pitchFamily="18" charset="-127"/>
+              <a:ea typeface="210 옴니고딕 030" panose="02020603020101020101" pitchFamily="18" charset="-127"/>
+              <a:cs typeface="Arial"/>
+              <a:sym typeface="Arial"/>
+            </a:endParaRPr>
+          </a:p>
+        </p:txBody>
+      </p:sp>
+    </p:spTree>
+    <p:extLst>
+      <p:ext uri="{BB962C8B-B14F-4D97-AF65-F5344CB8AC3E}">
+        <p14:creationId xmlns:p14="http://schemas.microsoft.com/office/powerpoint/2010/main" val="2651571268"/>
+      </p:ext>
+    </p:extLst>
+  </p:cSld>
+  <p:clrMapOvr>
+    <a:masterClrMapping/>
+  </p:clrMapOvr>
+</p:sld>
+</file>
+
+<file path=ppt/slides/slide19.xml><?xml version="1.0" encoding="utf-8"?>
 <p:sld xmlns:a="http://schemas.openxmlformats.org/drawingml/2006/main" xmlns:r="http://schemas.openxmlformats.org/officeDocument/2006/relationships" xmlns:p="http://schemas.openxmlformats.org/presentationml/2006/main">
   <p:cSld>
     <p:spTree>
@@ -8970,7 +11919,7 @@
             <a:fld id="{00000000-1234-1234-1234-123412341234}" type="slidenum">
               <a:rPr lang="en-US"/>
               <a:pPr/>
-              <a:t>15</a:t>
+              <a:t>19</a:t>
             </a:fld>
             <a:endParaRPr/>
           </a:p>
@@ -8985,7 +11934,7 @@
         <p:spPr>
           <a:xfrm>
             <a:off x="1416604" y="1932239"/>
-            <a:ext cx="6840365" cy="807883"/>
+            <a:ext cx="6840365" cy="1546547"/>
           </a:xfrm>
           <a:prstGeom prst="rect">
             <a:avLst/>
@@ -9013,7 +11962,7 @@
               <a:buAutoNum type="arabicPeriod"/>
             </a:pPr>
             <a:r>
-              <a:rPr lang="ko-KR" altLang="en-US" sz="1200" dirty="0">
+              <a:rPr lang="ko-KR" altLang="en-US" sz="1200" dirty="0" smtClean="0">
                 <a:solidFill>
                   <a:schemeClr val="dk1"/>
                 </a:solidFill>
@@ -9022,55 +11971,99 @@
                 <a:cs typeface="Arial"/>
                 <a:sym typeface="Arial"/>
               </a:rPr>
-              <a:t>영상 </a:t>
-            </a:r>
-            <a:r>
-              <a:rPr lang="en-US" altLang="ko-KR" sz="1200" dirty="0">
+              <a:t>높이 계산 자동화 과정에서 </a:t>
+            </a:r>
+            <a:r>
+              <a:rPr lang="en-US" altLang="ko-KR" sz="1200" dirty="0" smtClean="0">
                 <a:solidFill>
                   <a:schemeClr val="dk1"/>
                 </a:solidFill>
                 <a:latin typeface="210 옴니고딕 030" panose="02020603020101020101" pitchFamily="18" charset="-127"/>
                 <a:ea typeface="210 옴니고딕 030" panose="02020603020101020101" pitchFamily="18" charset="-127"/>
                 <a:cs typeface="Arial"/>
-                <a:sym typeface="Wingdings" panose="05000000000000000000" pitchFamily="2" charset="2"/>
-              </a:rPr>
-              <a:t> Welding Pool </a:t>
-            </a:r>
-            <a:r>
-              <a:rPr lang="ko-KR" altLang="en-US" sz="1200" dirty="0">
+                <a:sym typeface="Arial"/>
+              </a:rPr>
+              <a:t>Welding Pool</a:t>
+            </a:r>
+            <a:r>
+              <a:rPr lang="ko-KR" altLang="en-US" sz="1200" dirty="0" smtClean="0">
                 <a:solidFill>
                   <a:schemeClr val="dk1"/>
                 </a:solidFill>
                 <a:latin typeface="210 옴니고딕 030" panose="02020603020101020101" pitchFamily="18" charset="-127"/>
                 <a:ea typeface="210 옴니고딕 030" panose="02020603020101020101" pitchFamily="18" charset="-127"/>
                 <a:cs typeface="Arial"/>
-                <a:sym typeface="Wingdings" panose="05000000000000000000" pitchFamily="2" charset="2"/>
-              </a:rPr>
-              <a:t>찾기 </a:t>
-            </a:r>
-            <a:r>
-              <a:rPr lang="en-US" altLang="ko-KR" sz="1200" dirty="0">
+                <a:sym typeface="Arial"/>
+              </a:rPr>
+              <a:t>을 가리는 </a:t>
+            </a:r>
+            <a:r>
+              <a:rPr lang="en-US" altLang="ko-KR" sz="1200" dirty="0" smtClean="0">
                 <a:solidFill>
                   <a:schemeClr val="dk1"/>
                 </a:solidFill>
                 <a:latin typeface="210 옴니고딕 030" panose="02020603020101020101" pitchFamily="18" charset="-127"/>
                 <a:ea typeface="210 옴니고딕 030" panose="02020603020101020101" pitchFamily="18" charset="-127"/>
                 <a:cs typeface="Arial"/>
-                <a:sym typeface="Wingdings" panose="05000000000000000000" pitchFamily="2" charset="2"/>
-              </a:rPr>
-              <a:t> </a:t>
-            </a:r>
-            <a:r>
-              <a:rPr lang="ko-KR" altLang="en-US" sz="1200" dirty="0">
+                <a:sym typeface="Arial"/>
+              </a:rPr>
+              <a:t>Spark </a:t>
+            </a:r>
+            <a:r>
+              <a:rPr lang="ko-KR" altLang="en-US" sz="1200" dirty="0" smtClean="0">
                 <a:solidFill>
                   <a:schemeClr val="dk1"/>
                 </a:solidFill>
                 <a:latin typeface="210 옴니고딕 030" panose="02020603020101020101" pitchFamily="18" charset="-127"/>
                 <a:ea typeface="210 옴니고딕 030" panose="02020603020101020101" pitchFamily="18" charset="-127"/>
                 <a:cs typeface="Arial"/>
-                <a:sym typeface="Wingdings" panose="05000000000000000000" pitchFamily="2" charset="2"/>
-              </a:rPr>
-              <a:t>높이 계산 과정 자동화</a:t>
+                <a:sym typeface="Arial"/>
+              </a:rPr>
+              <a:t>현상으로 인해 값이 튀는 현상 발생</a:t>
+            </a:r>
+            <a:endParaRPr lang="en-US" altLang="ko-KR" sz="1200" dirty="0" smtClean="0">
+              <a:solidFill>
+                <a:schemeClr val="dk1"/>
+              </a:solidFill>
+              <a:latin typeface="210 옴니고딕 030" panose="02020603020101020101" pitchFamily="18" charset="-127"/>
+              <a:ea typeface="210 옴니고딕 030" panose="02020603020101020101" pitchFamily="18" charset="-127"/>
+              <a:cs typeface="Arial"/>
+              <a:sym typeface="Arial"/>
+            </a:endParaRPr>
+          </a:p>
+          <a:p>
+            <a:pPr lvl="1">
+              <a:lnSpc>
+                <a:spcPct val="200000"/>
+              </a:lnSpc>
+              <a:buClr>
+                <a:schemeClr val="dk1"/>
+              </a:buClr>
+              <a:buSzPts val="1600"/>
+            </a:pPr>
+            <a:r>
+              <a:rPr lang="en-US" altLang="ko-KR" sz="1200" dirty="0" smtClean="0">
+                <a:solidFill>
+                  <a:schemeClr val="dk1"/>
+                </a:solidFill>
+                <a:latin typeface="210 옴니고딕 030" panose="02020603020101020101" pitchFamily="18" charset="-127"/>
+                <a:ea typeface="210 옴니고딕 030" panose="02020603020101020101" pitchFamily="18" charset="-127"/>
+                <a:cs typeface="Arial"/>
+                <a:sym typeface="Wingdings" panose="05000000000000000000" pitchFamily="2" charset="2"/>
+              </a:rPr>
+              <a:t> Smoothing </a:t>
+            </a:r>
+            <a:r>
+              <a:rPr lang="ko-KR" altLang="en-US" sz="1200" dirty="0" smtClean="0">
+                <a:solidFill>
+                  <a:schemeClr val="dk1"/>
+                </a:solidFill>
+                <a:latin typeface="210 옴니고딕 030" panose="02020603020101020101" pitchFamily="18" charset="-127"/>
+                <a:ea typeface="210 옴니고딕 030" panose="02020603020101020101" pitchFamily="18" charset="-127"/>
+                <a:cs typeface="Arial"/>
+                <a:sym typeface="Wingdings" panose="05000000000000000000" pitchFamily="2" charset="2"/>
+              </a:rPr>
+              <a:t>기법 등을 통하여 해결 예정</a:t>
             </a:r>
             <a:endParaRPr lang="en-US" altLang="ko-KR" sz="1200" dirty="0">
               <a:solidFill>
@@ -9079,7 +12072,7 @@
               <a:latin typeface="210 옴니고딕 030" panose="02020603020101020101" pitchFamily="18" charset="-127"/>
               <a:ea typeface="210 옴니고딕 030" panose="02020603020101020101" pitchFamily="18" charset="-127"/>
               <a:cs typeface="Arial"/>
-              <a:sym typeface="Wingdings" panose="05000000000000000000" pitchFamily="2" charset="2"/>
+              <a:sym typeface="Arial"/>
             </a:endParaRPr>
           </a:p>
           <a:p>
@@ -9095,7 +12088,7 @@
               <a:buAutoNum type="arabicPeriod"/>
             </a:pPr>
             <a:r>
-              <a:rPr lang="ko-KR" altLang="en-US" sz="1200" dirty="0" err="1">
+              <a:rPr lang="ko-KR" altLang="en-US" sz="1200" dirty="0" err="1" smtClean="0">
                 <a:solidFill>
                   <a:schemeClr val="dk1"/>
                 </a:solidFill>
@@ -9107,6 +12100,18 @@
               <a:t>강화학습을</a:t>
             </a:r>
             <a:r>
+              <a:rPr lang="ko-KR" altLang="en-US" sz="1200" dirty="0" smtClean="0">
+                <a:solidFill>
+                  <a:schemeClr val="dk1"/>
+                </a:solidFill>
+                <a:latin typeface="210 옴니고딕 030" panose="02020603020101020101" pitchFamily="18" charset="-127"/>
+                <a:ea typeface="210 옴니고딕 030" panose="02020603020101020101" pitchFamily="18" charset="-127"/>
+                <a:cs typeface="Arial"/>
+                <a:sym typeface="Wingdings" panose="05000000000000000000" pitchFamily="2" charset="2"/>
+              </a:rPr>
+              <a:t> </a:t>
+            </a:r>
+            <a:r>
               <a:rPr lang="ko-KR" altLang="en-US" sz="1200" dirty="0">
                 <a:solidFill>
                   <a:schemeClr val="dk1"/>
@@ -9116,7 +12121,113 @@
                 <a:cs typeface="Arial"/>
                 <a:sym typeface="Wingdings" panose="05000000000000000000" pitchFamily="2" charset="2"/>
               </a:rPr>
-              <a:t> 위한 데이터 수집</a:t>
+              <a:t>위한 데이터 </a:t>
+            </a:r>
+            <a:r>
+              <a:rPr lang="ko-KR" altLang="en-US" sz="1200" dirty="0" smtClean="0">
+                <a:solidFill>
+                  <a:schemeClr val="dk1"/>
+                </a:solidFill>
+                <a:latin typeface="210 옴니고딕 030" panose="02020603020101020101" pitchFamily="18" charset="-127"/>
+                <a:ea typeface="210 옴니고딕 030" panose="02020603020101020101" pitchFamily="18" charset="-127"/>
+                <a:cs typeface="Arial"/>
+                <a:sym typeface="Wingdings" panose="05000000000000000000" pitchFamily="2" charset="2"/>
+              </a:rPr>
+              <a:t>수집</a:t>
+            </a:r>
+            <a:endParaRPr lang="en-US" altLang="ko-KR" sz="1200" dirty="0" smtClean="0">
+              <a:solidFill>
+                <a:schemeClr val="dk1"/>
+              </a:solidFill>
+              <a:latin typeface="210 옴니고딕 030" panose="02020603020101020101" pitchFamily="18" charset="-127"/>
+              <a:ea typeface="210 옴니고딕 030" panose="02020603020101020101" pitchFamily="18" charset="-127"/>
+              <a:cs typeface="Arial"/>
+              <a:sym typeface="Wingdings" panose="05000000000000000000" pitchFamily="2" charset="2"/>
+            </a:endParaRPr>
+          </a:p>
+          <a:p>
+            <a:pPr marL="257175" indent="-257175">
+              <a:lnSpc>
+                <a:spcPct val="200000"/>
+              </a:lnSpc>
+              <a:buClr>
+                <a:schemeClr val="dk1"/>
+              </a:buClr>
+              <a:buSzPts val="1600"/>
+              <a:buFont typeface="Arial"/>
+              <a:buAutoNum type="arabicPeriod"/>
+            </a:pPr>
+            <a:r>
+              <a:rPr lang="ko-KR" altLang="en-US" sz="1200" dirty="0" smtClean="0">
+                <a:solidFill>
+                  <a:schemeClr val="dk1"/>
+                </a:solidFill>
+                <a:latin typeface="210 옴니고딕 030" panose="02020603020101020101" pitchFamily="18" charset="-127"/>
+                <a:ea typeface="210 옴니고딕 030" panose="02020603020101020101" pitchFamily="18" charset="-127"/>
+                <a:cs typeface="Arial"/>
+                <a:sym typeface="Wingdings" panose="05000000000000000000" pitchFamily="2" charset="2"/>
+              </a:rPr>
+              <a:t>적은 데이터부터 </a:t>
+            </a:r>
+            <a:r>
+              <a:rPr lang="ko-KR" altLang="en-US" sz="1200" dirty="0" err="1" smtClean="0">
+                <a:solidFill>
+                  <a:schemeClr val="dk1"/>
+                </a:solidFill>
+                <a:latin typeface="210 옴니고딕 030" panose="02020603020101020101" pitchFamily="18" charset="-127"/>
+                <a:ea typeface="210 옴니고딕 030" panose="02020603020101020101" pitchFamily="18" charset="-127"/>
+                <a:cs typeface="Arial"/>
+                <a:sym typeface="Wingdings" panose="05000000000000000000" pitchFamily="2" charset="2"/>
+              </a:rPr>
+              <a:t>강화학습</a:t>
+            </a:r>
+            <a:r>
+              <a:rPr lang="ko-KR" altLang="en-US" sz="1200" dirty="0" smtClean="0">
+                <a:solidFill>
+                  <a:schemeClr val="dk1"/>
+                </a:solidFill>
+                <a:latin typeface="210 옴니고딕 030" panose="02020603020101020101" pitchFamily="18" charset="-127"/>
+                <a:ea typeface="210 옴니고딕 030" panose="02020603020101020101" pitchFamily="18" charset="-127"/>
+                <a:cs typeface="Arial"/>
+                <a:sym typeface="Wingdings" panose="05000000000000000000" pitchFamily="2" charset="2"/>
+              </a:rPr>
+              <a:t> 진행 </a:t>
+            </a:r>
+            <a:r>
+              <a:rPr lang="en-US" altLang="ko-KR" sz="1200" dirty="0" smtClean="0">
+                <a:solidFill>
+                  <a:schemeClr val="dk1"/>
+                </a:solidFill>
+                <a:latin typeface="210 옴니고딕 030" panose="02020603020101020101" pitchFamily="18" charset="-127"/>
+                <a:ea typeface="210 옴니고딕 030" panose="02020603020101020101" pitchFamily="18" charset="-127"/>
+                <a:cs typeface="Arial"/>
+                <a:sym typeface="Wingdings" panose="05000000000000000000" pitchFamily="2" charset="2"/>
+              </a:rPr>
+              <a:t> </a:t>
+            </a:r>
+            <a:r>
+              <a:rPr lang="ko-KR" altLang="en-US" sz="1200" dirty="0" smtClean="0">
+                <a:solidFill>
+                  <a:schemeClr val="dk1"/>
+                </a:solidFill>
+                <a:latin typeface="210 옴니고딕 030" panose="02020603020101020101" pitchFamily="18" charset="-127"/>
+                <a:ea typeface="210 옴니고딕 030" panose="02020603020101020101" pitchFamily="18" charset="-127"/>
+                <a:cs typeface="Arial"/>
+                <a:sym typeface="Wingdings" panose="05000000000000000000" pitchFamily="2" charset="2"/>
+              </a:rPr>
+              <a:t>데이터 추가하며 진행 </a:t>
+            </a:r>
+            <a:r>
+              <a:rPr lang="ko-KR" altLang="en-US" sz="1200" dirty="0" err="1" smtClean="0">
+                <a:solidFill>
+                  <a:schemeClr val="dk1"/>
+                </a:solidFill>
+                <a:latin typeface="210 옴니고딕 030" panose="02020603020101020101" pitchFamily="18" charset="-127"/>
+                <a:ea typeface="210 옴니고딕 030" panose="02020603020101020101" pitchFamily="18" charset="-127"/>
+                <a:cs typeface="Arial"/>
+                <a:sym typeface="Wingdings" panose="05000000000000000000" pitchFamily="2" charset="2"/>
+              </a:rPr>
+              <a:t>예쩡</a:t>
             </a:r>
             <a:endParaRPr lang="en-US" altLang="ko-KR" sz="1200" dirty="0">
               <a:solidFill>
@@ -9130,10 +12241,40 @@
           </a:p>
         </p:txBody>
       </p:sp>
+      <p:pic>
+        <p:nvPicPr>
+          <p:cNvPr id="6" name="그림 5"/>
+          <p:cNvPicPr>
+            <a:picLocks noChangeAspect="1"/>
+          </p:cNvPicPr>
+          <p:nvPr/>
+        </p:nvPicPr>
+        <p:blipFill>
+          <a:blip r:embed="rId3">
+            <a:extLst>
+              <a:ext uri="{28A0092B-C50C-407E-A947-70E740481C1C}">
+                <a14:useLocalDpi xmlns:a14="http://schemas.microsoft.com/office/drawing/2010/main" val="0"/>
+              </a:ext>
+            </a:extLst>
+          </a:blip>
+          <a:stretch>
+            <a:fillRect/>
+          </a:stretch>
+        </p:blipFill>
+        <p:spPr>
+          <a:xfrm>
+            <a:off x="1725009" y="3577528"/>
+            <a:ext cx="2183908" cy="2183908"/>
+          </a:xfrm>
+          <a:prstGeom prst="rect">
+            <a:avLst/>
+          </a:prstGeom>
+        </p:spPr>
+      </p:pic>
     </p:spTree>
     <p:extLst>
       <p:ext uri="{BB962C8B-B14F-4D97-AF65-F5344CB8AC3E}">
-        <p14:creationId xmlns:p14="http://schemas.microsoft.com/office/powerpoint/2010/main" val="3039598303"/>
+        <p14:creationId xmlns:p14="http://schemas.microsoft.com/office/powerpoint/2010/main" val="1941361311"/>
       </p:ext>
     </p:extLst>
   </p:cSld>
@@ -9143,7 +12284,322 @@
 </p:sld>
 </file>
 
-<file path=ppt/slides/slide16.xml><?xml version="1.0" encoding="utf-8"?>
+<file path=ppt/slides/slide2.xml><?xml version="1.0" encoding="utf-8"?>
+<p:sld xmlns:a="http://schemas.openxmlformats.org/drawingml/2006/main" xmlns:r="http://schemas.openxmlformats.org/officeDocument/2006/relationships" xmlns:p="http://schemas.openxmlformats.org/presentationml/2006/main">
+  <p:cSld>
+    <p:spTree>
+      <p:nvGrpSpPr>
+        <p:cNvPr id="1" name=""/>
+        <p:cNvGrpSpPr/>
+        <p:nvPr/>
+      </p:nvGrpSpPr>
+      <p:grpSpPr>
+        <a:xfrm>
+          <a:off x="0" y="0"/>
+          <a:ext cx="0" cy="0"/>
+          <a:chOff x="0" y="0"/>
+          <a:chExt cx="0" cy="0"/>
+        </a:xfrm>
+      </p:grpSpPr>
+      <p:grpSp>
+        <p:nvGrpSpPr>
+          <p:cNvPr id="2" name="그룹 1"/>
+          <p:cNvGrpSpPr/>
+          <p:nvPr/>
+        </p:nvGrpSpPr>
+        <p:grpSpPr>
+          <a:xfrm>
+            <a:off x="1186945" y="2500308"/>
+            <a:ext cx="6770111" cy="1389947"/>
+            <a:chOff x="2362014" y="1484405"/>
+            <a:chExt cx="7225457" cy="1853263"/>
+          </a:xfrm>
+        </p:grpSpPr>
+        <p:sp>
+          <p:nvSpPr>
+            <p:cNvPr id="9" name="TextBox 8"/>
+            <p:cNvSpPr txBox="1"/>
+            <p:nvPr/>
+          </p:nvSpPr>
+          <p:spPr>
+            <a:xfrm>
+              <a:off x="2362014" y="2385100"/>
+              <a:ext cx="7225457" cy="952568"/>
+            </a:xfrm>
+            <a:prstGeom prst="rect">
+              <a:avLst/>
+            </a:prstGeom>
+            <a:noFill/>
+          </p:spPr>
+          <p:txBody>
+            <a:bodyPr wrap="square">
+              <a:spAutoFit/>
+            </a:bodyPr>
+            <a:lstStyle/>
+            <a:p>
+              <a:pPr algn="ctr">
+                <a:lnSpc>
+                  <a:spcPct val="130000"/>
+                </a:lnSpc>
+                <a:defRPr/>
+              </a:pPr>
+              <a:r>
+                <a:rPr lang="ko-KR" altLang="en-US" sz="3300" b="1" dirty="0">
+                  <a:ln w="9525">
+                    <a:solidFill>
+                      <a:schemeClr val="tx1">
+                        <a:alpha val="30000"/>
+                      </a:schemeClr>
+                    </a:solidFill>
+                  </a:ln>
+                  <a:latin typeface="210 옴니고딕 030" panose="02020603020101020101" pitchFamily="18" charset="-127"/>
+                  <a:ea typeface="210 옴니고딕 030" panose="02020603020101020101" pitchFamily="18" charset="-127"/>
+                  <a:cs typeface="+mj-cs"/>
+                </a:rPr>
+                <a:t>용접 자동화</a:t>
+              </a:r>
+              <a:endParaRPr lang="ko-KR" altLang="en-US" sz="2400" dirty="0">
+                <a:ln w="9525">
+                  <a:solidFill>
+                    <a:schemeClr val="tx1">
+                      <a:alpha val="30000"/>
+                    </a:schemeClr>
+                  </a:solidFill>
+                </a:ln>
+                <a:latin typeface="210 옴니고딕 030" panose="02020603020101020101" pitchFamily="18" charset="-127"/>
+                <a:ea typeface="210 옴니고딕 030" panose="02020603020101020101" pitchFamily="18" charset="-127"/>
+                <a:cs typeface="+mj-cs"/>
+              </a:endParaRPr>
+            </a:p>
+          </p:txBody>
+        </p:sp>
+        <p:sp>
+          <p:nvSpPr>
+            <p:cNvPr id="14" name="TextBox 13"/>
+            <p:cNvSpPr txBox="1"/>
+            <p:nvPr/>
+          </p:nvSpPr>
+          <p:spPr>
+            <a:xfrm>
+              <a:off x="4337107" y="1484405"/>
+              <a:ext cx="3275272" cy="338555"/>
+            </a:xfrm>
+            <a:prstGeom prst="rect">
+              <a:avLst/>
+            </a:prstGeom>
+            <a:noFill/>
+          </p:spPr>
+          <p:txBody>
+            <a:bodyPr wrap="square">
+              <a:spAutoFit/>
+            </a:bodyPr>
+            <a:lstStyle/>
+            <a:p>
+              <a:pPr algn="ctr">
+                <a:defRPr/>
+              </a:pPr>
+              <a:r>
+                <a:rPr lang="en-US" altLang="ko-KR" sz="1050" dirty="0">
+                  <a:ln w="9525">
+                    <a:solidFill>
+                      <a:schemeClr val="tx1">
+                        <a:alpha val="10000"/>
+                      </a:schemeClr>
+                    </a:solidFill>
+                  </a:ln>
+                  <a:latin typeface="210 옴니고딕 030" panose="02020603020101020101" pitchFamily="18" charset="-127"/>
+                  <a:ea typeface="210 옴니고딕 030" panose="02020603020101020101" pitchFamily="18" charset="-127"/>
+                  <a:cs typeface="+mj-cs"/>
+                </a:rPr>
+                <a:t>2022 CAI Lab Meeting</a:t>
+              </a:r>
+              <a:endParaRPr lang="en-US" altLang="ko-KR" sz="1050" dirty="0">
+                <a:latin typeface="210 옴니고딕 030" panose="02020603020101020101" pitchFamily="18" charset="-127"/>
+                <a:ea typeface="210 옴니고딕 030" panose="02020603020101020101" pitchFamily="18" charset="-127"/>
+                <a:cs typeface="+mj-cs"/>
+              </a:endParaRPr>
+            </a:p>
+          </p:txBody>
+        </p:sp>
+        <p:grpSp>
+          <p:nvGrpSpPr>
+            <p:cNvPr id="25" name="그룹 24"/>
+            <p:cNvGrpSpPr/>
+            <p:nvPr/>
+          </p:nvGrpSpPr>
+          <p:grpSpPr>
+            <a:xfrm>
+              <a:off x="4337109" y="1769323"/>
+              <a:ext cx="3275272" cy="48144"/>
+              <a:chOff x="4337108" y="1769323"/>
+              <a:chExt cx="3275272" cy="48144"/>
+            </a:xfrm>
+          </p:grpSpPr>
+          <p:cxnSp>
+            <p:nvCxnSpPr>
+              <p:cNvPr id="5" name="직선 연결선 4"/>
+              <p:cNvCxnSpPr/>
+              <p:nvPr/>
+            </p:nvCxnSpPr>
+            <p:spPr>
+              <a:xfrm>
+                <a:off x="4337108" y="1817467"/>
+                <a:ext cx="3275272" cy="0"/>
+              </a:xfrm>
+              <a:prstGeom prst="line">
+                <a:avLst/>
+              </a:prstGeom>
+              <a:solidFill>
+                <a:schemeClr val="accent1">
+                  <a:lumMod val="50000"/>
+                  <a:alpha val="70000"/>
+                </a:schemeClr>
+              </a:solidFill>
+              <a:ln w="38100">
+                <a:solidFill>
+                  <a:schemeClr val="tx1"/>
+                </a:solidFill>
+              </a:ln>
+            </p:spPr>
+            <p:style>
+              <a:lnRef idx="1">
+                <a:schemeClr val="accent1"/>
+              </a:lnRef>
+              <a:fillRef idx="0">
+                <a:schemeClr val="accent1"/>
+              </a:fillRef>
+              <a:effectRef idx="0">
+                <a:schemeClr val="accent1"/>
+              </a:effectRef>
+              <a:fontRef idx="minor">
+                <a:schemeClr val="tx1"/>
+              </a:fontRef>
+            </p:style>
+          </p:cxnSp>
+          <p:sp>
+            <p:nvSpPr>
+              <p:cNvPr id="7" name="직사각형 6"/>
+              <p:cNvSpPr/>
+              <p:nvPr/>
+            </p:nvSpPr>
+            <p:spPr>
+              <a:xfrm>
+                <a:off x="4342384" y="1769323"/>
+                <a:ext cx="633711" cy="45719"/>
+              </a:xfrm>
+              <a:prstGeom prst="rect">
+                <a:avLst/>
+              </a:prstGeom>
+              <a:solidFill>
+                <a:schemeClr val="tx1"/>
+              </a:solidFill>
+              <a:ln>
+                <a:solidFill>
+                  <a:schemeClr val="tx1"/>
+                </a:solidFill>
+              </a:ln>
+            </p:spPr>
+            <p:style>
+              <a:lnRef idx="2">
+                <a:schemeClr val="accent1">
+                  <a:shade val="50000"/>
+                </a:schemeClr>
+              </a:lnRef>
+              <a:fillRef idx="1">
+                <a:schemeClr val="accent1"/>
+              </a:fillRef>
+              <a:effectRef idx="0">
+                <a:schemeClr val="accent1"/>
+              </a:effectRef>
+              <a:fontRef idx="minor">
+                <a:schemeClr val="lt1"/>
+              </a:fontRef>
+            </p:style>
+            <p:txBody>
+              <a:bodyPr anchor="ctr"/>
+              <a:lstStyle/>
+              <a:p>
+                <a:pPr algn="ctr">
+                  <a:defRPr/>
+                </a:pPr>
+                <a:endParaRPr lang="ko-KR" altLang="en-US" sz="1500">
+                  <a:latin typeface="+mj-lt"/>
+                </a:endParaRPr>
+              </a:p>
+            </p:txBody>
+          </p:sp>
+        </p:grpSp>
+      </p:grpSp>
+      <p:pic>
+        <p:nvPicPr>
+          <p:cNvPr id="11" name="그림 10"/>
+          <p:cNvPicPr>
+            <a:picLocks noChangeAspect="1"/>
+          </p:cNvPicPr>
+          <p:nvPr/>
+        </p:nvPicPr>
+        <p:blipFill rotWithShape="1">
+          <a:blip r:embed="rId3"/>
+          <a:stretch>
+            <a:fillRect/>
+          </a:stretch>
+        </p:blipFill>
+        <p:spPr>
+          <a:xfrm>
+            <a:off x="5743183" y="5266733"/>
+            <a:ext cx="3136353" cy="1522163"/>
+          </a:xfrm>
+          <a:prstGeom prst="rect">
+            <a:avLst/>
+          </a:prstGeom>
+        </p:spPr>
+      </p:pic>
+      <p:sp>
+        <p:nvSpPr>
+          <p:cNvPr id="4" name="슬라이드 번호 개체 틀 3"/>
+          <p:cNvSpPr>
+            <a:spLocks noGrp="1"/>
+          </p:cNvSpPr>
+          <p:nvPr>
+            <p:ph type="sldNum" sz="quarter" idx="12"/>
+          </p:nvPr>
+        </p:nvSpPr>
+        <p:spPr/>
+        <p:txBody>
+          <a:bodyPr/>
+          <a:lstStyle/>
+          <a:p>
+            <a:pPr lvl="0">
+              <a:defRPr/>
+            </a:pPr>
+            <a:fld id="{97D217C8-C1B9-4E84-BCEB-D9195FCD889E}" type="slidenum">
+              <a:rPr lang="en-US" altLang="en-US"/>
+              <a:pPr lvl="0">
+                <a:defRPr/>
+              </a:pPr>
+              <a:t>2</a:t>
+            </a:fld>
+            <a:endParaRPr lang="en-US" altLang="en-US"/>
+          </a:p>
+        </p:txBody>
+      </p:sp>
+    </p:spTree>
+  </p:cSld>
+  <p:clrMapOvr>
+    <a:masterClrMapping/>
+  </p:clrMapOvr>
+  <mc:AlternateContent xmlns:mc="http://schemas.openxmlformats.org/markup-compatibility/2006" xmlns:p14="http://schemas.microsoft.com/office/powerpoint/2010/main">
+    <mc:Choice Requires="p14">
+      <p:transition advTm="250"/>
+    </mc:Choice>
+    <mc:Fallback xmlns="">
+      <p:transition/>
+    </mc:Fallback>
+  </mc:AlternateContent>
+</p:sld>
+</file>
+
+<file path=ppt/slides/slide20.xml><?xml version="1.0" encoding="utf-8"?>
 <p:sld xmlns:a="http://schemas.openxmlformats.org/drawingml/2006/main" xmlns:r="http://schemas.openxmlformats.org/officeDocument/2006/relationships" xmlns:p="http://schemas.openxmlformats.org/presentationml/2006/main">
   <p:cSld>
     <p:spTree>
@@ -9489,7 +12945,7 @@
             <a:fld id="{97D217C8-C1B9-4E84-BCEB-D9195FCD889E}" type="slidenum">
               <a:rPr lang="ko-KR" altLang="en-US" smtClean="0"/>
               <a:pPr/>
-              <a:t>16</a:t>
+              <a:t>20</a:t>
             </a:fld>
             <a:endParaRPr lang="ko-KR" altLang="en-US"/>
           </a:p>
@@ -9509,7 +12965,7 @@
 </p:sld>
 </file>
 
-<file path=ppt/slides/slide17.xml><?xml version="1.0" encoding="utf-8"?>
+<file path=ppt/slides/slide21.xml><?xml version="1.0" encoding="utf-8"?>
 <p:sld xmlns:a="http://schemas.openxmlformats.org/drawingml/2006/main" xmlns:r="http://schemas.openxmlformats.org/officeDocument/2006/relationships" xmlns:p="http://schemas.openxmlformats.org/presentationml/2006/main">
   <p:cSld>
     <p:spTree>
@@ -10459,7 +13915,7 @@
 </p:sld>
 </file>
 
-<file path=ppt/slides/slide18.xml><?xml version="1.0" encoding="utf-8"?>
+<file path=ppt/slides/slide22.xml><?xml version="1.0" encoding="utf-8"?>
 <p:sld xmlns:a="http://schemas.openxmlformats.org/drawingml/2006/main" xmlns:r="http://schemas.openxmlformats.org/officeDocument/2006/relationships" xmlns:p="http://schemas.openxmlformats.org/presentationml/2006/main">
   <p:cSld>
     <p:spTree>
@@ -11296,7 +14752,7 @@
 </p:sld>
 </file>
 
-<file path=ppt/slides/slide19.xml><?xml version="1.0" encoding="utf-8"?>
+<file path=ppt/slides/slide23.xml><?xml version="1.0" encoding="utf-8"?>
 <p:sld xmlns:a="http://schemas.openxmlformats.org/drawingml/2006/main" xmlns:r="http://schemas.openxmlformats.org/officeDocument/2006/relationships" xmlns:p="http://schemas.openxmlformats.org/presentationml/2006/main">
   <p:cSld>
     <p:spTree>
@@ -11888,322 +15344,7 @@
 </p:sld>
 </file>
 
-<file path=ppt/slides/slide2.xml><?xml version="1.0" encoding="utf-8"?>
-<p:sld xmlns:a="http://schemas.openxmlformats.org/drawingml/2006/main" xmlns:r="http://schemas.openxmlformats.org/officeDocument/2006/relationships" xmlns:p="http://schemas.openxmlformats.org/presentationml/2006/main">
-  <p:cSld>
-    <p:spTree>
-      <p:nvGrpSpPr>
-        <p:cNvPr id="1" name=""/>
-        <p:cNvGrpSpPr/>
-        <p:nvPr/>
-      </p:nvGrpSpPr>
-      <p:grpSpPr>
-        <a:xfrm>
-          <a:off x="0" y="0"/>
-          <a:ext cx="0" cy="0"/>
-          <a:chOff x="0" y="0"/>
-          <a:chExt cx="0" cy="0"/>
-        </a:xfrm>
-      </p:grpSpPr>
-      <p:grpSp>
-        <p:nvGrpSpPr>
-          <p:cNvPr id="2" name="그룹 1"/>
-          <p:cNvGrpSpPr/>
-          <p:nvPr/>
-        </p:nvGrpSpPr>
-        <p:grpSpPr>
-          <a:xfrm>
-            <a:off x="1186945" y="2500308"/>
-            <a:ext cx="6770111" cy="1389947"/>
-            <a:chOff x="2362014" y="1484405"/>
-            <a:chExt cx="7225457" cy="1853263"/>
-          </a:xfrm>
-        </p:grpSpPr>
-        <p:sp>
-          <p:nvSpPr>
-            <p:cNvPr id="9" name="TextBox 8"/>
-            <p:cNvSpPr txBox="1"/>
-            <p:nvPr/>
-          </p:nvSpPr>
-          <p:spPr>
-            <a:xfrm>
-              <a:off x="2362014" y="2385100"/>
-              <a:ext cx="7225457" cy="952568"/>
-            </a:xfrm>
-            <a:prstGeom prst="rect">
-              <a:avLst/>
-            </a:prstGeom>
-            <a:noFill/>
-          </p:spPr>
-          <p:txBody>
-            <a:bodyPr wrap="square">
-              <a:spAutoFit/>
-            </a:bodyPr>
-            <a:lstStyle/>
-            <a:p>
-              <a:pPr algn="ctr">
-                <a:lnSpc>
-                  <a:spcPct val="130000"/>
-                </a:lnSpc>
-                <a:defRPr/>
-              </a:pPr>
-              <a:r>
-                <a:rPr lang="ko-KR" altLang="en-US" sz="3300" b="1" dirty="0">
-                  <a:ln w="9525">
-                    <a:solidFill>
-                      <a:schemeClr val="tx1">
-                        <a:alpha val="30000"/>
-                      </a:schemeClr>
-                    </a:solidFill>
-                  </a:ln>
-                  <a:latin typeface="210 옴니고딕 030" panose="02020603020101020101" pitchFamily="18" charset="-127"/>
-                  <a:ea typeface="210 옴니고딕 030" panose="02020603020101020101" pitchFamily="18" charset="-127"/>
-                  <a:cs typeface="+mj-cs"/>
-                </a:rPr>
-                <a:t>용접 자동화</a:t>
-              </a:r>
-              <a:endParaRPr lang="ko-KR" altLang="en-US" sz="2400" dirty="0">
-                <a:ln w="9525">
-                  <a:solidFill>
-                    <a:schemeClr val="tx1">
-                      <a:alpha val="30000"/>
-                    </a:schemeClr>
-                  </a:solidFill>
-                </a:ln>
-                <a:latin typeface="210 옴니고딕 030" panose="02020603020101020101" pitchFamily="18" charset="-127"/>
-                <a:ea typeface="210 옴니고딕 030" panose="02020603020101020101" pitchFamily="18" charset="-127"/>
-                <a:cs typeface="+mj-cs"/>
-              </a:endParaRPr>
-            </a:p>
-          </p:txBody>
-        </p:sp>
-        <p:sp>
-          <p:nvSpPr>
-            <p:cNvPr id="14" name="TextBox 13"/>
-            <p:cNvSpPr txBox="1"/>
-            <p:nvPr/>
-          </p:nvSpPr>
-          <p:spPr>
-            <a:xfrm>
-              <a:off x="4337107" y="1484405"/>
-              <a:ext cx="3275272" cy="338555"/>
-            </a:xfrm>
-            <a:prstGeom prst="rect">
-              <a:avLst/>
-            </a:prstGeom>
-            <a:noFill/>
-          </p:spPr>
-          <p:txBody>
-            <a:bodyPr wrap="square">
-              <a:spAutoFit/>
-            </a:bodyPr>
-            <a:lstStyle/>
-            <a:p>
-              <a:pPr algn="ctr">
-                <a:defRPr/>
-              </a:pPr>
-              <a:r>
-                <a:rPr lang="en-US" altLang="ko-KR" sz="1050" dirty="0">
-                  <a:ln w="9525">
-                    <a:solidFill>
-                      <a:schemeClr val="tx1">
-                        <a:alpha val="10000"/>
-                      </a:schemeClr>
-                    </a:solidFill>
-                  </a:ln>
-                  <a:latin typeface="210 옴니고딕 030" panose="02020603020101020101" pitchFamily="18" charset="-127"/>
-                  <a:ea typeface="210 옴니고딕 030" panose="02020603020101020101" pitchFamily="18" charset="-127"/>
-                  <a:cs typeface="+mj-cs"/>
-                </a:rPr>
-                <a:t>2022 CAI Lab Meeting</a:t>
-              </a:r>
-              <a:endParaRPr lang="en-US" altLang="ko-KR" sz="1050" dirty="0">
-                <a:latin typeface="210 옴니고딕 030" panose="02020603020101020101" pitchFamily="18" charset="-127"/>
-                <a:ea typeface="210 옴니고딕 030" panose="02020603020101020101" pitchFamily="18" charset="-127"/>
-                <a:cs typeface="+mj-cs"/>
-              </a:endParaRPr>
-            </a:p>
-          </p:txBody>
-        </p:sp>
-        <p:grpSp>
-          <p:nvGrpSpPr>
-            <p:cNvPr id="25" name="그룹 24"/>
-            <p:cNvGrpSpPr/>
-            <p:nvPr/>
-          </p:nvGrpSpPr>
-          <p:grpSpPr>
-            <a:xfrm>
-              <a:off x="4337109" y="1769323"/>
-              <a:ext cx="3275272" cy="48144"/>
-              <a:chOff x="4337108" y="1769323"/>
-              <a:chExt cx="3275272" cy="48144"/>
-            </a:xfrm>
-          </p:grpSpPr>
-          <p:cxnSp>
-            <p:nvCxnSpPr>
-              <p:cNvPr id="5" name="직선 연결선 4"/>
-              <p:cNvCxnSpPr/>
-              <p:nvPr/>
-            </p:nvCxnSpPr>
-            <p:spPr>
-              <a:xfrm>
-                <a:off x="4337108" y="1817467"/>
-                <a:ext cx="3275272" cy="0"/>
-              </a:xfrm>
-              <a:prstGeom prst="line">
-                <a:avLst/>
-              </a:prstGeom>
-              <a:solidFill>
-                <a:schemeClr val="accent1">
-                  <a:lumMod val="50000"/>
-                  <a:alpha val="70000"/>
-                </a:schemeClr>
-              </a:solidFill>
-              <a:ln w="38100">
-                <a:solidFill>
-                  <a:schemeClr val="tx1"/>
-                </a:solidFill>
-              </a:ln>
-            </p:spPr>
-            <p:style>
-              <a:lnRef idx="1">
-                <a:schemeClr val="accent1"/>
-              </a:lnRef>
-              <a:fillRef idx="0">
-                <a:schemeClr val="accent1"/>
-              </a:fillRef>
-              <a:effectRef idx="0">
-                <a:schemeClr val="accent1"/>
-              </a:effectRef>
-              <a:fontRef idx="minor">
-                <a:schemeClr val="tx1"/>
-              </a:fontRef>
-            </p:style>
-          </p:cxnSp>
-          <p:sp>
-            <p:nvSpPr>
-              <p:cNvPr id="7" name="직사각형 6"/>
-              <p:cNvSpPr/>
-              <p:nvPr/>
-            </p:nvSpPr>
-            <p:spPr>
-              <a:xfrm>
-                <a:off x="4342384" y="1769323"/>
-                <a:ext cx="633711" cy="45719"/>
-              </a:xfrm>
-              <a:prstGeom prst="rect">
-                <a:avLst/>
-              </a:prstGeom>
-              <a:solidFill>
-                <a:schemeClr val="tx1"/>
-              </a:solidFill>
-              <a:ln>
-                <a:solidFill>
-                  <a:schemeClr val="tx1"/>
-                </a:solidFill>
-              </a:ln>
-            </p:spPr>
-            <p:style>
-              <a:lnRef idx="2">
-                <a:schemeClr val="accent1">
-                  <a:shade val="50000"/>
-                </a:schemeClr>
-              </a:lnRef>
-              <a:fillRef idx="1">
-                <a:schemeClr val="accent1"/>
-              </a:fillRef>
-              <a:effectRef idx="0">
-                <a:schemeClr val="accent1"/>
-              </a:effectRef>
-              <a:fontRef idx="minor">
-                <a:schemeClr val="lt1"/>
-              </a:fontRef>
-            </p:style>
-            <p:txBody>
-              <a:bodyPr anchor="ctr"/>
-              <a:lstStyle/>
-              <a:p>
-                <a:pPr algn="ctr">
-                  <a:defRPr/>
-                </a:pPr>
-                <a:endParaRPr lang="ko-KR" altLang="en-US" sz="1500">
-                  <a:latin typeface="+mj-lt"/>
-                </a:endParaRPr>
-              </a:p>
-            </p:txBody>
-          </p:sp>
-        </p:grpSp>
-      </p:grpSp>
-      <p:pic>
-        <p:nvPicPr>
-          <p:cNvPr id="11" name="그림 10"/>
-          <p:cNvPicPr>
-            <a:picLocks noChangeAspect="1"/>
-          </p:cNvPicPr>
-          <p:nvPr/>
-        </p:nvPicPr>
-        <p:blipFill rotWithShape="1">
-          <a:blip r:embed="rId3"/>
-          <a:stretch>
-            <a:fillRect/>
-          </a:stretch>
-        </p:blipFill>
-        <p:spPr>
-          <a:xfrm>
-            <a:off x="5743183" y="5266733"/>
-            <a:ext cx="3136353" cy="1522163"/>
-          </a:xfrm>
-          <a:prstGeom prst="rect">
-            <a:avLst/>
-          </a:prstGeom>
-        </p:spPr>
-      </p:pic>
-      <p:sp>
-        <p:nvSpPr>
-          <p:cNvPr id="4" name="슬라이드 번호 개체 틀 3"/>
-          <p:cNvSpPr>
-            <a:spLocks noGrp="1"/>
-          </p:cNvSpPr>
-          <p:nvPr>
-            <p:ph type="sldNum" sz="quarter" idx="12"/>
-          </p:nvPr>
-        </p:nvSpPr>
-        <p:spPr/>
-        <p:txBody>
-          <a:bodyPr/>
-          <a:lstStyle/>
-          <a:p>
-            <a:pPr lvl="0">
-              <a:defRPr/>
-            </a:pPr>
-            <a:fld id="{97D217C8-C1B9-4E84-BCEB-D9195FCD889E}" type="slidenum">
-              <a:rPr lang="en-US" altLang="en-US"/>
-              <a:pPr lvl="0">
-                <a:defRPr/>
-              </a:pPr>
-              <a:t>2</a:t>
-            </a:fld>
-            <a:endParaRPr lang="en-US" altLang="en-US"/>
-          </a:p>
-        </p:txBody>
-      </p:sp>
-    </p:spTree>
-  </p:cSld>
-  <p:clrMapOvr>
-    <a:masterClrMapping/>
-  </p:clrMapOvr>
-  <mc:AlternateContent xmlns:mc="http://schemas.openxmlformats.org/markup-compatibility/2006" xmlns:p14="http://schemas.microsoft.com/office/powerpoint/2010/main">
-    <mc:Choice Requires="p14">
-      <p:transition advTm="250"/>
-    </mc:Choice>
-    <mc:Fallback xmlns="">
-      <p:transition/>
-    </mc:Fallback>
-  </mc:AlternateContent>
-</p:sld>
-</file>
-
-<file path=ppt/slides/slide20.xml><?xml version="1.0" encoding="utf-8"?>
+<file path=ppt/slides/slide24.xml><?xml version="1.0" encoding="utf-8"?>
 <p:sld xmlns:a="http://schemas.openxmlformats.org/drawingml/2006/main" xmlns:r="http://schemas.openxmlformats.org/officeDocument/2006/relationships" xmlns:p="http://schemas.openxmlformats.org/presentationml/2006/main">
   <p:cSld>
     <p:spTree>
@@ -12342,7 +15483,7 @@
               <a:pPr lvl="0">
                 <a:defRPr/>
               </a:pPr>
-              <a:t>20</a:t>
+              <a:t>24</a:t>
             </a:fld>
             <a:endParaRPr lang="en-US" altLang="en-US"/>
           </a:p>
